--- a/Writing/Figs.pptx
+++ b/Writing/Figs.pptx
@@ -241,7 +241,7 @@
           <a:p>
             <a:fld id="{D5436C50-0FB6-4D02-BEC8-AE142D0D2100}" type="datetimeFigureOut">
               <a:rPr lang="en-US" smtClean="0"/>
-              <a:t>4/20/2017</a:t>
+              <a:t>5/9/2017</a:t>
             </a:fld>
             <a:endParaRPr lang="en-US"/>
           </a:p>
@@ -409,7 +409,7 @@
           <a:p>
             <a:fld id="{D5436C50-0FB6-4D02-BEC8-AE142D0D2100}" type="datetimeFigureOut">
               <a:rPr lang="en-US" smtClean="0"/>
-              <a:t>4/20/2017</a:t>
+              <a:t>5/9/2017</a:t>
             </a:fld>
             <a:endParaRPr lang="en-US"/>
           </a:p>
@@ -587,7 +587,7 @@
           <a:p>
             <a:fld id="{D5436C50-0FB6-4D02-BEC8-AE142D0D2100}" type="datetimeFigureOut">
               <a:rPr lang="en-US" smtClean="0"/>
-              <a:t>4/20/2017</a:t>
+              <a:t>5/9/2017</a:t>
             </a:fld>
             <a:endParaRPr lang="en-US"/>
           </a:p>
@@ -755,7 +755,7 @@
           <a:p>
             <a:fld id="{D5436C50-0FB6-4D02-BEC8-AE142D0D2100}" type="datetimeFigureOut">
               <a:rPr lang="en-US" smtClean="0"/>
-              <a:t>4/20/2017</a:t>
+              <a:t>5/9/2017</a:t>
             </a:fld>
             <a:endParaRPr lang="en-US"/>
           </a:p>
@@ -1000,7 +1000,7 @@
           <a:p>
             <a:fld id="{D5436C50-0FB6-4D02-BEC8-AE142D0D2100}" type="datetimeFigureOut">
               <a:rPr lang="en-US" smtClean="0"/>
-              <a:t>4/20/2017</a:t>
+              <a:t>5/9/2017</a:t>
             </a:fld>
             <a:endParaRPr lang="en-US"/>
           </a:p>
@@ -1229,7 +1229,7 @@
           <a:p>
             <a:fld id="{D5436C50-0FB6-4D02-BEC8-AE142D0D2100}" type="datetimeFigureOut">
               <a:rPr lang="en-US" smtClean="0"/>
-              <a:t>4/20/2017</a:t>
+              <a:t>5/9/2017</a:t>
             </a:fld>
             <a:endParaRPr lang="en-US"/>
           </a:p>
@@ -1593,7 +1593,7 @@
           <a:p>
             <a:fld id="{D5436C50-0FB6-4D02-BEC8-AE142D0D2100}" type="datetimeFigureOut">
               <a:rPr lang="en-US" smtClean="0"/>
-              <a:t>4/20/2017</a:t>
+              <a:t>5/9/2017</a:t>
             </a:fld>
             <a:endParaRPr lang="en-US"/>
           </a:p>
@@ -1710,7 +1710,7 @@
           <a:p>
             <a:fld id="{D5436C50-0FB6-4D02-BEC8-AE142D0D2100}" type="datetimeFigureOut">
               <a:rPr lang="en-US" smtClean="0"/>
-              <a:t>4/20/2017</a:t>
+              <a:t>5/9/2017</a:t>
             </a:fld>
             <a:endParaRPr lang="en-US"/>
           </a:p>
@@ -1805,7 +1805,7 @@
           <a:p>
             <a:fld id="{D5436C50-0FB6-4D02-BEC8-AE142D0D2100}" type="datetimeFigureOut">
               <a:rPr lang="en-US" smtClean="0"/>
-              <a:t>4/20/2017</a:t>
+              <a:t>5/9/2017</a:t>
             </a:fld>
             <a:endParaRPr lang="en-US"/>
           </a:p>
@@ -2080,7 +2080,7 @@
           <a:p>
             <a:fld id="{D5436C50-0FB6-4D02-BEC8-AE142D0D2100}" type="datetimeFigureOut">
               <a:rPr lang="en-US" smtClean="0"/>
-              <a:t>4/20/2017</a:t>
+              <a:t>5/9/2017</a:t>
             </a:fld>
             <a:endParaRPr lang="en-US"/>
           </a:p>
@@ -2332,7 +2332,7 @@
           <a:p>
             <a:fld id="{D5436C50-0FB6-4D02-BEC8-AE142D0D2100}" type="datetimeFigureOut">
               <a:rPr lang="en-US" smtClean="0"/>
-              <a:t>4/20/2017</a:t>
+              <a:t>5/9/2017</a:t>
             </a:fld>
             <a:endParaRPr lang="en-US"/>
           </a:p>
@@ -2543,7 +2543,7 @@
           <a:p>
             <a:fld id="{D5436C50-0FB6-4D02-BEC8-AE142D0D2100}" type="datetimeFigureOut">
               <a:rPr lang="en-US" smtClean="0"/>
-              <a:t>4/20/2017</a:t>
+              <a:t>5/9/2017</a:t>
             </a:fld>
             <a:endParaRPr lang="en-US"/>
           </a:p>
@@ -2950,13 +2950,606 @@
       </p:grpSpPr>
       <p:grpSp>
         <p:nvGrpSpPr>
+          <p:cNvPr id="9" name="Group 8"/>
+          <p:cNvGrpSpPr/>
+          <p:nvPr/>
+        </p:nvGrpSpPr>
+        <p:grpSpPr>
+          <a:xfrm>
+            <a:off x="2904280" y="77527"/>
+            <a:ext cx="3283276" cy="2685744"/>
+            <a:chOff x="4258805" y="606916"/>
+            <a:chExt cx="3283276" cy="2685744"/>
+          </a:xfrm>
+        </p:grpSpPr>
+        <p:pic>
+          <p:nvPicPr>
+            <p:cNvPr id="3" name="Picture 2" descr="A close up of a map&#10;&#10;Description generated with high confidence"/>
+            <p:cNvPicPr>
+              <a:picLocks noChangeAspect="1"/>
+            </p:cNvPicPr>
+            <p:nvPr/>
+          </p:nvPicPr>
+          <p:blipFill rotWithShape="1">
+            <a:blip r:embed="rId2">
+              <a:extLst>
+                <a:ext uri="{28A0092B-C50C-407E-A947-70E740481C1C}">
+                  <a14:useLocalDpi xmlns:a14="http://schemas.microsoft.com/office/drawing/2010/main" val="0"/>
+                </a:ext>
+              </a:extLst>
+            </a:blip>
+            <a:srcRect r="12662" b="11505"/>
+            <a:stretch/>
+          </p:blipFill>
+          <p:spPr>
+            <a:xfrm>
+              <a:off x="4258805" y="606916"/>
+              <a:ext cx="3207650" cy="2108783"/>
+            </a:xfrm>
+            <a:prstGeom prst="rect">
+              <a:avLst/>
+            </a:prstGeom>
+          </p:spPr>
+        </p:pic>
+        <p:grpSp>
+          <p:nvGrpSpPr>
+            <p:cNvPr id="8" name="Group 7"/>
+            <p:cNvGrpSpPr/>
+            <p:nvPr/>
+          </p:nvGrpSpPr>
+          <p:grpSpPr>
+            <a:xfrm>
+              <a:off x="4516999" y="716828"/>
+              <a:ext cx="3025082" cy="2575832"/>
+              <a:chOff x="4516999" y="716828"/>
+              <a:chExt cx="3025082" cy="2575832"/>
+            </a:xfrm>
+          </p:grpSpPr>
+          <p:sp>
+            <p:nvSpPr>
+              <p:cNvPr id="4" name="Rectangle 3"/>
+              <p:cNvSpPr/>
+              <p:nvPr/>
+            </p:nvSpPr>
+            <p:spPr>
+              <a:xfrm>
+                <a:off x="4516999" y="716828"/>
+                <a:ext cx="3025082" cy="2575832"/>
+              </a:xfrm>
+              <a:prstGeom prst="rect">
+                <a:avLst/>
+              </a:prstGeom>
+              <a:noFill/>
+              <a:ln>
+                <a:solidFill>
+                  <a:schemeClr val="tx1"/>
+                </a:solidFill>
+              </a:ln>
+            </p:spPr>
+            <p:style>
+              <a:lnRef idx="2">
+                <a:schemeClr val="accent1">
+                  <a:shade val="50000"/>
+                </a:schemeClr>
+              </a:lnRef>
+              <a:fillRef idx="1">
+                <a:schemeClr val="accent1"/>
+              </a:fillRef>
+              <a:effectRef idx="0">
+                <a:schemeClr val="accent1"/>
+              </a:effectRef>
+              <a:fontRef idx="minor">
+                <a:schemeClr val="lt1"/>
+              </a:fontRef>
+            </p:style>
+            <p:txBody>
+              <a:bodyPr rtlCol="0" anchor="ctr"/>
+              <a:lstStyle/>
+              <a:p>
+                <a:pPr algn="ctr"/>
+                <a:endParaRPr lang="en-US"/>
+              </a:p>
+            </p:txBody>
+          </p:sp>
+          <p:cxnSp>
+            <p:nvCxnSpPr>
+              <p:cNvPr id="13" name="Straight Connector 12"/>
+              <p:cNvCxnSpPr>
+                <a:cxnSpLocks/>
+              </p:cNvCxnSpPr>
+              <p:nvPr/>
+            </p:nvCxnSpPr>
+            <p:spPr>
+              <a:xfrm flipV="1">
+                <a:off x="4518467" y="2756109"/>
+                <a:ext cx="3023614" cy="1"/>
+              </a:xfrm>
+              <a:prstGeom prst="line">
+                <a:avLst/>
+              </a:prstGeom>
+              <a:ln w="12700">
+                <a:solidFill>
+                  <a:schemeClr val="tx1"/>
+                </a:solidFill>
+              </a:ln>
+            </p:spPr>
+            <p:style>
+              <a:lnRef idx="1">
+                <a:schemeClr val="accent1"/>
+              </a:lnRef>
+              <a:fillRef idx="0">
+                <a:schemeClr val="accent1"/>
+              </a:fillRef>
+              <a:effectRef idx="0">
+                <a:schemeClr val="accent1"/>
+              </a:effectRef>
+              <a:fontRef idx="minor">
+                <a:schemeClr val="tx1"/>
+              </a:fontRef>
+            </p:style>
+          </p:cxnSp>
+          <mc:AlternateContent xmlns:mc="http://schemas.openxmlformats.org/markup-compatibility/2006">
+            <mc:Choice xmlns:a14="http://schemas.microsoft.com/office/drawing/2010/main" Requires="a14">
+              <p:sp>
+                <p:nvSpPr>
+                  <p:cNvPr id="6" name="TextBox 5"/>
+                  <p:cNvSpPr txBox="1"/>
+                  <p:nvPr/>
+                </p:nvSpPr>
+                <p:spPr>
+                  <a:xfrm>
+                    <a:off x="4516999" y="2738662"/>
+                    <a:ext cx="2949456" cy="553998"/>
+                  </a:xfrm>
+                  <a:prstGeom prst="rect">
+                    <a:avLst/>
+                  </a:prstGeom>
+                  <a:noFill/>
+                </p:spPr>
+                <p:txBody>
+                  <a:bodyPr wrap="square" rtlCol="0">
+                    <a:spAutoFit/>
+                  </a:bodyPr>
+                  <a:lstStyle/>
+                  <a:p>
+                    <a:pPr algn="just"/>
+                    <a:r>
+                      <a:rPr lang="en-US" sz="1000" dirty="0">
+                        <a:latin typeface="Times New Roman" panose="02020603050405020304" pitchFamily="18" charset="0"/>
+                        <a:cs typeface="Times New Roman" panose="02020603050405020304" pitchFamily="18" charset="0"/>
+                      </a:rPr>
+                      <a:t>Figure 2. Geometry of an Alfvén wave. The was </a:t>
+                    </a:r>
+                    <a14:m>
+                      <m:oMath xmlns:m="http://schemas.openxmlformats.org/officeDocument/2006/math">
+                        <m:r>
+                          <a:rPr lang="en-US" sz="1000" b="1" i="1" smtClean="0">
+                            <a:latin typeface="Cambria Math" panose="02040503050406030204" pitchFamily="18" charset="0"/>
+                            <a:cs typeface="Times New Roman" panose="02020603050405020304" pitchFamily="18" charset="0"/>
+                          </a:rPr>
+                          <m:t>𝒌</m:t>
+                        </m:r>
+                      </m:oMath>
+                    </a14:m>
+                    <a:r>
+                      <a:rPr lang="en-US" sz="1000" b="1" dirty="0">
+                        <a:latin typeface="Times New Roman" panose="02020603050405020304" pitchFamily="18" charset="0"/>
+                        <a:cs typeface="Times New Roman" panose="02020603050405020304" pitchFamily="18" charset="0"/>
+                      </a:rPr>
+                      <a:t> </a:t>
+                    </a:r>
+                    <a:r>
+                      <a:rPr lang="en-US" sz="1000" dirty="0">
+                        <a:latin typeface="Times New Roman" panose="02020603050405020304" pitchFamily="18" charset="0"/>
+                        <a:cs typeface="Times New Roman" panose="02020603050405020304" pitchFamily="18" charset="0"/>
+                      </a:rPr>
+                      <a:t>along </a:t>
+                    </a:r>
+                    <a14:m>
+                      <m:oMath xmlns:m="http://schemas.openxmlformats.org/officeDocument/2006/math">
+                        <m:sSub>
+                          <m:sSubPr>
+                            <m:ctrlPr>
+                              <a:rPr lang="en-US" sz="1000" b="1" i="1" smtClean="0">
+                                <a:latin typeface="Cambria Math" panose="02040503050406030204" pitchFamily="18" charset="0"/>
+                                <a:cs typeface="Times New Roman" panose="02020603050405020304" pitchFamily="18" charset="0"/>
+                              </a:rPr>
+                            </m:ctrlPr>
+                          </m:sSubPr>
+                          <m:e>
+                            <m:r>
+                              <a:rPr lang="en-US" sz="1000" b="1" i="1" smtClean="0">
+                                <a:latin typeface="Cambria Math" panose="02040503050406030204" pitchFamily="18" charset="0"/>
+                                <a:cs typeface="Times New Roman" panose="02020603050405020304" pitchFamily="18" charset="0"/>
+                              </a:rPr>
+                              <m:t>𝑩</m:t>
+                            </m:r>
+                          </m:e>
+                          <m:sub>
+                            <m:r>
+                              <a:rPr lang="en-US" sz="1000" b="1" i="1" smtClean="0">
+                                <a:latin typeface="Cambria Math" panose="02040503050406030204" pitchFamily="18" charset="0"/>
+                                <a:cs typeface="Times New Roman" panose="02020603050405020304" pitchFamily="18" charset="0"/>
+                              </a:rPr>
+                              <m:t>𝟎</m:t>
+                            </m:r>
+                          </m:sub>
+                        </m:sSub>
+                      </m:oMath>
+                    </a14:m>
+                    <a:r>
+                      <a:rPr lang="en-US" sz="1000" dirty="0">
+                        <a:latin typeface="Times New Roman" panose="02020603050405020304" pitchFamily="18" charset="0"/>
+                        <a:cs typeface="Times New Roman" panose="02020603050405020304" pitchFamily="18" charset="0"/>
+                      </a:rPr>
+                      <a:t>, </a:t>
+                    </a:r>
+                    <a14:m>
+                      <m:oMath xmlns:m="http://schemas.openxmlformats.org/officeDocument/2006/math">
+                        <m:sSub>
+                          <m:sSubPr>
+                            <m:ctrlPr>
+                              <a:rPr lang="en-US" sz="1000" b="1" i="1" smtClean="0">
+                                <a:latin typeface="Cambria Math" panose="02040503050406030204" pitchFamily="18" charset="0"/>
+                                <a:cs typeface="Times New Roman" panose="02020603050405020304" pitchFamily="18" charset="0"/>
+                              </a:rPr>
+                            </m:ctrlPr>
+                          </m:sSubPr>
+                          <m:e>
+                            <m:r>
+                              <a:rPr lang="en-US" sz="1000" b="1" i="1" smtClean="0">
+                                <a:latin typeface="Cambria Math" panose="02040503050406030204" pitchFamily="18" charset="0"/>
+                                <a:cs typeface="Times New Roman" panose="02020603050405020304" pitchFamily="18" charset="0"/>
+                              </a:rPr>
+                              <m:t>𝑬</m:t>
+                            </m:r>
+                          </m:e>
+                          <m:sub>
+                            <m:r>
+                              <a:rPr lang="en-US" sz="1000" b="1" i="1" smtClean="0">
+                                <a:latin typeface="Cambria Math" panose="02040503050406030204" pitchFamily="18" charset="0"/>
+                                <a:cs typeface="Times New Roman" panose="02020603050405020304" pitchFamily="18" charset="0"/>
+                              </a:rPr>
+                              <m:t>𝟏</m:t>
+                            </m:r>
+                          </m:sub>
+                        </m:sSub>
+                      </m:oMath>
+                    </a14:m>
+                    <a:r>
+                      <a:rPr lang="en-US" sz="1000" b="1" dirty="0">
+                        <a:latin typeface="Times New Roman" panose="02020603050405020304" pitchFamily="18" charset="0"/>
+                        <a:cs typeface="Times New Roman" panose="02020603050405020304" pitchFamily="18" charset="0"/>
+                      </a:rPr>
+                      <a:t> </a:t>
+                    </a:r>
+                    <a:r>
+                      <a:rPr lang="en-US" sz="1000" dirty="0">
+                        <a:latin typeface="Times New Roman" panose="02020603050405020304" pitchFamily="18" charset="0"/>
+                        <a:cs typeface="Times New Roman" panose="02020603050405020304" pitchFamily="18" charset="0"/>
+                      </a:rPr>
+                      <a:t>and </a:t>
+                    </a:r>
+                    <a14:m>
+                      <m:oMath xmlns:m="http://schemas.openxmlformats.org/officeDocument/2006/math">
+                        <m:sSub>
+                          <m:sSubPr>
+                            <m:ctrlPr>
+                              <a:rPr lang="en-US" sz="1000" b="1" i="1" smtClean="0">
+                                <a:latin typeface="Cambria Math" panose="02040503050406030204" pitchFamily="18" charset="0"/>
+                                <a:cs typeface="Times New Roman" panose="02020603050405020304" pitchFamily="18" charset="0"/>
+                              </a:rPr>
+                            </m:ctrlPr>
+                          </m:sSubPr>
+                          <m:e>
+                            <m:r>
+                              <a:rPr lang="en-US" sz="1000" b="1" i="1" smtClean="0">
+                                <a:latin typeface="Cambria Math" panose="02040503050406030204" pitchFamily="18" charset="0"/>
+                                <a:cs typeface="Times New Roman" panose="02020603050405020304" pitchFamily="18" charset="0"/>
+                              </a:rPr>
+                              <m:t>𝒋</m:t>
+                            </m:r>
+                          </m:e>
+                          <m:sub>
+                            <m:r>
+                              <a:rPr lang="en-US" sz="1000" b="1" i="1" smtClean="0">
+                                <a:latin typeface="Cambria Math" panose="02040503050406030204" pitchFamily="18" charset="0"/>
+                                <a:cs typeface="Times New Roman" panose="02020603050405020304" pitchFamily="18" charset="0"/>
+                              </a:rPr>
+                              <m:t>𝟏</m:t>
+                            </m:r>
+                          </m:sub>
+                        </m:sSub>
+                      </m:oMath>
+                    </a14:m>
+                    <a:r>
+                      <a:rPr lang="en-US" sz="1000" dirty="0">
+                        <a:latin typeface="Times New Roman" panose="02020603050405020304" pitchFamily="18" charset="0"/>
+                        <a:cs typeface="Times New Roman" panose="02020603050405020304" pitchFamily="18" charset="0"/>
+                      </a:rPr>
+                      <a:t> perpendicular to </a:t>
+                    </a:r>
+                    <a14:m>
+                      <m:oMath xmlns:m="http://schemas.openxmlformats.org/officeDocument/2006/math">
+                        <m:sSub>
+                          <m:sSubPr>
+                            <m:ctrlPr>
+                              <a:rPr lang="en-US" sz="1000" b="1" i="1" smtClean="0">
+                                <a:latin typeface="Cambria Math" panose="02040503050406030204" pitchFamily="18" charset="0"/>
+                                <a:cs typeface="Times New Roman" panose="02020603050405020304" pitchFamily="18" charset="0"/>
+                              </a:rPr>
+                            </m:ctrlPr>
+                          </m:sSubPr>
+                          <m:e>
+                            <m:r>
+                              <a:rPr lang="en-US" sz="1000" b="1" i="1" smtClean="0">
+                                <a:latin typeface="Cambria Math" panose="02040503050406030204" pitchFamily="18" charset="0"/>
+                                <a:cs typeface="Times New Roman" panose="02020603050405020304" pitchFamily="18" charset="0"/>
+                              </a:rPr>
+                              <m:t>𝑩</m:t>
+                            </m:r>
+                          </m:e>
+                          <m:sub>
+                            <m:r>
+                              <a:rPr lang="en-US" sz="1000" b="1" i="1" smtClean="0">
+                                <a:latin typeface="Cambria Math" panose="02040503050406030204" pitchFamily="18" charset="0"/>
+                                <a:cs typeface="Times New Roman" panose="02020603050405020304" pitchFamily="18" charset="0"/>
+                              </a:rPr>
+                              <m:t>𝟎</m:t>
+                            </m:r>
+                          </m:sub>
+                        </m:sSub>
+                      </m:oMath>
+                    </a14:m>
+                    <a:r>
+                      <a:rPr lang="en-US" sz="1000" b="1" dirty="0">
+                        <a:latin typeface="Times New Roman" panose="02020603050405020304" pitchFamily="18" charset="0"/>
+                        <a:cs typeface="Times New Roman" panose="02020603050405020304" pitchFamily="18" charset="0"/>
+                      </a:rPr>
+                      <a:t> </a:t>
+                    </a:r>
+                    <a:r>
+                      <a:rPr lang="en-US" sz="1000" dirty="0">
+                        <a:latin typeface="Times New Roman" panose="02020603050405020304" pitchFamily="18" charset="0"/>
+                        <a:cs typeface="Times New Roman" panose="02020603050405020304" pitchFamily="18" charset="0"/>
+                      </a:rPr>
+                      <a:t>and </a:t>
+                    </a:r>
+                    <a14:m>
+                      <m:oMath xmlns:m="http://schemas.openxmlformats.org/officeDocument/2006/math">
+                        <m:sSub>
+                          <m:sSubPr>
+                            <m:ctrlPr>
+                              <a:rPr lang="en-US" sz="1000" b="1" i="1" smtClean="0">
+                                <a:latin typeface="Cambria Math" panose="02040503050406030204" pitchFamily="18" charset="0"/>
+                                <a:cs typeface="Times New Roman" panose="02020603050405020304" pitchFamily="18" charset="0"/>
+                              </a:rPr>
+                            </m:ctrlPr>
+                          </m:sSubPr>
+                          <m:e>
+                            <m:r>
+                              <a:rPr lang="en-US" sz="1000" b="1" i="1" smtClean="0">
+                                <a:latin typeface="Cambria Math" panose="02040503050406030204" pitchFamily="18" charset="0"/>
+                                <a:cs typeface="Times New Roman" panose="02020603050405020304" pitchFamily="18" charset="0"/>
+                              </a:rPr>
+                              <m:t>𝑩</m:t>
+                            </m:r>
+                          </m:e>
+                          <m:sub>
+                            <m:r>
+                              <a:rPr lang="en-US" sz="1000" b="1" i="1" smtClean="0">
+                                <a:latin typeface="Cambria Math" panose="02040503050406030204" pitchFamily="18" charset="0"/>
+                                <a:cs typeface="Times New Roman" panose="02020603050405020304" pitchFamily="18" charset="0"/>
+                              </a:rPr>
+                              <m:t>𝟏</m:t>
+                            </m:r>
+                          </m:sub>
+                        </m:sSub>
+                      </m:oMath>
+                    </a14:m>
+                    <a:r>
+                      <a:rPr lang="en-US" sz="1000" b="1" dirty="0">
+                        <a:latin typeface="Times New Roman" panose="02020603050405020304" pitchFamily="18" charset="0"/>
+                        <a:cs typeface="Times New Roman" panose="02020603050405020304" pitchFamily="18" charset="0"/>
+                      </a:rPr>
+                      <a:t> </a:t>
+                    </a:r>
+                    <a:r>
+                      <a:rPr lang="en-US" sz="1000" dirty="0">
+                        <a:latin typeface="Times New Roman" panose="02020603050405020304" pitchFamily="18" charset="0"/>
+                        <a:cs typeface="Times New Roman" panose="02020603050405020304" pitchFamily="18" charset="0"/>
+                      </a:rPr>
+                      <a:t>and </a:t>
+                    </a:r>
+                    <a14:m>
+                      <m:oMath xmlns:m="http://schemas.openxmlformats.org/officeDocument/2006/math">
+                        <m:sSub>
+                          <m:sSubPr>
+                            <m:ctrlPr>
+                              <a:rPr lang="en-US" sz="1000" b="1" i="1" smtClean="0">
+                                <a:latin typeface="Cambria Math" panose="02040503050406030204" pitchFamily="18" charset="0"/>
+                                <a:cs typeface="Times New Roman" panose="02020603050405020304" pitchFamily="18" charset="0"/>
+                              </a:rPr>
+                            </m:ctrlPr>
+                          </m:sSubPr>
+                          <m:e>
+                            <m:r>
+                              <a:rPr lang="en-US" sz="1000" b="1" i="1" smtClean="0">
+                                <a:latin typeface="Cambria Math" panose="02040503050406030204" pitchFamily="18" charset="0"/>
+                                <a:cs typeface="Times New Roman" panose="02020603050405020304" pitchFamily="18" charset="0"/>
+                              </a:rPr>
+                              <m:t>𝒗</m:t>
+                            </m:r>
+                          </m:e>
+                          <m:sub>
+                            <m:r>
+                              <a:rPr lang="en-US" sz="1000" b="1" i="1" smtClean="0">
+                                <a:latin typeface="Cambria Math" panose="02040503050406030204" pitchFamily="18" charset="0"/>
+                                <a:cs typeface="Times New Roman" panose="02020603050405020304" pitchFamily="18" charset="0"/>
+                              </a:rPr>
+                              <m:t>𝟏</m:t>
+                            </m:r>
+                          </m:sub>
+                        </m:sSub>
+                      </m:oMath>
+                    </a14:m>
+                    <a:r>
+                      <a:rPr lang="en-US" sz="1000" b="1" dirty="0">
+                        <a:latin typeface="Times New Roman" panose="02020603050405020304" pitchFamily="18" charset="0"/>
+                        <a:cs typeface="Times New Roman" panose="02020603050405020304" pitchFamily="18" charset="0"/>
+                      </a:rPr>
+                      <a:t> </a:t>
+                    </a:r>
+                    <a:r>
+                      <a:rPr lang="en-US" sz="1000" dirty="0">
+                        <a:latin typeface="Times New Roman" panose="02020603050405020304" pitchFamily="18" charset="0"/>
+                        <a:cs typeface="Times New Roman" panose="02020603050405020304" pitchFamily="18" charset="0"/>
+                      </a:rPr>
+                      <a:t>perpendicular to both </a:t>
+                    </a:r>
+                    <a14:m>
+                      <m:oMath xmlns:m="http://schemas.openxmlformats.org/officeDocument/2006/math">
+                        <m:sSub>
+                          <m:sSubPr>
+                            <m:ctrlPr>
+                              <a:rPr lang="en-US" sz="1000" b="1" i="1" smtClean="0">
+                                <a:latin typeface="Cambria Math" panose="02040503050406030204" pitchFamily="18" charset="0"/>
+                                <a:cs typeface="Times New Roman" panose="02020603050405020304" pitchFamily="18" charset="0"/>
+                              </a:rPr>
+                            </m:ctrlPr>
+                          </m:sSubPr>
+                          <m:e>
+                            <m:r>
+                              <a:rPr lang="en-US" sz="1000" b="1" i="1" smtClean="0">
+                                <a:latin typeface="Cambria Math" panose="02040503050406030204" pitchFamily="18" charset="0"/>
+                                <a:cs typeface="Times New Roman" panose="02020603050405020304" pitchFamily="18" charset="0"/>
+                              </a:rPr>
+                              <m:t>𝑩</m:t>
+                            </m:r>
+                          </m:e>
+                          <m:sub>
+                            <m:r>
+                              <a:rPr lang="en-US" sz="1000" b="1" i="1" smtClean="0">
+                                <a:latin typeface="Cambria Math" panose="02040503050406030204" pitchFamily="18" charset="0"/>
+                                <a:cs typeface="Times New Roman" panose="02020603050405020304" pitchFamily="18" charset="0"/>
+                              </a:rPr>
+                              <m:t>𝟎</m:t>
+                            </m:r>
+                          </m:sub>
+                        </m:sSub>
+                      </m:oMath>
+                    </a14:m>
+                    <a:r>
+                      <a:rPr lang="en-US" sz="1000" b="1" dirty="0">
+                        <a:latin typeface="Times New Roman" panose="02020603050405020304" pitchFamily="18" charset="0"/>
+                        <a:cs typeface="Times New Roman" panose="02020603050405020304" pitchFamily="18" charset="0"/>
+                      </a:rPr>
+                      <a:t> </a:t>
+                    </a:r>
+                    <a:r>
+                      <a:rPr lang="en-US" sz="1000" dirty="0">
+                        <a:latin typeface="Times New Roman" panose="02020603050405020304" pitchFamily="18" charset="0"/>
+                        <a:cs typeface="Times New Roman" panose="02020603050405020304" pitchFamily="18" charset="0"/>
+                      </a:rPr>
+                      <a:t>and </a:t>
+                    </a:r>
+                    <a14:m>
+                      <m:oMath xmlns:m="http://schemas.openxmlformats.org/officeDocument/2006/math">
+                        <m:sSub>
+                          <m:sSubPr>
+                            <m:ctrlPr>
+                              <a:rPr lang="en-US" sz="1000" b="1" i="1" smtClean="0">
+                                <a:latin typeface="Cambria Math" panose="02040503050406030204" pitchFamily="18" charset="0"/>
+                                <a:cs typeface="Times New Roman" panose="02020603050405020304" pitchFamily="18" charset="0"/>
+                              </a:rPr>
+                            </m:ctrlPr>
+                          </m:sSubPr>
+                          <m:e>
+                            <m:r>
+                              <a:rPr lang="en-US" sz="1000" b="1" i="1" smtClean="0">
+                                <a:latin typeface="Cambria Math" panose="02040503050406030204" pitchFamily="18" charset="0"/>
+                                <a:cs typeface="Times New Roman" panose="02020603050405020304" pitchFamily="18" charset="0"/>
+                              </a:rPr>
+                              <m:t>𝑬</m:t>
+                            </m:r>
+                          </m:e>
+                          <m:sub>
+                            <m:r>
+                              <a:rPr lang="en-US" sz="1000" b="1" i="1" smtClean="0">
+                                <a:latin typeface="Cambria Math" panose="02040503050406030204" pitchFamily="18" charset="0"/>
+                                <a:cs typeface="Times New Roman" panose="02020603050405020304" pitchFamily="18" charset="0"/>
+                              </a:rPr>
+                              <m:t>𝟏</m:t>
+                            </m:r>
+                          </m:sub>
+                        </m:sSub>
+                      </m:oMath>
+                    </a14:m>
+                    <a:r>
+                      <a:rPr lang="en-US" sz="1000" dirty="0">
+                        <a:latin typeface="Times New Roman" panose="02020603050405020304" pitchFamily="18" charset="0"/>
+                        <a:cs typeface="Times New Roman" panose="02020603050405020304" pitchFamily="18" charset="0"/>
+                      </a:rPr>
+                      <a:t>.</a:t>
+                    </a:r>
+                    <a:endParaRPr lang="en-US" sz="1000" b="1" dirty="0">
+                      <a:latin typeface="Times New Roman" panose="02020603050405020304" pitchFamily="18" charset="0"/>
+                      <a:cs typeface="Times New Roman" panose="02020603050405020304" pitchFamily="18" charset="0"/>
+                    </a:endParaRPr>
+                  </a:p>
+                </p:txBody>
+              </p:sp>
+            </mc:Choice>
+            <mc:Fallback>
+              <p:sp>
+                <p:nvSpPr>
+                  <p:cNvPr id="6" name="TextBox 5"/>
+                  <p:cNvSpPr txBox="1">
+                    <a:spLocks noRot="1" noChangeAspect="1" noMove="1" noResize="1" noEditPoints="1" noAdjustHandles="1" noChangeArrowheads="1" noChangeShapeType="1" noTextEdit="1"/>
+                  </p:cNvSpPr>
+                  <p:nvPr/>
+                </p:nvSpPr>
+                <p:spPr>
+                  <a:xfrm>
+                    <a:off x="4516999" y="2738662"/>
+                    <a:ext cx="2949456" cy="553998"/>
+                  </a:xfrm>
+                  <a:prstGeom prst="rect">
+                    <a:avLst/>
+                  </a:prstGeom>
+                  <a:blipFill>
+                    <a:blip r:embed="rId3"/>
+                    <a:stretch>
+                      <a:fillRect b="-5495"/>
+                    </a:stretch>
+                  </a:blipFill>
+                </p:spPr>
+                <p:txBody>
+                  <a:bodyPr/>
+                  <a:lstStyle/>
+                  <a:p>
+                    <a:r>
+                      <a:rPr lang="en-US">
+                        <a:noFill/>
+                      </a:rPr>
+                      <a:t> </a:t>
+                    </a:r>
+                  </a:p>
+                </p:txBody>
+              </p:sp>
+            </mc:Fallback>
+          </mc:AlternateContent>
+        </p:grpSp>
+      </p:grpSp>
+      <p:grpSp>
+        <p:nvGrpSpPr>
           <p:cNvPr id="22" name="Group 21"/>
           <p:cNvGrpSpPr/>
           <p:nvPr/>
         </p:nvGrpSpPr>
         <p:grpSpPr>
           <a:xfrm>
-            <a:off x="937207" y="2004767"/>
+            <a:off x="223975" y="194255"/>
             <a:ext cx="2886075" cy="2122804"/>
             <a:chOff x="0" y="0"/>
             <a:chExt cx="2886439" cy="2167214"/>
@@ -2985,7 +3578,7 @@
               <p:nvPr/>
             </p:nvPicPr>
             <p:blipFill>
-              <a:blip r:embed="rId2">
+              <a:blip r:embed="rId4">
                 <a:extLst>
                   <a:ext uri="{28A0092B-C50C-407E-A947-70E740481C1C}">
                     <a14:useLocalDpi xmlns:a14="http://schemas.microsoft.com/office/drawing/2010/main" val="0"/>
@@ -3006,8 +3599,8 @@
               </a:prstGeom>
             </p:spPr>
           </p:pic>
-          <mc:AlternateContent xmlns:mc="http://schemas.openxmlformats.org/markup-compatibility/2006">
-            <mc:Choice xmlns:a14="http://schemas.microsoft.com/office/drawing/2010/main" Requires="a14">
+          <mc:AlternateContent xmlns:mc="http://schemas.openxmlformats.org/markup-compatibility/2006" xmlns:a14="http://schemas.microsoft.com/office/drawing/2010/main">
+            <mc:Choice Requires="a14">
               <p:sp>
                 <p:nvSpPr>
                   <p:cNvPr id="28" name="TextBox 5"/>
@@ -3068,7 +3661,7 @@
                 </p:txBody>
               </p:sp>
             </mc:Choice>
-            <mc:Fallback>
+            <mc:Fallback xmlns="">
               <p:sp>
                 <p:nvSpPr>
                   <p:cNvPr id="28" name="TextBox 5"/>
@@ -3086,7 +3679,7 @@
                     <a:avLst/>
                   </a:prstGeom>
                   <a:blipFill>
-                    <a:blip r:embed="rId3"/>
+                    <a:blip r:embed="rId5"/>
                     <a:stretch>
                       <a:fillRect/>
                     </a:stretch>
@@ -3186,7 +3779,7 @@
                 </a:spcAft>
               </a:pPr>
               <a:r>
-                <a:rPr lang="en-US" sz="1000" kern="1200">
+                <a:rPr lang="en-US" sz="1000" kern="1200" dirty="0">
                   <a:solidFill>
                     <a:srgbClr val="000000"/>
                   </a:solidFill>
@@ -3196,7 +3789,7 @@
                 </a:rPr>
                 <a:t>Figure 1. Graphical representation of the path of a charged particle (blue) travelling along a magnetic field line (yellow).</a:t>
               </a:r>
-              <a:endParaRPr lang="en-US" sz="1200">
+              <a:endParaRPr lang="en-US" sz="1200" dirty="0">
                 <a:effectLst/>
                 <a:latin typeface="Times New Roman" panose="02020603050405020304" pitchFamily="18" charset="0"/>
                 <a:ea typeface="Times New Roman" panose="02020603050405020304" pitchFamily="18" charset="0"/>

--- a/Writing/Figs.pptx
+++ b/Writing/Figs.pptx
@@ -6,6 +6,7 @@
   </p:sldMasterIdLst>
   <p:sldIdLst>
     <p:sldId id="256" r:id="rId2"/>
+    <p:sldId id="257" r:id="rId3"/>
   </p:sldIdLst>
   <p:sldSz cx="12192000" cy="6858000"/>
   <p:notesSz cx="6858000" cy="9144000"/>
@@ -241,7 +242,7 @@
           <a:p>
             <a:fld id="{D5436C50-0FB6-4D02-BEC8-AE142D0D2100}" type="datetimeFigureOut">
               <a:rPr lang="en-US" smtClean="0"/>
-              <a:t>5/9/2017</a:t>
+              <a:t>5/16/2017</a:t>
             </a:fld>
             <a:endParaRPr lang="en-US"/>
           </a:p>
@@ -409,7 +410,7 @@
           <a:p>
             <a:fld id="{D5436C50-0FB6-4D02-BEC8-AE142D0D2100}" type="datetimeFigureOut">
               <a:rPr lang="en-US" smtClean="0"/>
-              <a:t>5/9/2017</a:t>
+              <a:t>5/16/2017</a:t>
             </a:fld>
             <a:endParaRPr lang="en-US"/>
           </a:p>
@@ -587,7 +588,7 @@
           <a:p>
             <a:fld id="{D5436C50-0FB6-4D02-BEC8-AE142D0D2100}" type="datetimeFigureOut">
               <a:rPr lang="en-US" smtClean="0"/>
-              <a:t>5/9/2017</a:t>
+              <a:t>5/16/2017</a:t>
             </a:fld>
             <a:endParaRPr lang="en-US"/>
           </a:p>
@@ -755,7 +756,7 @@
           <a:p>
             <a:fld id="{D5436C50-0FB6-4D02-BEC8-AE142D0D2100}" type="datetimeFigureOut">
               <a:rPr lang="en-US" smtClean="0"/>
-              <a:t>5/9/2017</a:t>
+              <a:t>5/16/2017</a:t>
             </a:fld>
             <a:endParaRPr lang="en-US"/>
           </a:p>
@@ -1000,7 +1001,7 @@
           <a:p>
             <a:fld id="{D5436C50-0FB6-4D02-BEC8-AE142D0D2100}" type="datetimeFigureOut">
               <a:rPr lang="en-US" smtClean="0"/>
-              <a:t>5/9/2017</a:t>
+              <a:t>5/16/2017</a:t>
             </a:fld>
             <a:endParaRPr lang="en-US"/>
           </a:p>
@@ -1229,7 +1230,7 @@
           <a:p>
             <a:fld id="{D5436C50-0FB6-4D02-BEC8-AE142D0D2100}" type="datetimeFigureOut">
               <a:rPr lang="en-US" smtClean="0"/>
-              <a:t>5/9/2017</a:t>
+              <a:t>5/16/2017</a:t>
             </a:fld>
             <a:endParaRPr lang="en-US"/>
           </a:p>
@@ -1593,7 +1594,7 @@
           <a:p>
             <a:fld id="{D5436C50-0FB6-4D02-BEC8-AE142D0D2100}" type="datetimeFigureOut">
               <a:rPr lang="en-US" smtClean="0"/>
-              <a:t>5/9/2017</a:t>
+              <a:t>5/16/2017</a:t>
             </a:fld>
             <a:endParaRPr lang="en-US"/>
           </a:p>
@@ -1710,7 +1711,7 @@
           <a:p>
             <a:fld id="{D5436C50-0FB6-4D02-BEC8-AE142D0D2100}" type="datetimeFigureOut">
               <a:rPr lang="en-US" smtClean="0"/>
-              <a:t>5/9/2017</a:t>
+              <a:t>5/16/2017</a:t>
             </a:fld>
             <a:endParaRPr lang="en-US"/>
           </a:p>
@@ -1805,7 +1806,7 @@
           <a:p>
             <a:fld id="{D5436C50-0FB6-4D02-BEC8-AE142D0D2100}" type="datetimeFigureOut">
               <a:rPr lang="en-US" smtClean="0"/>
-              <a:t>5/9/2017</a:t>
+              <a:t>5/16/2017</a:t>
             </a:fld>
             <a:endParaRPr lang="en-US"/>
           </a:p>
@@ -2080,7 +2081,7 @@
           <a:p>
             <a:fld id="{D5436C50-0FB6-4D02-BEC8-AE142D0D2100}" type="datetimeFigureOut">
               <a:rPr lang="en-US" smtClean="0"/>
-              <a:t>5/9/2017</a:t>
+              <a:t>5/16/2017</a:t>
             </a:fld>
             <a:endParaRPr lang="en-US"/>
           </a:p>
@@ -2332,7 +2333,7 @@
           <a:p>
             <a:fld id="{D5436C50-0FB6-4D02-BEC8-AE142D0D2100}" type="datetimeFigureOut">
               <a:rPr lang="en-US" smtClean="0"/>
-              <a:t>5/9/2017</a:t>
+              <a:t>5/16/2017</a:t>
             </a:fld>
             <a:endParaRPr lang="en-US"/>
           </a:p>
@@ -2543,7 +2544,7 @@
           <a:p>
             <a:fld id="{D5436C50-0FB6-4D02-BEC8-AE142D0D2100}" type="datetimeFigureOut">
               <a:rPr lang="en-US" smtClean="0"/>
-              <a:t>5/9/2017</a:t>
+              <a:t>5/16/2017</a:t>
             </a:fld>
             <a:endParaRPr lang="en-US"/>
           </a:p>
@@ -3088,8 +3089,8 @@
               </a:fontRef>
             </p:style>
           </p:cxnSp>
-          <mc:AlternateContent xmlns:mc="http://schemas.openxmlformats.org/markup-compatibility/2006">
-            <mc:Choice xmlns:a14="http://schemas.microsoft.com/office/drawing/2010/main" Requires="a14">
+          <mc:AlternateContent xmlns:mc="http://schemas.openxmlformats.org/markup-compatibility/2006" xmlns:a14="http://schemas.microsoft.com/office/drawing/2010/main">
+            <mc:Choice Requires="a14">
               <p:sp>
                 <p:nvSpPr>
                   <p:cNvPr id="6" name="TextBox 5"/>
@@ -3500,7 +3501,7 @@
                 </p:txBody>
               </p:sp>
             </mc:Choice>
-            <mc:Fallback>
+            <mc:Fallback xmlns="">
               <p:sp>
                 <p:nvSpPr>
                   <p:cNvPr id="6" name="TextBox 5"/>
@@ -3885,10 +3886,369 @@
           </p:style>
         </p:cxnSp>
       </p:grpSp>
+      <p:grpSp>
+        <p:nvGrpSpPr>
+          <p:cNvPr id="14" name="Group 13"/>
+          <p:cNvGrpSpPr/>
+          <p:nvPr/>
+        </p:nvGrpSpPr>
+        <p:grpSpPr>
+          <a:xfrm>
+            <a:off x="6164354" y="187439"/>
+            <a:ext cx="3078503" cy="3780086"/>
+            <a:chOff x="618767" y="3224783"/>
+            <a:chExt cx="3078503" cy="3780086"/>
+          </a:xfrm>
+        </p:grpSpPr>
+        <p:pic>
+          <p:nvPicPr>
+            <p:cNvPr id="5" name="Picture 4" descr="A picture containing outdoor object&#10;&#10;Description generated with very high confidence"/>
+            <p:cNvPicPr>
+              <a:picLocks noChangeAspect="1"/>
+            </p:cNvPicPr>
+            <p:nvPr/>
+          </p:nvPicPr>
+          <p:blipFill>
+            <a:blip r:embed="rId6">
+              <a:extLst>
+                <a:ext uri="{28A0092B-C50C-407E-A947-70E740481C1C}">
+                  <a14:useLocalDpi xmlns:a14="http://schemas.microsoft.com/office/drawing/2010/main" val="0"/>
+                </a:ext>
+              </a:extLst>
+            </a:blip>
+            <a:stretch>
+              <a:fillRect/>
+            </a:stretch>
+          </p:blipFill>
+          <p:spPr>
+            <a:xfrm>
+              <a:off x="737049" y="3285843"/>
+              <a:ext cx="2884595" cy="2528606"/>
+            </a:xfrm>
+            <a:prstGeom prst="rect">
+              <a:avLst/>
+            </a:prstGeom>
+          </p:spPr>
+        </p:pic>
+        <p:sp>
+          <p:nvSpPr>
+            <p:cNvPr id="7" name="Rectangle 6"/>
+            <p:cNvSpPr/>
+            <p:nvPr/>
+          </p:nvSpPr>
+          <p:spPr>
+            <a:xfrm>
+              <a:off x="680939" y="3224783"/>
+              <a:ext cx="3016331" cy="3730961"/>
+            </a:xfrm>
+            <a:prstGeom prst="rect">
+              <a:avLst/>
+            </a:prstGeom>
+            <a:noFill/>
+            <a:ln>
+              <a:solidFill>
+                <a:schemeClr val="tx1"/>
+              </a:solidFill>
+            </a:ln>
+          </p:spPr>
+          <p:style>
+            <a:lnRef idx="2">
+              <a:schemeClr val="accent1">
+                <a:shade val="50000"/>
+              </a:schemeClr>
+            </a:lnRef>
+            <a:fillRef idx="1">
+              <a:schemeClr val="accent1"/>
+            </a:fillRef>
+            <a:effectRef idx="0">
+              <a:schemeClr val="accent1"/>
+            </a:effectRef>
+            <a:fontRef idx="minor">
+              <a:schemeClr val="lt1"/>
+            </a:fontRef>
+          </p:style>
+          <p:txBody>
+            <a:bodyPr rtlCol="0" anchor="ctr"/>
+            <a:lstStyle/>
+            <a:p>
+              <a:pPr algn="ctr"/>
+              <a:endParaRPr lang="en-US"/>
+            </a:p>
+          </p:txBody>
+        </p:sp>
+        <p:cxnSp>
+          <p:nvCxnSpPr>
+            <p:cNvPr id="11" name="Straight Connector 10"/>
+            <p:cNvCxnSpPr>
+              <a:cxnSpLocks/>
+            </p:cNvCxnSpPr>
+            <p:nvPr/>
+          </p:nvCxnSpPr>
+          <p:spPr>
+            <a:xfrm>
+              <a:off x="680644" y="5871412"/>
+              <a:ext cx="3016626" cy="0"/>
+            </a:xfrm>
+            <a:prstGeom prst="line">
+              <a:avLst/>
+            </a:prstGeom>
+            <a:ln w="12700">
+              <a:solidFill>
+                <a:schemeClr val="tx1"/>
+              </a:solidFill>
+            </a:ln>
+          </p:spPr>
+          <p:style>
+            <a:lnRef idx="1">
+              <a:schemeClr val="accent1"/>
+            </a:lnRef>
+            <a:fillRef idx="0">
+              <a:schemeClr val="accent1"/>
+            </a:fillRef>
+            <a:effectRef idx="0">
+              <a:schemeClr val="accent1"/>
+            </a:effectRef>
+            <a:fontRef idx="minor">
+              <a:schemeClr val="tx1"/>
+            </a:fontRef>
+          </p:style>
+        </p:cxnSp>
+        <p:sp>
+          <p:nvSpPr>
+            <p:cNvPr id="12" name="TextBox 11"/>
+            <p:cNvSpPr txBox="1"/>
+            <p:nvPr/>
+          </p:nvSpPr>
+          <p:spPr>
+            <a:xfrm>
+              <a:off x="618767" y="5835318"/>
+              <a:ext cx="3078503" cy="1169551"/>
+            </a:xfrm>
+            <a:prstGeom prst="rect">
+              <a:avLst/>
+            </a:prstGeom>
+            <a:noFill/>
+          </p:spPr>
+          <p:txBody>
+            <a:bodyPr wrap="square" rtlCol="0">
+              <a:spAutoFit/>
+            </a:bodyPr>
+            <a:lstStyle/>
+            <a:p>
+              <a:pPr algn="just"/>
+              <a:r>
+                <a:rPr lang="en-US" sz="1000" dirty="0">
+                  <a:latin typeface="Times New Roman" panose="02020603050405020304" pitchFamily="18" charset="0"/>
+                  <a:cs typeface="Times New Roman" panose="02020603050405020304" pitchFamily="18" charset="0"/>
+                </a:rPr>
+                <a:t>Figure 3. Cartoon of a tokamak device with plasma shown in purple. The blue toroidal field coils produce a strong magnetic field in the toroidal direction. Similarly, the green and grey poloidal field coils create a magnetic field in the poloidal field. The toroidal and poloidal fields combine to form a closed helical magnetic field  in the toroidal direction.</a:t>
+              </a:r>
+            </a:p>
+          </p:txBody>
+        </p:sp>
+      </p:grpSp>
     </p:spTree>
     <p:extLst>
       <p:ext uri="{BB962C8B-B14F-4D97-AF65-F5344CB8AC3E}">
         <p14:creationId xmlns:p14="http://schemas.microsoft.com/office/powerpoint/2010/main" val="1925201556"/>
+      </p:ext>
+    </p:extLst>
+  </p:cSld>
+  <p:clrMapOvr>
+    <a:masterClrMapping/>
+  </p:clrMapOvr>
+</p:sld>
+</file>
+
+<file path=ppt/slides/slide2.xml><?xml version="1.0" encoding="utf-8"?>
+<p:sld xmlns:a="http://schemas.openxmlformats.org/drawingml/2006/main" xmlns:r="http://schemas.openxmlformats.org/officeDocument/2006/relationships" xmlns:p="http://schemas.openxmlformats.org/presentationml/2006/main">
+  <p:cSld>
+    <p:spTree>
+      <p:nvGrpSpPr>
+        <p:cNvPr id="1" name=""/>
+        <p:cNvGrpSpPr/>
+        <p:nvPr/>
+      </p:nvGrpSpPr>
+      <p:grpSpPr>
+        <a:xfrm>
+          <a:off x="0" y="0"/>
+          <a:ext cx="0" cy="0"/>
+          <a:chOff x="0" y="0"/>
+          <a:chExt cx="0" cy="0"/>
+        </a:xfrm>
+      </p:grpSpPr>
+      <p:grpSp>
+        <p:nvGrpSpPr>
+          <p:cNvPr id="64" name="Group 63"/>
+          <p:cNvGrpSpPr/>
+          <p:nvPr/>
+        </p:nvGrpSpPr>
+        <p:grpSpPr>
+          <a:xfrm>
+            <a:off x="71437" y="185738"/>
+            <a:ext cx="4708884" cy="5177802"/>
+            <a:chOff x="3100387" y="471488"/>
+            <a:chExt cx="4708884" cy="5177802"/>
+          </a:xfrm>
+        </p:grpSpPr>
+        <p:pic>
+          <p:nvPicPr>
+            <p:cNvPr id="55" name="Picture 54"/>
+            <p:cNvPicPr>
+              <a:picLocks noChangeAspect="1"/>
+            </p:cNvPicPr>
+            <p:nvPr/>
+          </p:nvPicPr>
+          <p:blipFill>
+            <a:blip r:embed="rId2"/>
+            <a:stretch>
+              <a:fillRect/>
+            </a:stretch>
+          </p:blipFill>
+          <p:spPr>
+            <a:xfrm>
+              <a:off x="3172715" y="755672"/>
+              <a:ext cx="4636556" cy="4240103"/>
+            </a:xfrm>
+            <a:prstGeom prst="rect">
+              <a:avLst/>
+            </a:prstGeom>
+          </p:spPr>
+        </p:pic>
+        <p:sp>
+          <p:nvSpPr>
+            <p:cNvPr id="56" name="Rectangle 55"/>
+            <p:cNvSpPr/>
+            <p:nvPr/>
+          </p:nvSpPr>
+          <p:spPr>
+            <a:xfrm>
+              <a:off x="3172715" y="471488"/>
+              <a:ext cx="4478816" cy="5177802"/>
+            </a:xfrm>
+            <a:prstGeom prst="rect">
+              <a:avLst/>
+            </a:prstGeom>
+            <a:noFill/>
+            <a:ln>
+              <a:solidFill>
+                <a:schemeClr val="tx1"/>
+              </a:solidFill>
+            </a:ln>
+          </p:spPr>
+          <p:style>
+            <a:lnRef idx="2">
+              <a:schemeClr val="accent1">
+                <a:shade val="50000"/>
+              </a:schemeClr>
+            </a:lnRef>
+            <a:fillRef idx="1">
+              <a:schemeClr val="accent1"/>
+            </a:fillRef>
+            <a:effectRef idx="0">
+              <a:schemeClr val="accent1"/>
+            </a:effectRef>
+            <a:fontRef idx="minor">
+              <a:schemeClr val="lt1"/>
+            </a:fontRef>
+          </p:style>
+          <p:txBody>
+            <a:bodyPr rtlCol="0" anchor="ctr"/>
+            <a:lstStyle/>
+            <a:p>
+              <a:pPr algn="ctr"/>
+              <a:endParaRPr lang="en-US"/>
+            </a:p>
+          </p:txBody>
+        </p:sp>
+        <p:cxnSp>
+          <p:nvCxnSpPr>
+            <p:cNvPr id="58" name="Straight Connector 57"/>
+            <p:cNvCxnSpPr>
+              <a:cxnSpLocks/>
+            </p:cNvCxnSpPr>
+            <p:nvPr/>
+          </p:nvCxnSpPr>
+          <p:spPr>
+            <a:xfrm>
+              <a:off x="3172715" y="5110752"/>
+              <a:ext cx="4478816" cy="0"/>
+            </a:xfrm>
+            <a:prstGeom prst="line">
+              <a:avLst/>
+            </a:prstGeom>
+            <a:ln w="12700">
+              <a:solidFill>
+                <a:schemeClr val="tx1"/>
+              </a:solidFill>
+            </a:ln>
+          </p:spPr>
+          <p:style>
+            <a:lnRef idx="1">
+              <a:schemeClr val="accent1"/>
+            </a:lnRef>
+            <a:fillRef idx="0">
+              <a:schemeClr val="accent1"/>
+            </a:fillRef>
+            <a:effectRef idx="0">
+              <a:schemeClr val="accent1"/>
+            </a:effectRef>
+            <a:fontRef idx="minor">
+              <a:schemeClr val="tx1"/>
+            </a:fontRef>
+          </p:style>
+        </p:cxnSp>
+        <p:sp>
+          <p:nvSpPr>
+            <p:cNvPr id="60" name="TextBox 59"/>
+            <p:cNvSpPr txBox="1"/>
+            <p:nvPr/>
+          </p:nvSpPr>
+          <p:spPr>
+            <a:xfrm>
+              <a:off x="3100387" y="5095292"/>
+              <a:ext cx="4620393" cy="553998"/>
+            </a:xfrm>
+            <a:prstGeom prst="rect">
+              <a:avLst/>
+            </a:prstGeom>
+            <a:noFill/>
+          </p:spPr>
+          <p:txBody>
+            <a:bodyPr wrap="square" rtlCol="0">
+              <a:spAutoFit/>
+            </a:bodyPr>
+            <a:lstStyle/>
+            <a:p>
+              <a:r>
+                <a:rPr lang="en-US" sz="1000" dirty="0">
+                  <a:latin typeface="Times New Roman" panose="02020603050405020304" pitchFamily="18" charset="0"/>
+                  <a:cs typeface="Times New Roman" panose="02020603050405020304" pitchFamily="18" charset="0"/>
+                </a:rPr>
+                <a:t>Figure 4. </a:t>
+              </a:r>
+              <a:r>
+                <a:rPr lang="en-US" sz="1000">
+                  <a:latin typeface="Times New Roman" panose="02020603050405020304" pitchFamily="18" charset="0"/>
+                  <a:cs typeface="Times New Roman" panose="02020603050405020304" pitchFamily="18" charset="0"/>
+                </a:rPr>
+                <a:t>Cartoon of top down view of </a:t>
+              </a:r>
+              <a:r>
+                <a:rPr lang="en-US" sz="1000" dirty="0">
+                  <a:latin typeface="Times New Roman" panose="02020603050405020304" pitchFamily="18" charset="0"/>
+                  <a:cs typeface="Times New Roman" panose="02020603050405020304" pitchFamily="18" charset="0"/>
+                </a:rPr>
+                <a:t>DIII-D. The 4-pairs of neutral beam injectors are shown in purple and the various toroidal magnetic Mirnov probes are shown in green with their angular position indicated.</a:t>
+              </a:r>
+            </a:p>
+          </p:txBody>
+        </p:sp>
+      </p:grpSp>
+    </p:spTree>
+    <p:extLst>
+      <p:ext uri="{BB962C8B-B14F-4D97-AF65-F5344CB8AC3E}">
+        <p14:creationId xmlns:p14="http://schemas.microsoft.com/office/powerpoint/2010/main" val="3447454733"/>
       </p:ext>
     </p:extLst>
   </p:cSld>

--- a/Writing/Figs.pptx
+++ b/Writing/Figs.pptx
@@ -242,7 +242,7 @@
           <a:p>
             <a:fld id="{D5436C50-0FB6-4D02-BEC8-AE142D0D2100}" type="datetimeFigureOut">
               <a:rPr lang="en-US" smtClean="0"/>
-              <a:t>5/16/2017</a:t>
+              <a:t>5/24/2017</a:t>
             </a:fld>
             <a:endParaRPr lang="en-US"/>
           </a:p>
@@ -410,7 +410,7 @@
           <a:p>
             <a:fld id="{D5436C50-0FB6-4D02-BEC8-AE142D0D2100}" type="datetimeFigureOut">
               <a:rPr lang="en-US" smtClean="0"/>
-              <a:t>5/16/2017</a:t>
+              <a:t>5/24/2017</a:t>
             </a:fld>
             <a:endParaRPr lang="en-US"/>
           </a:p>
@@ -588,7 +588,7 @@
           <a:p>
             <a:fld id="{D5436C50-0FB6-4D02-BEC8-AE142D0D2100}" type="datetimeFigureOut">
               <a:rPr lang="en-US" smtClean="0"/>
-              <a:t>5/16/2017</a:t>
+              <a:t>5/24/2017</a:t>
             </a:fld>
             <a:endParaRPr lang="en-US"/>
           </a:p>
@@ -756,7 +756,7 @@
           <a:p>
             <a:fld id="{D5436C50-0FB6-4D02-BEC8-AE142D0D2100}" type="datetimeFigureOut">
               <a:rPr lang="en-US" smtClean="0"/>
-              <a:t>5/16/2017</a:t>
+              <a:t>5/24/2017</a:t>
             </a:fld>
             <a:endParaRPr lang="en-US"/>
           </a:p>
@@ -1001,7 +1001,7 @@
           <a:p>
             <a:fld id="{D5436C50-0FB6-4D02-BEC8-AE142D0D2100}" type="datetimeFigureOut">
               <a:rPr lang="en-US" smtClean="0"/>
-              <a:t>5/16/2017</a:t>
+              <a:t>5/24/2017</a:t>
             </a:fld>
             <a:endParaRPr lang="en-US"/>
           </a:p>
@@ -1230,7 +1230,7 @@
           <a:p>
             <a:fld id="{D5436C50-0FB6-4D02-BEC8-AE142D0D2100}" type="datetimeFigureOut">
               <a:rPr lang="en-US" smtClean="0"/>
-              <a:t>5/16/2017</a:t>
+              <a:t>5/24/2017</a:t>
             </a:fld>
             <a:endParaRPr lang="en-US"/>
           </a:p>
@@ -1594,7 +1594,7 @@
           <a:p>
             <a:fld id="{D5436C50-0FB6-4D02-BEC8-AE142D0D2100}" type="datetimeFigureOut">
               <a:rPr lang="en-US" smtClean="0"/>
-              <a:t>5/16/2017</a:t>
+              <a:t>5/24/2017</a:t>
             </a:fld>
             <a:endParaRPr lang="en-US"/>
           </a:p>
@@ -1711,7 +1711,7 @@
           <a:p>
             <a:fld id="{D5436C50-0FB6-4D02-BEC8-AE142D0D2100}" type="datetimeFigureOut">
               <a:rPr lang="en-US" smtClean="0"/>
-              <a:t>5/16/2017</a:t>
+              <a:t>5/24/2017</a:t>
             </a:fld>
             <a:endParaRPr lang="en-US"/>
           </a:p>
@@ -1806,7 +1806,7 @@
           <a:p>
             <a:fld id="{D5436C50-0FB6-4D02-BEC8-AE142D0D2100}" type="datetimeFigureOut">
               <a:rPr lang="en-US" smtClean="0"/>
-              <a:t>5/16/2017</a:t>
+              <a:t>5/24/2017</a:t>
             </a:fld>
             <a:endParaRPr lang="en-US"/>
           </a:p>
@@ -2081,7 +2081,7 @@
           <a:p>
             <a:fld id="{D5436C50-0FB6-4D02-BEC8-AE142D0D2100}" type="datetimeFigureOut">
               <a:rPr lang="en-US" smtClean="0"/>
-              <a:t>5/16/2017</a:t>
+              <a:t>5/24/2017</a:t>
             </a:fld>
             <a:endParaRPr lang="en-US"/>
           </a:p>
@@ -2333,7 +2333,7 @@
           <a:p>
             <a:fld id="{D5436C50-0FB6-4D02-BEC8-AE142D0D2100}" type="datetimeFigureOut">
               <a:rPr lang="en-US" smtClean="0"/>
-              <a:t>5/16/2017</a:t>
+              <a:t>5/24/2017</a:t>
             </a:fld>
             <a:endParaRPr lang="en-US"/>
           </a:p>
@@ -2544,7 +2544,7 @@
           <a:p>
             <a:fld id="{D5436C50-0FB6-4D02-BEC8-AE142D0D2100}" type="datetimeFigureOut">
               <a:rPr lang="en-US" smtClean="0"/>
-              <a:t>5/16/2017</a:t>
+              <a:t>5/24/2017</a:t>
             </a:fld>
             <a:endParaRPr lang="en-US"/>
           </a:p>
@@ -3894,7 +3894,7 @@
         </p:nvGrpSpPr>
         <p:grpSpPr>
           <a:xfrm>
-            <a:off x="6164354" y="187439"/>
+            <a:off x="8593465" y="336677"/>
             <a:ext cx="3078503" cy="3780086"/>
             <a:chOff x="618767" y="3224783"/>
             <a:chExt cx="3078503" cy="3780086"/>
@@ -4038,10 +4038,13 @@
               <a:pPr algn="just"/>
               <a:r>
                 <a:rPr lang="en-US" sz="1000" dirty="0">
+                  <a:solidFill>
+                    <a:srgbClr val="FF0000"/>
+                  </a:solidFill>
                   <a:latin typeface="Times New Roman" panose="02020603050405020304" pitchFamily="18" charset="0"/>
                   <a:cs typeface="Times New Roman" panose="02020603050405020304" pitchFamily="18" charset="0"/>
                 </a:rPr>
-                <a:t>Figure 3. Cartoon of a tokamak device with plasma shown in purple. The blue toroidal field coils produce a strong magnetic field in the toroidal direction. Similarly, the green and grey poloidal field coils create a magnetic field in the poloidal field. The toroidal and poloidal fields combine to form a closed helical magnetic field  in the toroidal direction.</a:t>
+                <a:t>Not Used. Cartoon of a tokamak device with plasma shown in purple. The blue toroidal field coils produce a strong magnetic field in the toroidal direction. Similarly, the green and grey poloidal field coils create a magnetic field in the poloidal field. The toroidal and poloidal fields combine to form a closed helical magnetic field  in the toroidal direction.</a:t>
               </a:r>
             </a:p>
           </p:txBody>
@@ -4225,25 +4228,186 @@
                   <a:latin typeface="Times New Roman" panose="02020603050405020304" pitchFamily="18" charset="0"/>
                   <a:cs typeface="Times New Roman" panose="02020603050405020304" pitchFamily="18" charset="0"/>
                 </a:rPr>
-                <a:t>Figure 4. </a:t>
-              </a:r>
-              <a:r>
-                <a:rPr lang="en-US" sz="1000">
-                  <a:latin typeface="Times New Roman" panose="02020603050405020304" pitchFamily="18" charset="0"/>
-                  <a:cs typeface="Times New Roman" panose="02020603050405020304" pitchFamily="18" charset="0"/>
-                </a:rPr>
-                <a:t>Cartoon of top down view of </a:t>
-              </a:r>
-              <a:r>
-                <a:rPr lang="en-US" sz="1000" dirty="0">
-                  <a:latin typeface="Times New Roman" panose="02020603050405020304" pitchFamily="18" charset="0"/>
-                  <a:cs typeface="Times New Roman" panose="02020603050405020304" pitchFamily="18" charset="0"/>
-                </a:rPr>
-                <a:t>DIII-D. The 4-pairs of neutral beam injectors are shown in purple and the various toroidal magnetic Mirnov probes are shown in green with their angular position indicated.</a:t>
+                <a:t>Figure 3. Cartoon of top down view of DIII-D. The 4-pairs of neutral beam injectors are shown in purple and the various toroidal magnetic Mirnov probes are shown in green with their angular position indicated.</a:t>
               </a:r>
             </a:p>
           </p:txBody>
         </p:sp>
+      </p:grpSp>
+      <p:grpSp>
+        <p:nvGrpSpPr>
+          <p:cNvPr id="11" name="Group 10"/>
+          <p:cNvGrpSpPr/>
+          <p:nvPr/>
+        </p:nvGrpSpPr>
+        <p:grpSpPr>
+          <a:xfrm>
+            <a:off x="5672028" y="185738"/>
+            <a:ext cx="5273271" cy="4900803"/>
+            <a:chOff x="5672028" y="185738"/>
+            <a:chExt cx="5273271" cy="4900803"/>
+          </a:xfrm>
+        </p:grpSpPr>
+        <p:pic>
+          <p:nvPicPr>
+            <p:cNvPr id="10" name="Picture 9" descr="A close up of a map&#10;&#10;Description generated with high confidence"/>
+            <p:cNvPicPr>
+              <a:picLocks noChangeAspect="1"/>
+            </p:cNvPicPr>
+            <p:nvPr/>
+          </p:nvPicPr>
+          <p:blipFill rotWithShape="1">
+            <a:blip r:embed="rId3">
+              <a:extLst>
+                <a:ext uri="{28A0092B-C50C-407E-A947-70E740481C1C}">
+                  <a14:useLocalDpi xmlns:a14="http://schemas.microsoft.com/office/drawing/2010/main" val="0"/>
+                </a:ext>
+              </a:extLst>
+            </a:blip>
+            <a:srcRect l="6392" r="8968"/>
+            <a:stretch/>
+          </p:blipFill>
+          <p:spPr>
+            <a:xfrm>
+              <a:off x="5672028" y="185738"/>
+              <a:ext cx="5110293" cy="4566691"/>
+            </a:xfrm>
+            <a:prstGeom prst="rect">
+              <a:avLst/>
+            </a:prstGeom>
+          </p:spPr>
+        </p:pic>
+        <p:grpSp>
+          <p:nvGrpSpPr>
+            <p:cNvPr id="5" name="Group 4"/>
+            <p:cNvGrpSpPr/>
+            <p:nvPr/>
+          </p:nvGrpSpPr>
+          <p:grpSpPr>
+            <a:xfrm>
+              <a:off x="5672030" y="382209"/>
+              <a:ext cx="5273269" cy="4704332"/>
+              <a:chOff x="4963886" y="343760"/>
+              <a:chExt cx="5273269" cy="4704332"/>
+            </a:xfrm>
+          </p:grpSpPr>
+          <p:sp>
+            <p:nvSpPr>
+              <p:cNvPr id="8" name="Rectangle 7"/>
+              <p:cNvSpPr/>
+              <p:nvPr/>
+            </p:nvSpPr>
+            <p:spPr>
+              <a:xfrm>
+                <a:off x="4963887" y="343760"/>
+                <a:ext cx="5273268" cy="4704332"/>
+              </a:xfrm>
+              <a:prstGeom prst="rect">
+                <a:avLst/>
+              </a:prstGeom>
+              <a:noFill/>
+              <a:ln>
+                <a:solidFill>
+                  <a:schemeClr val="tx1"/>
+                </a:solidFill>
+              </a:ln>
+            </p:spPr>
+            <p:style>
+              <a:lnRef idx="2">
+                <a:schemeClr val="accent1">
+                  <a:shade val="50000"/>
+                </a:schemeClr>
+              </a:lnRef>
+              <a:fillRef idx="1">
+                <a:schemeClr val="accent1"/>
+              </a:fillRef>
+              <a:effectRef idx="0">
+                <a:schemeClr val="accent1"/>
+              </a:effectRef>
+              <a:fontRef idx="minor">
+                <a:schemeClr val="lt1"/>
+              </a:fontRef>
+            </p:style>
+            <p:txBody>
+              <a:bodyPr rtlCol="0" anchor="ctr"/>
+              <a:lstStyle/>
+              <a:p>
+                <a:pPr algn="ctr"/>
+                <a:endParaRPr lang="en-US"/>
+              </a:p>
+            </p:txBody>
+          </p:sp>
+          <p:cxnSp>
+            <p:nvCxnSpPr>
+              <p:cNvPr id="3" name="Straight Connector 2"/>
+              <p:cNvCxnSpPr>
+                <a:cxnSpLocks/>
+              </p:cNvCxnSpPr>
+              <p:nvPr/>
+            </p:nvCxnSpPr>
+            <p:spPr>
+              <a:xfrm>
+                <a:off x="4963886" y="4655025"/>
+                <a:ext cx="5273268" cy="0"/>
+              </a:xfrm>
+              <a:prstGeom prst="line">
+                <a:avLst/>
+              </a:prstGeom>
+              <a:ln w="12700">
+                <a:solidFill>
+                  <a:schemeClr val="tx1"/>
+                </a:solidFill>
+              </a:ln>
+            </p:spPr>
+            <p:style>
+              <a:lnRef idx="1">
+                <a:schemeClr val="accent1"/>
+              </a:lnRef>
+              <a:fillRef idx="0">
+                <a:schemeClr val="accent1"/>
+              </a:fillRef>
+              <a:effectRef idx="0">
+                <a:schemeClr val="accent1"/>
+              </a:effectRef>
+              <a:fontRef idx="minor">
+                <a:schemeClr val="tx1"/>
+              </a:fontRef>
+            </p:style>
+          </p:cxnSp>
+          <p:sp>
+            <p:nvSpPr>
+              <p:cNvPr id="4" name="TextBox 3"/>
+              <p:cNvSpPr txBox="1"/>
+              <p:nvPr/>
+            </p:nvSpPr>
+            <p:spPr>
+              <a:xfrm>
+                <a:off x="4963886" y="4647981"/>
+                <a:ext cx="5273268" cy="400110"/>
+              </a:xfrm>
+              <a:prstGeom prst="rect">
+                <a:avLst/>
+              </a:prstGeom>
+              <a:noFill/>
+            </p:spPr>
+            <p:txBody>
+              <a:bodyPr wrap="square" rtlCol="0">
+                <a:spAutoFit/>
+              </a:bodyPr>
+              <a:lstStyle/>
+              <a:p>
+                <a:pPr algn="just"/>
+                <a:r>
+                  <a:rPr lang="en-US" sz="1000" dirty="0">
+                    <a:latin typeface="Times New Roman" panose="02020603050405020304" pitchFamily="18" charset="0"/>
+                    <a:cs typeface="Times New Roman" panose="02020603050405020304" pitchFamily="18" charset="0"/>
+                  </a:rPr>
+                  <a:t>Figure 5. Sample output from ClusteringExample.py using 1000 random data points and a k-means algorithm with 7 total clusters. </a:t>
+                </a:r>
+              </a:p>
+            </p:txBody>
+          </p:sp>
+        </p:grpSp>
       </p:grpSp>
     </p:spTree>
     <p:extLst>

--- a/Writing/Figs.pptx
+++ b/Writing/Figs.pptx
@@ -7,6 +7,7 @@
   <p:sldIdLst>
     <p:sldId id="256" r:id="rId2"/>
     <p:sldId id="257" r:id="rId3"/>
+    <p:sldId id="258" r:id="rId4"/>
   </p:sldIdLst>
   <p:sldSz cx="12192000" cy="6858000"/>
   <p:notesSz cx="6858000" cy="9144000"/>
@@ -242,7 +243,7 @@
           <a:p>
             <a:fld id="{D5436C50-0FB6-4D02-BEC8-AE142D0D2100}" type="datetimeFigureOut">
               <a:rPr lang="en-US" smtClean="0"/>
-              <a:t>5/24/2017</a:t>
+              <a:t>5/27/2017</a:t>
             </a:fld>
             <a:endParaRPr lang="en-US"/>
           </a:p>
@@ -410,7 +411,7 @@
           <a:p>
             <a:fld id="{D5436C50-0FB6-4D02-BEC8-AE142D0D2100}" type="datetimeFigureOut">
               <a:rPr lang="en-US" smtClean="0"/>
-              <a:t>5/24/2017</a:t>
+              <a:t>5/27/2017</a:t>
             </a:fld>
             <a:endParaRPr lang="en-US"/>
           </a:p>
@@ -588,7 +589,7 @@
           <a:p>
             <a:fld id="{D5436C50-0FB6-4D02-BEC8-AE142D0D2100}" type="datetimeFigureOut">
               <a:rPr lang="en-US" smtClean="0"/>
-              <a:t>5/24/2017</a:t>
+              <a:t>5/27/2017</a:t>
             </a:fld>
             <a:endParaRPr lang="en-US"/>
           </a:p>
@@ -756,7 +757,7 @@
           <a:p>
             <a:fld id="{D5436C50-0FB6-4D02-BEC8-AE142D0D2100}" type="datetimeFigureOut">
               <a:rPr lang="en-US" smtClean="0"/>
-              <a:t>5/24/2017</a:t>
+              <a:t>5/27/2017</a:t>
             </a:fld>
             <a:endParaRPr lang="en-US"/>
           </a:p>
@@ -1001,7 +1002,7 @@
           <a:p>
             <a:fld id="{D5436C50-0FB6-4D02-BEC8-AE142D0D2100}" type="datetimeFigureOut">
               <a:rPr lang="en-US" smtClean="0"/>
-              <a:t>5/24/2017</a:t>
+              <a:t>5/27/2017</a:t>
             </a:fld>
             <a:endParaRPr lang="en-US"/>
           </a:p>
@@ -1230,7 +1231,7 @@
           <a:p>
             <a:fld id="{D5436C50-0FB6-4D02-BEC8-AE142D0D2100}" type="datetimeFigureOut">
               <a:rPr lang="en-US" smtClean="0"/>
-              <a:t>5/24/2017</a:t>
+              <a:t>5/27/2017</a:t>
             </a:fld>
             <a:endParaRPr lang="en-US"/>
           </a:p>
@@ -1594,7 +1595,7 @@
           <a:p>
             <a:fld id="{D5436C50-0FB6-4D02-BEC8-AE142D0D2100}" type="datetimeFigureOut">
               <a:rPr lang="en-US" smtClean="0"/>
-              <a:t>5/24/2017</a:t>
+              <a:t>5/27/2017</a:t>
             </a:fld>
             <a:endParaRPr lang="en-US"/>
           </a:p>
@@ -1711,7 +1712,7 @@
           <a:p>
             <a:fld id="{D5436C50-0FB6-4D02-BEC8-AE142D0D2100}" type="datetimeFigureOut">
               <a:rPr lang="en-US" smtClean="0"/>
-              <a:t>5/24/2017</a:t>
+              <a:t>5/27/2017</a:t>
             </a:fld>
             <a:endParaRPr lang="en-US"/>
           </a:p>
@@ -1806,7 +1807,7 @@
           <a:p>
             <a:fld id="{D5436C50-0FB6-4D02-BEC8-AE142D0D2100}" type="datetimeFigureOut">
               <a:rPr lang="en-US" smtClean="0"/>
-              <a:t>5/24/2017</a:t>
+              <a:t>5/27/2017</a:t>
             </a:fld>
             <a:endParaRPr lang="en-US"/>
           </a:p>
@@ -2081,7 +2082,7 @@
           <a:p>
             <a:fld id="{D5436C50-0FB6-4D02-BEC8-AE142D0D2100}" type="datetimeFigureOut">
               <a:rPr lang="en-US" smtClean="0"/>
-              <a:t>5/24/2017</a:t>
+              <a:t>5/27/2017</a:t>
             </a:fld>
             <a:endParaRPr lang="en-US"/>
           </a:p>
@@ -2333,7 +2334,7 @@
           <a:p>
             <a:fld id="{D5436C50-0FB6-4D02-BEC8-AE142D0D2100}" type="datetimeFigureOut">
               <a:rPr lang="en-US" smtClean="0"/>
-              <a:t>5/24/2017</a:t>
+              <a:t>5/27/2017</a:t>
             </a:fld>
             <a:endParaRPr lang="en-US"/>
           </a:p>
@@ -2544,7 +2545,7 @@
           <a:p>
             <a:fld id="{D5436C50-0FB6-4D02-BEC8-AE142D0D2100}" type="datetimeFigureOut">
               <a:rPr lang="en-US" smtClean="0"/>
-              <a:t>5/24/2017</a:t>
+              <a:t>5/27/2017</a:t>
             </a:fld>
             <a:endParaRPr lang="en-US"/>
           </a:p>
@@ -4422,6 +4423,4406 @@
 </p:sld>
 </file>
 
+<file path=ppt/slides/slide3.xml><?xml version="1.0" encoding="utf-8"?>
+<p:sld xmlns:a="http://schemas.openxmlformats.org/drawingml/2006/main" xmlns:r="http://schemas.openxmlformats.org/officeDocument/2006/relationships" xmlns:p="http://schemas.openxmlformats.org/presentationml/2006/main">
+  <p:cSld>
+    <p:spTree>
+      <p:nvGrpSpPr>
+        <p:cNvPr id="1" name=""/>
+        <p:cNvGrpSpPr/>
+        <p:nvPr/>
+      </p:nvGrpSpPr>
+      <p:grpSpPr>
+        <a:xfrm>
+          <a:off x="0" y="0"/>
+          <a:ext cx="0" cy="0"/>
+          <a:chOff x="0" y="0"/>
+          <a:chExt cx="0" cy="0"/>
+        </a:xfrm>
+      </p:grpSpPr>
+      <p:grpSp>
+        <p:nvGrpSpPr>
+          <p:cNvPr id="13" name="Group 12"/>
+          <p:cNvGrpSpPr/>
+          <p:nvPr/>
+        </p:nvGrpSpPr>
+        <p:grpSpPr>
+          <a:xfrm>
+            <a:off x="236383" y="107162"/>
+            <a:ext cx="4441001" cy="3745303"/>
+            <a:chOff x="2606721" y="1145849"/>
+            <a:chExt cx="4441001" cy="3745303"/>
+          </a:xfrm>
+        </p:grpSpPr>
+        <p:pic>
+          <p:nvPicPr>
+            <p:cNvPr id="5" name="Graphic 4"/>
+            <p:cNvPicPr>
+              <a:picLocks noChangeAspect="1"/>
+            </p:cNvPicPr>
+            <p:nvPr/>
+          </p:nvPicPr>
+          <p:blipFill rotWithShape="1">
+            <a:blip r:embed="rId2">
+              <a:extLst>
+                <a:ext uri="{28A0092B-C50C-407E-A947-70E740481C1C}">
+                  <a14:useLocalDpi xmlns:a14="http://schemas.microsoft.com/office/drawing/2010/main" val="0"/>
+                </a:ext>
+                <a:ext uri="{96DAC541-7B7A-43D3-8B79-37D633B846F1}">
+                  <asvg:svgBlip xmlns:asvg="http://schemas.microsoft.com/office/drawing/2016/SVG/main" r:embed="rId3"/>
+                </a:ext>
+              </a:extLst>
+            </a:blip>
+            <a:srcRect l="4514" b="4394"/>
+            <a:stretch/>
+          </p:blipFill>
+          <p:spPr>
+            <a:xfrm>
+              <a:off x="2606721" y="1145849"/>
+              <a:ext cx="4305613" cy="3221436"/>
+            </a:xfrm>
+            <a:prstGeom prst="rect">
+              <a:avLst/>
+            </a:prstGeom>
+          </p:spPr>
+        </p:pic>
+        <p:sp>
+          <p:nvSpPr>
+            <p:cNvPr id="6" name="Rectangle 5"/>
+            <p:cNvSpPr/>
+            <p:nvPr/>
+          </p:nvSpPr>
+          <p:spPr>
+            <a:xfrm>
+              <a:off x="2606721" y="1349828"/>
+              <a:ext cx="4434782" cy="3541324"/>
+            </a:xfrm>
+            <a:prstGeom prst="rect">
+              <a:avLst/>
+            </a:prstGeom>
+            <a:noFill/>
+            <a:ln>
+              <a:solidFill>
+                <a:schemeClr val="tx1"/>
+              </a:solidFill>
+            </a:ln>
+          </p:spPr>
+          <p:style>
+            <a:lnRef idx="2">
+              <a:schemeClr val="accent1">
+                <a:shade val="50000"/>
+              </a:schemeClr>
+            </a:lnRef>
+            <a:fillRef idx="1">
+              <a:schemeClr val="accent1"/>
+            </a:fillRef>
+            <a:effectRef idx="0">
+              <a:schemeClr val="accent1"/>
+            </a:effectRef>
+            <a:fontRef idx="minor">
+              <a:schemeClr val="lt1"/>
+            </a:fontRef>
+          </p:style>
+          <p:txBody>
+            <a:bodyPr rtlCol="0" anchor="ctr"/>
+            <a:lstStyle/>
+            <a:p>
+              <a:pPr algn="ctr"/>
+              <a:endParaRPr lang="en-US"/>
+            </a:p>
+          </p:txBody>
+        </p:sp>
+        <p:cxnSp>
+          <p:nvCxnSpPr>
+            <p:cNvPr id="8" name="Straight Connector 7"/>
+            <p:cNvCxnSpPr>
+              <a:cxnSpLocks/>
+            </p:cNvCxnSpPr>
+            <p:nvPr/>
+          </p:nvCxnSpPr>
+          <p:spPr>
+            <a:xfrm>
+              <a:off x="2606721" y="4337154"/>
+              <a:ext cx="4441001" cy="0"/>
+            </a:xfrm>
+            <a:prstGeom prst="line">
+              <a:avLst/>
+            </a:prstGeom>
+            <a:ln w="12700">
+              <a:solidFill>
+                <a:schemeClr val="tx1"/>
+              </a:solidFill>
+            </a:ln>
+          </p:spPr>
+          <p:style>
+            <a:lnRef idx="1">
+              <a:schemeClr val="accent1"/>
+            </a:lnRef>
+            <a:fillRef idx="0">
+              <a:schemeClr val="accent1"/>
+            </a:fillRef>
+            <a:effectRef idx="0">
+              <a:schemeClr val="accent1"/>
+            </a:effectRef>
+            <a:fontRef idx="minor">
+              <a:schemeClr val="tx1"/>
+            </a:fontRef>
+          </p:style>
+        </p:cxnSp>
+        <mc:AlternateContent xmlns:mc="http://schemas.openxmlformats.org/markup-compatibility/2006">
+          <mc:Choice xmlns:a14="http://schemas.microsoft.com/office/drawing/2010/main" Requires="a14">
+            <p:sp>
+              <p:nvSpPr>
+                <p:cNvPr id="11" name="Rectangle 10"/>
+                <p:cNvSpPr/>
+                <p:nvPr/>
+              </p:nvSpPr>
+              <p:spPr>
+                <a:xfrm>
+                  <a:off x="2647665" y="4337154"/>
+                  <a:ext cx="4393837" cy="553998"/>
+                </a:xfrm>
+                <a:prstGeom prst="rect">
+                  <a:avLst/>
+                </a:prstGeom>
+              </p:spPr>
+              <p:txBody>
+                <a:bodyPr wrap="square">
+                  <a:spAutoFit/>
+                </a:bodyPr>
+                <a:lstStyle/>
+                <a:p>
+                  <a:pPr algn="just"/>
+                  <a:r>
+                    <a:rPr lang="en-US" sz="1000" dirty="0">
+                      <a:latin typeface="Times New Roman" panose="02020603050405020304" pitchFamily="18" charset="0"/>
+                      <a:cs typeface="Times New Roman" panose="02020603050405020304" pitchFamily="18" charset="0"/>
+                    </a:rPr>
+                    <a:t>Figure 4. Example of a von-mises distribution function with the mean, </a:t>
+                  </a:r>
+                  <a14:m>
+                    <m:oMath xmlns:m="http://schemas.openxmlformats.org/officeDocument/2006/math">
+                      <m:r>
+                        <a:rPr lang="en-US" sz="1000" b="0" i="1" smtClean="0">
+                          <a:latin typeface="Cambria Math" panose="02040503050406030204" pitchFamily="18" charset="0"/>
+                          <a:cs typeface="Times New Roman" panose="02020603050405020304" pitchFamily="18" charset="0"/>
+                        </a:rPr>
+                        <m:t>𝜇</m:t>
+                      </m:r>
+                    </m:oMath>
+                  </a14:m>
+                  <a:r>
+                    <a:rPr lang="en-US" sz="1000" dirty="0">
+                      <a:latin typeface="Times New Roman" panose="02020603050405020304" pitchFamily="18" charset="0"/>
+                      <a:cs typeface="Times New Roman" panose="02020603050405020304" pitchFamily="18" charset="0"/>
+                    </a:rPr>
+                    <a:t>, centered at 0 with several different </a:t>
+                  </a:r>
+                  <a14:m>
+                    <m:oMath xmlns:m="http://schemas.openxmlformats.org/officeDocument/2006/math">
+                      <m:r>
+                        <a:rPr lang="en-US" sz="1000" b="0" i="1" smtClean="0">
+                          <a:latin typeface="Cambria Math" panose="02040503050406030204" pitchFamily="18" charset="0"/>
+                          <a:cs typeface="Times New Roman" panose="02020603050405020304" pitchFamily="18" charset="0"/>
+                        </a:rPr>
+                        <m:t>𝜅</m:t>
+                      </m:r>
+                    </m:oMath>
+                  </a14:m>
+                  <a:r>
+                    <a:rPr lang="en-US" sz="1000" dirty="0">
+                      <a:latin typeface="Times New Roman" panose="02020603050405020304" pitchFamily="18" charset="0"/>
+                      <a:cs typeface="Times New Roman" panose="02020603050405020304" pitchFamily="18" charset="0"/>
+                    </a:rPr>
+                    <a:t> values. </a:t>
+                  </a:r>
+                  <a14:m>
+                    <m:oMath xmlns:m="http://schemas.openxmlformats.org/officeDocument/2006/math">
+                      <m:r>
+                        <a:rPr lang="en-US" sz="1000" b="0" i="1" smtClean="0">
+                          <a:latin typeface="Cambria Math" panose="02040503050406030204" pitchFamily="18" charset="0"/>
+                          <a:cs typeface="Times New Roman" panose="02020603050405020304" pitchFamily="18" charset="0"/>
+                        </a:rPr>
+                        <m:t>𝜅</m:t>
+                      </m:r>
+                    </m:oMath>
+                  </a14:m>
+                  <a:r>
+                    <a:rPr lang="en-US" sz="1000" dirty="0">
+                      <a:latin typeface="Times New Roman" panose="02020603050405020304" pitchFamily="18" charset="0"/>
+                      <a:cs typeface="Times New Roman" panose="02020603050405020304" pitchFamily="18" charset="0"/>
+                    </a:rPr>
+                    <a:t> set equal to 0 represents a uniform distribution function.</a:t>
+                  </a:r>
+                </a:p>
+              </p:txBody>
+            </p:sp>
+          </mc:Choice>
+          <mc:Fallback>
+            <p:sp>
+              <p:nvSpPr>
+                <p:cNvPr id="11" name="Rectangle 10"/>
+                <p:cNvSpPr>
+                  <a:spLocks noRot="1" noChangeAspect="1" noMove="1" noResize="1" noEditPoints="1" noAdjustHandles="1" noChangeArrowheads="1" noChangeShapeType="1" noTextEdit="1"/>
+                </p:cNvSpPr>
+                <p:nvPr/>
+              </p:nvSpPr>
+              <p:spPr>
+                <a:xfrm>
+                  <a:off x="2647665" y="4337154"/>
+                  <a:ext cx="4393837" cy="553998"/>
+                </a:xfrm>
+                <a:prstGeom prst="rect">
+                  <a:avLst/>
+                </a:prstGeom>
+                <a:blipFill>
+                  <a:blip r:embed="rId4"/>
+                  <a:stretch>
+                    <a:fillRect b="-5495"/>
+                  </a:stretch>
+                </a:blipFill>
+              </p:spPr>
+              <p:txBody>
+                <a:bodyPr/>
+                <a:lstStyle/>
+                <a:p>
+                  <a:r>
+                    <a:rPr lang="en-US">
+                      <a:noFill/>
+                    </a:rPr>
+                    <a:t> </a:t>
+                  </a:r>
+                </a:p>
+              </p:txBody>
+            </p:sp>
+          </mc:Fallback>
+        </mc:AlternateContent>
+      </p:grpSp>
+      <p:sp>
+        <p:nvSpPr>
+          <p:cNvPr id="16" name="TextBox 15"/>
+          <p:cNvSpPr txBox="1"/>
+          <p:nvPr/>
+        </p:nvSpPr>
+        <p:spPr>
+          <a:xfrm>
+            <a:off x="4928293" y="1681090"/>
+            <a:ext cx="3425825" cy="246221"/>
+          </a:xfrm>
+          <a:prstGeom prst="rect">
+            <a:avLst/>
+          </a:prstGeom>
+          <a:noFill/>
+        </p:spPr>
+        <p:txBody>
+          <a:bodyPr wrap="square" rtlCol="0">
+            <a:spAutoFit/>
+          </a:bodyPr>
+          <a:lstStyle/>
+          <a:p>
+            <a:r>
+              <a:rPr lang="en-US" sz="1000" dirty="0">
+                <a:latin typeface="Times New Roman" panose="02020603050405020304" pitchFamily="18" charset="0"/>
+                <a:cs typeface="Times New Roman" panose="02020603050405020304" pitchFamily="18" charset="0"/>
+              </a:rPr>
+              <a:t>Table 1. Typical plasma parameters at DIII-D. </a:t>
+            </a:r>
+          </a:p>
+        </p:txBody>
+      </p:sp>
+      <mc:AlternateContent xmlns:mc="http://schemas.openxmlformats.org/markup-compatibility/2006">
+        <mc:Choice xmlns:a14="http://schemas.microsoft.com/office/drawing/2010/main" Requires="a14">
+          <p:graphicFrame>
+            <p:nvGraphicFramePr>
+              <p:cNvPr id="18" name="Table 17"/>
+              <p:cNvGraphicFramePr>
+                <a:graphicFrameLocks noGrp="1"/>
+              </p:cNvGraphicFramePr>
+              <p:nvPr>
+                <p:extLst>
+                  <p:ext uri="{D42A27DB-BD31-4B8C-83A1-F6EECF244321}">
+                    <p14:modId xmlns:p14="http://schemas.microsoft.com/office/powerpoint/2010/main" val="2029074023"/>
+                  </p:ext>
+                </p:extLst>
+              </p:nvPr>
+            </p:nvGraphicFramePr>
+            <p:xfrm>
+              <a:off x="4928293" y="311141"/>
+              <a:ext cx="3425825" cy="1369949"/>
+            </p:xfrm>
+            <a:graphic>
+              <a:graphicData uri="http://schemas.openxmlformats.org/drawingml/2006/table">
+                <a:tbl>
+                  <a:tblPr firstRow="1" firstCol="1" bandRow="1"/>
+                  <a:tblGrid>
+                    <a:gridCol w="228600">
+                      <a:extLst>
+                        <a:ext uri="{9D8B030D-6E8A-4147-A177-3AD203B41FA5}">
+                          <a16:colId xmlns:a16="http://schemas.microsoft.com/office/drawing/2014/main" val="1563805706"/>
+                        </a:ext>
+                      </a:extLst>
+                    </a:gridCol>
+                    <a:gridCol w="2117725">
+                      <a:extLst>
+                        <a:ext uri="{9D8B030D-6E8A-4147-A177-3AD203B41FA5}">
+                          <a16:colId xmlns:a16="http://schemas.microsoft.com/office/drawing/2014/main" val="2086739117"/>
+                        </a:ext>
+                      </a:extLst>
+                    </a:gridCol>
+                    <a:gridCol w="854075">
+                      <a:extLst>
+                        <a:ext uri="{9D8B030D-6E8A-4147-A177-3AD203B41FA5}">
+                          <a16:colId xmlns:a16="http://schemas.microsoft.com/office/drawing/2014/main" val="3335236292"/>
+                        </a:ext>
+                      </a:extLst>
+                    </a:gridCol>
+                    <a:gridCol w="225425">
+                      <a:extLst>
+                        <a:ext uri="{9D8B030D-6E8A-4147-A177-3AD203B41FA5}">
+                          <a16:colId xmlns:a16="http://schemas.microsoft.com/office/drawing/2014/main" val="2282595738"/>
+                        </a:ext>
+                      </a:extLst>
+                    </a:gridCol>
+                  </a:tblGrid>
+                  <a:tr h="178435">
+                    <a:tc>
+                      <a:txBody>
+                        <a:bodyPr/>
+                        <a:lstStyle/>
+                        <a:p>
+                          <a:pPr marL="0" marR="0" algn="just">
+                            <a:lnSpc>
+                              <a:spcPct val="107000"/>
+                            </a:lnSpc>
+                            <a:spcBef>
+                              <a:spcPts val="0"/>
+                            </a:spcBef>
+                            <a:spcAft>
+                              <a:spcPts val="0"/>
+                            </a:spcAft>
+                          </a:pPr>
+                          <a:r>
+                            <a:rPr lang="en-US" sz="1200">
+                              <a:effectLst/>
+                              <a:latin typeface="Times New Roman" panose="02020603050405020304" pitchFamily="18" charset="0"/>
+                              <a:ea typeface="Times New Roman" panose="02020603050405020304" pitchFamily="18" charset="0"/>
+                              <a:cs typeface="Times New Roman" panose="02020603050405020304" pitchFamily="18" charset="0"/>
+                            </a:rPr>
+                            <a:t> </a:t>
+                          </a:r>
+                          <a:endParaRPr lang="en-US" sz="1200">
+                            <a:effectLst/>
+                            <a:latin typeface="Times New Roman" panose="02020603050405020304" pitchFamily="18" charset="0"/>
+                            <a:ea typeface="Calibri" panose="020F0502020204030204" pitchFamily="34" charset="0"/>
+                            <a:cs typeface="Times New Roman" panose="02020603050405020304" pitchFamily="18" charset="0"/>
+                          </a:endParaRPr>
+                        </a:p>
+                      </a:txBody>
+                      <a:tcPr marL="68580" marR="68580" marT="0" marB="0">
+                        <a:lnL w="12700" cap="flat" cmpd="sng" algn="ctr">
+                          <a:solidFill>
+                            <a:srgbClr val="FFFFFF"/>
+                          </a:solidFill>
+                          <a:prstDash val="solid"/>
+                          <a:round/>
+                          <a:headEnd type="none" w="med" len="med"/>
+                          <a:tailEnd type="none" w="med" len="med"/>
+                        </a:lnL>
+                        <a:lnR w="12700" cap="flat" cmpd="sng" algn="ctr">
+                          <a:solidFill>
+                            <a:srgbClr val="FFFFFF"/>
+                          </a:solidFill>
+                          <a:prstDash val="solid"/>
+                          <a:round/>
+                          <a:headEnd type="none" w="med" len="med"/>
+                          <a:tailEnd type="none" w="med" len="med"/>
+                        </a:lnR>
+                        <a:lnT w="19050" cap="flat" cmpd="sng" algn="ctr">
+                          <a:solidFill>
+                            <a:srgbClr val="000000"/>
+                          </a:solidFill>
+                          <a:prstDash val="solid"/>
+                          <a:round/>
+                          <a:headEnd type="none" w="med" len="med"/>
+                          <a:tailEnd type="none" w="med" len="med"/>
+                        </a:lnT>
+                        <a:lnB>
+                          <a:noFill/>
+                        </a:lnB>
+                      </a:tcPr>
+                    </a:tc>
+                    <a:tc>
+                      <a:txBody>
+                        <a:bodyPr/>
+                        <a:lstStyle/>
+                        <a:p>
+                          <a:pPr marL="0" marR="0" algn="ctr">
+                            <a:lnSpc>
+                              <a:spcPct val="107000"/>
+                            </a:lnSpc>
+                            <a:spcBef>
+                              <a:spcPts val="0"/>
+                            </a:spcBef>
+                            <a:spcAft>
+                              <a:spcPts val="0"/>
+                            </a:spcAft>
+                          </a:pPr>
+                          <a:r>
+                            <a:rPr lang="en-US" sz="1200">
+                              <a:effectLst/>
+                              <a:latin typeface="Times New Roman" panose="02020603050405020304" pitchFamily="18" charset="0"/>
+                              <a:ea typeface="Times New Roman" panose="02020603050405020304" pitchFamily="18" charset="0"/>
+                              <a:cs typeface="Times New Roman" panose="02020603050405020304" pitchFamily="18" charset="0"/>
+                            </a:rPr>
+                            <a:t>Major Radius, </a:t>
+                          </a:r>
+                          <a14:m>
+                            <m:oMath xmlns:m="http://schemas.openxmlformats.org/officeDocument/2006/math">
+                              <m:sSub>
+                                <m:sSubPr>
+                                  <m:ctrlPr>
+                                    <a:rPr lang="en-US" sz="1200" i="1">
+                                      <a:effectLst/>
+                                      <a:latin typeface="Cambria Math" panose="02040503050406030204" pitchFamily="18" charset="0"/>
+                                      <a:ea typeface="Times New Roman" panose="02020603050405020304" pitchFamily="18" charset="0"/>
+                                      <a:cs typeface="Times New Roman" panose="02020603050405020304" pitchFamily="18" charset="0"/>
+                                    </a:rPr>
+                                  </m:ctrlPr>
+                                </m:sSubPr>
+                                <m:e>
+                                  <m:r>
+                                    <a:rPr lang="en-US" sz="1200" i="1">
+                                      <a:effectLst/>
+                                      <a:latin typeface="Cambria Math" panose="02040503050406030204" pitchFamily="18" charset="0"/>
+                                      <a:ea typeface="Times New Roman" panose="02020603050405020304" pitchFamily="18" charset="0"/>
+                                      <a:cs typeface="Times New Roman" panose="02020603050405020304" pitchFamily="18" charset="0"/>
+                                    </a:rPr>
+                                    <m:t>𝑅</m:t>
+                                  </m:r>
+                                </m:e>
+                                <m:sub>
+                                  <m:r>
+                                    <a:rPr lang="en-US" sz="1200" i="1">
+                                      <a:effectLst/>
+                                      <a:latin typeface="Cambria Math" panose="02040503050406030204" pitchFamily="18" charset="0"/>
+                                      <a:ea typeface="Times New Roman" panose="02020603050405020304" pitchFamily="18" charset="0"/>
+                                      <a:cs typeface="Times New Roman" panose="02020603050405020304" pitchFamily="18" charset="0"/>
+                                    </a:rPr>
+                                    <m:t>0</m:t>
+                                  </m:r>
+                                </m:sub>
+                              </m:sSub>
+                            </m:oMath>
+                          </a14:m>
+                          <a:endParaRPr lang="en-US" sz="1200">
+                            <a:effectLst/>
+                            <a:latin typeface="Times New Roman" panose="02020603050405020304" pitchFamily="18" charset="0"/>
+                            <a:ea typeface="Calibri" panose="020F0502020204030204" pitchFamily="34" charset="0"/>
+                            <a:cs typeface="Times New Roman" panose="02020603050405020304" pitchFamily="18" charset="0"/>
+                          </a:endParaRPr>
+                        </a:p>
+                      </a:txBody>
+                      <a:tcPr marL="68580" marR="68580" marT="0" marB="0">
+                        <a:lnL w="12700" cap="flat" cmpd="sng" algn="ctr">
+                          <a:solidFill>
+                            <a:srgbClr val="FFFFFF"/>
+                          </a:solidFill>
+                          <a:prstDash val="solid"/>
+                          <a:round/>
+                          <a:headEnd type="none" w="med" len="med"/>
+                          <a:tailEnd type="none" w="med" len="med"/>
+                        </a:lnL>
+                        <a:lnR w="12700" cap="flat" cmpd="sng" algn="ctr">
+                          <a:solidFill>
+                            <a:srgbClr val="FFFFFF"/>
+                          </a:solidFill>
+                          <a:prstDash val="solid"/>
+                          <a:round/>
+                          <a:headEnd type="none" w="med" len="med"/>
+                          <a:tailEnd type="none" w="med" len="med"/>
+                        </a:lnR>
+                        <a:lnT w="19050" cap="flat" cmpd="sng" algn="ctr">
+                          <a:solidFill>
+                            <a:srgbClr val="000000"/>
+                          </a:solidFill>
+                          <a:prstDash val="solid"/>
+                          <a:round/>
+                          <a:headEnd type="none" w="med" len="med"/>
+                          <a:tailEnd type="none" w="med" len="med"/>
+                        </a:lnT>
+                        <a:lnB w="12700" cap="flat" cmpd="sng" algn="ctr">
+                          <a:solidFill>
+                            <a:srgbClr val="000000"/>
+                          </a:solidFill>
+                          <a:prstDash val="solid"/>
+                          <a:round/>
+                          <a:headEnd type="none" w="med" len="med"/>
+                          <a:tailEnd type="none" w="med" len="med"/>
+                        </a:lnB>
+                      </a:tcPr>
+                    </a:tc>
+                    <a:tc>
+                      <a:txBody>
+                        <a:bodyPr/>
+                        <a:lstStyle/>
+                        <a:p>
+                          <a:pPr marL="0" marR="0" algn="ctr">
+                            <a:lnSpc>
+                              <a:spcPct val="107000"/>
+                            </a:lnSpc>
+                            <a:spcBef>
+                              <a:spcPts val="0"/>
+                            </a:spcBef>
+                            <a:spcAft>
+                              <a:spcPts val="0"/>
+                            </a:spcAft>
+                          </a:pPr>
+                          <a:r>
+                            <a:rPr lang="en-US" sz="1200">
+                              <a:effectLst/>
+                              <a:latin typeface="Times New Roman" panose="02020603050405020304" pitchFamily="18" charset="0"/>
+                              <a:ea typeface="Times New Roman" panose="02020603050405020304" pitchFamily="18" charset="0"/>
+                              <a:cs typeface="Times New Roman" panose="02020603050405020304" pitchFamily="18" charset="0"/>
+                            </a:rPr>
+                            <a:t>1.67 m</a:t>
+                          </a:r>
+                          <a:endParaRPr lang="en-US" sz="1200">
+                            <a:effectLst/>
+                            <a:latin typeface="Times New Roman" panose="02020603050405020304" pitchFamily="18" charset="0"/>
+                            <a:ea typeface="Calibri" panose="020F0502020204030204" pitchFamily="34" charset="0"/>
+                            <a:cs typeface="Times New Roman" panose="02020603050405020304" pitchFamily="18" charset="0"/>
+                          </a:endParaRPr>
+                        </a:p>
+                      </a:txBody>
+                      <a:tcPr marL="68580" marR="68580" marT="0" marB="0">
+                        <a:lnL w="12700" cap="flat" cmpd="sng" algn="ctr">
+                          <a:solidFill>
+                            <a:srgbClr val="FFFFFF"/>
+                          </a:solidFill>
+                          <a:prstDash val="solid"/>
+                          <a:round/>
+                          <a:headEnd type="none" w="med" len="med"/>
+                          <a:tailEnd type="none" w="med" len="med"/>
+                        </a:lnL>
+                        <a:lnR>
+                          <a:noFill/>
+                        </a:lnR>
+                        <a:lnT w="19050" cap="flat" cmpd="sng" algn="ctr">
+                          <a:solidFill>
+                            <a:srgbClr val="000000"/>
+                          </a:solidFill>
+                          <a:prstDash val="solid"/>
+                          <a:round/>
+                          <a:headEnd type="none" w="med" len="med"/>
+                          <a:tailEnd type="none" w="med" len="med"/>
+                        </a:lnT>
+                        <a:lnB w="12700" cap="flat" cmpd="sng" algn="ctr">
+                          <a:solidFill>
+                            <a:srgbClr val="000000"/>
+                          </a:solidFill>
+                          <a:prstDash val="solid"/>
+                          <a:round/>
+                          <a:headEnd type="none" w="med" len="med"/>
+                          <a:tailEnd type="none" w="med" len="med"/>
+                        </a:lnB>
+                      </a:tcPr>
+                    </a:tc>
+                    <a:tc>
+                      <a:txBody>
+                        <a:bodyPr/>
+                        <a:lstStyle/>
+                        <a:p>
+                          <a:pPr marL="0" marR="0" algn="just">
+                            <a:lnSpc>
+                              <a:spcPct val="107000"/>
+                            </a:lnSpc>
+                            <a:spcBef>
+                              <a:spcPts val="0"/>
+                            </a:spcBef>
+                            <a:spcAft>
+                              <a:spcPts val="0"/>
+                            </a:spcAft>
+                          </a:pPr>
+                          <a:r>
+                            <a:rPr lang="en-US" sz="1200">
+                              <a:effectLst/>
+                              <a:latin typeface="Times New Roman" panose="02020603050405020304" pitchFamily="18" charset="0"/>
+                              <a:ea typeface="Times New Roman" panose="02020603050405020304" pitchFamily="18" charset="0"/>
+                              <a:cs typeface="Times New Roman" panose="02020603050405020304" pitchFamily="18" charset="0"/>
+                            </a:rPr>
+                            <a:t> </a:t>
+                          </a:r>
+                          <a:endParaRPr lang="en-US" sz="1200">
+                            <a:effectLst/>
+                            <a:latin typeface="Times New Roman" panose="02020603050405020304" pitchFamily="18" charset="0"/>
+                            <a:ea typeface="Calibri" panose="020F0502020204030204" pitchFamily="34" charset="0"/>
+                            <a:cs typeface="Times New Roman" panose="02020603050405020304" pitchFamily="18" charset="0"/>
+                          </a:endParaRPr>
+                        </a:p>
+                      </a:txBody>
+                      <a:tcPr marL="68580" marR="68580" marT="0" marB="0">
+                        <a:lnL>
+                          <a:noFill/>
+                        </a:lnL>
+                        <a:lnR>
+                          <a:noFill/>
+                        </a:lnR>
+                        <a:lnT w="19050" cap="flat" cmpd="sng" algn="ctr">
+                          <a:solidFill>
+                            <a:srgbClr val="000000"/>
+                          </a:solidFill>
+                          <a:prstDash val="solid"/>
+                          <a:round/>
+                          <a:headEnd type="none" w="med" len="med"/>
+                          <a:tailEnd type="none" w="med" len="med"/>
+                        </a:lnT>
+                        <a:lnB>
+                          <a:noFill/>
+                        </a:lnB>
+                      </a:tcPr>
+                    </a:tc>
+                    <a:extLst>
+                      <a:ext uri="{0D108BD9-81ED-4DB2-BD59-A6C34878D82A}">
+                        <a16:rowId xmlns:a16="http://schemas.microsoft.com/office/drawing/2014/main" val="646199799"/>
+                      </a:ext>
+                    </a:extLst>
+                  </a:tr>
+                  <a:tr h="178435">
+                    <a:tc>
+                      <a:txBody>
+                        <a:bodyPr/>
+                        <a:lstStyle/>
+                        <a:p>
+                          <a:pPr marL="0" marR="0" algn="just">
+                            <a:lnSpc>
+                              <a:spcPct val="107000"/>
+                            </a:lnSpc>
+                            <a:spcBef>
+                              <a:spcPts val="0"/>
+                            </a:spcBef>
+                            <a:spcAft>
+                              <a:spcPts val="0"/>
+                            </a:spcAft>
+                          </a:pPr>
+                          <a:r>
+                            <a:rPr lang="en-US" sz="1200">
+                              <a:effectLst/>
+                              <a:latin typeface="Times New Roman" panose="02020603050405020304" pitchFamily="18" charset="0"/>
+                              <a:ea typeface="Times New Roman" panose="02020603050405020304" pitchFamily="18" charset="0"/>
+                              <a:cs typeface="Times New Roman" panose="02020603050405020304" pitchFamily="18" charset="0"/>
+                            </a:rPr>
+                            <a:t> </a:t>
+                          </a:r>
+                          <a:endParaRPr lang="en-US" sz="1200">
+                            <a:effectLst/>
+                            <a:latin typeface="Times New Roman" panose="02020603050405020304" pitchFamily="18" charset="0"/>
+                            <a:ea typeface="Calibri" panose="020F0502020204030204" pitchFamily="34" charset="0"/>
+                            <a:cs typeface="Times New Roman" panose="02020603050405020304" pitchFamily="18" charset="0"/>
+                          </a:endParaRPr>
+                        </a:p>
+                      </a:txBody>
+                      <a:tcPr marL="68580" marR="68580" marT="0" marB="0">
+                        <a:lnL w="12700" cap="flat" cmpd="sng" algn="ctr">
+                          <a:solidFill>
+                            <a:srgbClr val="FFFFFF"/>
+                          </a:solidFill>
+                          <a:prstDash val="solid"/>
+                          <a:round/>
+                          <a:headEnd type="none" w="med" len="med"/>
+                          <a:tailEnd type="none" w="med" len="med"/>
+                        </a:lnL>
+                        <a:lnR w="12700" cap="flat" cmpd="sng" algn="ctr">
+                          <a:solidFill>
+                            <a:srgbClr val="FFFFFF"/>
+                          </a:solidFill>
+                          <a:prstDash val="solid"/>
+                          <a:round/>
+                          <a:headEnd type="none" w="med" len="med"/>
+                          <a:tailEnd type="none" w="med" len="med"/>
+                        </a:lnR>
+                        <a:lnT>
+                          <a:noFill/>
+                        </a:lnT>
+                        <a:lnB>
+                          <a:noFill/>
+                        </a:lnB>
+                      </a:tcPr>
+                    </a:tc>
+                    <a:tc>
+                      <a:txBody>
+                        <a:bodyPr/>
+                        <a:lstStyle/>
+                        <a:p>
+                          <a:pPr marL="0" marR="0" algn="ctr">
+                            <a:lnSpc>
+                              <a:spcPct val="107000"/>
+                            </a:lnSpc>
+                            <a:spcBef>
+                              <a:spcPts val="0"/>
+                            </a:spcBef>
+                            <a:spcAft>
+                              <a:spcPts val="0"/>
+                            </a:spcAft>
+                          </a:pPr>
+                          <a:r>
+                            <a:rPr lang="en-US" sz="1200">
+                              <a:effectLst/>
+                              <a:latin typeface="Times New Roman" panose="02020603050405020304" pitchFamily="18" charset="0"/>
+                              <a:ea typeface="Times New Roman" panose="02020603050405020304" pitchFamily="18" charset="0"/>
+                              <a:cs typeface="Times New Roman" panose="02020603050405020304" pitchFamily="18" charset="0"/>
+                            </a:rPr>
+                            <a:t>Minor Radius, </a:t>
+                          </a:r>
+                          <a14:m>
+                            <m:oMath xmlns:m="http://schemas.openxmlformats.org/officeDocument/2006/math">
+                              <m:r>
+                                <a:rPr lang="en-US" sz="1200" i="1">
+                                  <a:effectLst/>
+                                  <a:latin typeface="Cambria Math" panose="02040503050406030204" pitchFamily="18" charset="0"/>
+                                  <a:ea typeface="Times New Roman" panose="02020603050405020304" pitchFamily="18" charset="0"/>
+                                  <a:cs typeface="Times New Roman" panose="02020603050405020304" pitchFamily="18" charset="0"/>
+                                </a:rPr>
+                                <m:t>𝑎</m:t>
+                              </m:r>
+                            </m:oMath>
+                          </a14:m>
+                          <a:endParaRPr lang="en-US" sz="1200">
+                            <a:effectLst/>
+                            <a:latin typeface="Times New Roman" panose="02020603050405020304" pitchFamily="18" charset="0"/>
+                            <a:ea typeface="Calibri" panose="020F0502020204030204" pitchFamily="34" charset="0"/>
+                            <a:cs typeface="Times New Roman" panose="02020603050405020304" pitchFamily="18" charset="0"/>
+                          </a:endParaRPr>
+                        </a:p>
+                      </a:txBody>
+                      <a:tcPr marL="68580" marR="68580" marT="0" marB="0">
+                        <a:lnL w="12700" cap="flat" cmpd="sng" algn="ctr">
+                          <a:solidFill>
+                            <a:srgbClr val="FFFFFF"/>
+                          </a:solidFill>
+                          <a:prstDash val="solid"/>
+                          <a:round/>
+                          <a:headEnd type="none" w="med" len="med"/>
+                          <a:tailEnd type="none" w="med" len="med"/>
+                        </a:lnL>
+                        <a:lnR w="12700" cap="flat" cmpd="sng" algn="ctr">
+                          <a:solidFill>
+                            <a:srgbClr val="FFFFFF"/>
+                          </a:solidFill>
+                          <a:prstDash val="solid"/>
+                          <a:round/>
+                          <a:headEnd type="none" w="med" len="med"/>
+                          <a:tailEnd type="none" w="med" len="med"/>
+                        </a:lnR>
+                        <a:lnT w="12700" cap="flat" cmpd="sng" algn="ctr">
+                          <a:solidFill>
+                            <a:srgbClr val="000000"/>
+                          </a:solidFill>
+                          <a:prstDash val="solid"/>
+                          <a:round/>
+                          <a:headEnd type="none" w="med" len="med"/>
+                          <a:tailEnd type="none" w="med" len="med"/>
+                        </a:lnT>
+                        <a:lnB w="12700" cap="flat" cmpd="sng" algn="ctr">
+                          <a:solidFill>
+                            <a:srgbClr val="000000"/>
+                          </a:solidFill>
+                          <a:prstDash val="solid"/>
+                          <a:round/>
+                          <a:headEnd type="none" w="med" len="med"/>
+                          <a:tailEnd type="none" w="med" len="med"/>
+                        </a:lnB>
+                      </a:tcPr>
+                    </a:tc>
+                    <a:tc>
+                      <a:txBody>
+                        <a:bodyPr/>
+                        <a:lstStyle/>
+                        <a:p>
+                          <a:pPr marL="0" marR="0" algn="ctr">
+                            <a:lnSpc>
+                              <a:spcPct val="107000"/>
+                            </a:lnSpc>
+                            <a:spcBef>
+                              <a:spcPts val="0"/>
+                            </a:spcBef>
+                            <a:spcAft>
+                              <a:spcPts val="0"/>
+                            </a:spcAft>
+                          </a:pPr>
+                          <a:r>
+                            <a:rPr lang="en-US" sz="1200">
+                              <a:effectLst/>
+                              <a:latin typeface="Times New Roman" panose="02020603050405020304" pitchFamily="18" charset="0"/>
+                              <a:ea typeface="Times New Roman" panose="02020603050405020304" pitchFamily="18" charset="0"/>
+                              <a:cs typeface="Times New Roman" panose="02020603050405020304" pitchFamily="18" charset="0"/>
+                            </a:rPr>
+                            <a:t>0.67 m</a:t>
+                          </a:r>
+                          <a:endParaRPr lang="en-US" sz="1200">
+                            <a:effectLst/>
+                            <a:latin typeface="Times New Roman" panose="02020603050405020304" pitchFamily="18" charset="0"/>
+                            <a:ea typeface="Calibri" panose="020F0502020204030204" pitchFamily="34" charset="0"/>
+                            <a:cs typeface="Times New Roman" panose="02020603050405020304" pitchFamily="18" charset="0"/>
+                          </a:endParaRPr>
+                        </a:p>
+                      </a:txBody>
+                      <a:tcPr marL="68580" marR="68580" marT="0" marB="0">
+                        <a:lnL w="12700" cap="flat" cmpd="sng" algn="ctr">
+                          <a:solidFill>
+                            <a:srgbClr val="FFFFFF"/>
+                          </a:solidFill>
+                          <a:prstDash val="solid"/>
+                          <a:round/>
+                          <a:headEnd type="none" w="med" len="med"/>
+                          <a:tailEnd type="none" w="med" len="med"/>
+                        </a:lnL>
+                        <a:lnR>
+                          <a:noFill/>
+                        </a:lnR>
+                        <a:lnT w="12700" cap="flat" cmpd="sng" algn="ctr">
+                          <a:solidFill>
+                            <a:srgbClr val="000000"/>
+                          </a:solidFill>
+                          <a:prstDash val="solid"/>
+                          <a:round/>
+                          <a:headEnd type="none" w="med" len="med"/>
+                          <a:tailEnd type="none" w="med" len="med"/>
+                        </a:lnT>
+                        <a:lnB w="12700" cap="flat" cmpd="sng" algn="ctr">
+                          <a:solidFill>
+                            <a:srgbClr val="000000"/>
+                          </a:solidFill>
+                          <a:prstDash val="solid"/>
+                          <a:round/>
+                          <a:headEnd type="none" w="med" len="med"/>
+                          <a:tailEnd type="none" w="med" len="med"/>
+                        </a:lnB>
+                      </a:tcPr>
+                    </a:tc>
+                    <a:tc>
+                      <a:txBody>
+                        <a:bodyPr/>
+                        <a:lstStyle/>
+                        <a:p>
+                          <a:pPr marL="0" marR="0" algn="just">
+                            <a:lnSpc>
+                              <a:spcPct val="107000"/>
+                            </a:lnSpc>
+                            <a:spcBef>
+                              <a:spcPts val="0"/>
+                            </a:spcBef>
+                            <a:spcAft>
+                              <a:spcPts val="0"/>
+                            </a:spcAft>
+                          </a:pPr>
+                          <a:r>
+                            <a:rPr lang="en-US" sz="1200">
+                              <a:effectLst/>
+                              <a:latin typeface="Times New Roman" panose="02020603050405020304" pitchFamily="18" charset="0"/>
+                              <a:ea typeface="Times New Roman" panose="02020603050405020304" pitchFamily="18" charset="0"/>
+                              <a:cs typeface="Times New Roman" panose="02020603050405020304" pitchFamily="18" charset="0"/>
+                            </a:rPr>
+                            <a:t> </a:t>
+                          </a:r>
+                          <a:endParaRPr lang="en-US" sz="1200">
+                            <a:effectLst/>
+                            <a:latin typeface="Times New Roman" panose="02020603050405020304" pitchFamily="18" charset="0"/>
+                            <a:ea typeface="Calibri" panose="020F0502020204030204" pitchFamily="34" charset="0"/>
+                            <a:cs typeface="Times New Roman" panose="02020603050405020304" pitchFamily="18" charset="0"/>
+                          </a:endParaRPr>
+                        </a:p>
+                      </a:txBody>
+                      <a:tcPr marL="68580" marR="68580" marT="0" marB="0">
+                        <a:lnL>
+                          <a:noFill/>
+                        </a:lnL>
+                        <a:lnR>
+                          <a:noFill/>
+                        </a:lnR>
+                        <a:lnT>
+                          <a:noFill/>
+                        </a:lnT>
+                        <a:lnB>
+                          <a:noFill/>
+                        </a:lnB>
+                      </a:tcPr>
+                    </a:tc>
+                    <a:extLst>
+                      <a:ext uri="{0D108BD9-81ED-4DB2-BD59-A6C34878D82A}">
+                        <a16:rowId xmlns:a16="http://schemas.microsoft.com/office/drawing/2014/main" val="1068871906"/>
+                      </a:ext>
+                    </a:extLst>
+                  </a:tr>
+                  <a:tr h="179070">
+                    <a:tc>
+                      <a:txBody>
+                        <a:bodyPr/>
+                        <a:lstStyle/>
+                        <a:p>
+                          <a:pPr marL="0" marR="0" algn="just">
+                            <a:lnSpc>
+                              <a:spcPct val="107000"/>
+                            </a:lnSpc>
+                            <a:spcBef>
+                              <a:spcPts val="0"/>
+                            </a:spcBef>
+                            <a:spcAft>
+                              <a:spcPts val="0"/>
+                            </a:spcAft>
+                          </a:pPr>
+                          <a:r>
+                            <a:rPr lang="en-US" sz="1200">
+                              <a:effectLst/>
+                              <a:latin typeface="Times New Roman" panose="02020603050405020304" pitchFamily="18" charset="0"/>
+                              <a:ea typeface="Times New Roman" panose="02020603050405020304" pitchFamily="18" charset="0"/>
+                              <a:cs typeface="Times New Roman" panose="02020603050405020304" pitchFamily="18" charset="0"/>
+                            </a:rPr>
+                            <a:t> </a:t>
+                          </a:r>
+                          <a:endParaRPr lang="en-US" sz="1200">
+                            <a:effectLst/>
+                            <a:latin typeface="Times New Roman" panose="02020603050405020304" pitchFamily="18" charset="0"/>
+                            <a:ea typeface="Calibri" panose="020F0502020204030204" pitchFamily="34" charset="0"/>
+                            <a:cs typeface="Times New Roman" panose="02020603050405020304" pitchFamily="18" charset="0"/>
+                          </a:endParaRPr>
+                        </a:p>
+                      </a:txBody>
+                      <a:tcPr marL="68580" marR="68580" marT="0" marB="0">
+                        <a:lnL w="12700" cap="flat" cmpd="sng" algn="ctr">
+                          <a:solidFill>
+                            <a:srgbClr val="FFFFFF"/>
+                          </a:solidFill>
+                          <a:prstDash val="solid"/>
+                          <a:round/>
+                          <a:headEnd type="none" w="med" len="med"/>
+                          <a:tailEnd type="none" w="med" len="med"/>
+                        </a:lnL>
+                        <a:lnR w="12700" cap="flat" cmpd="sng" algn="ctr">
+                          <a:solidFill>
+                            <a:srgbClr val="FFFFFF"/>
+                          </a:solidFill>
+                          <a:prstDash val="solid"/>
+                          <a:round/>
+                          <a:headEnd type="none" w="med" len="med"/>
+                          <a:tailEnd type="none" w="med" len="med"/>
+                        </a:lnR>
+                        <a:lnT>
+                          <a:noFill/>
+                        </a:lnT>
+                        <a:lnB>
+                          <a:noFill/>
+                        </a:lnB>
+                      </a:tcPr>
+                    </a:tc>
+                    <a:tc>
+                      <a:txBody>
+                        <a:bodyPr/>
+                        <a:lstStyle/>
+                        <a:p>
+                          <a:pPr marL="0" marR="0" algn="ctr">
+                            <a:lnSpc>
+                              <a:spcPct val="107000"/>
+                            </a:lnSpc>
+                            <a:spcBef>
+                              <a:spcPts val="0"/>
+                            </a:spcBef>
+                            <a:spcAft>
+                              <a:spcPts val="0"/>
+                            </a:spcAft>
+                          </a:pPr>
+                          <a:r>
+                            <a:rPr lang="en-US" sz="1200">
+                              <a:effectLst/>
+                              <a:latin typeface="Times New Roman" panose="02020603050405020304" pitchFamily="18" charset="0"/>
+                              <a:ea typeface="Times New Roman" panose="02020603050405020304" pitchFamily="18" charset="0"/>
+                              <a:cs typeface="Times New Roman" panose="02020603050405020304" pitchFamily="18" charset="0"/>
+                            </a:rPr>
+                            <a:t>Magnetic Field Strength, </a:t>
+                          </a:r>
+                          <a14:m>
+                            <m:oMath xmlns:m="http://schemas.openxmlformats.org/officeDocument/2006/math">
+                              <m:sSub>
+                                <m:sSubPr>
+                                  <m:ctrlPr>
+                                    <a:rPr lang="en-US" sz="1200" i="1">
+                                      <a:effectLst/>
+                                      <a:latin typeface="Cambria Math" panose="02040503050406030204" pitchFamily="18" charset="0"/>
+                                      <a:ea typeface="Times New Roman" panose="02020603050405020304" pitchFamily="18" charset="0"/>
+                                      <a:cs typeface="Times New Roman" panose="02020603050405020304" pitchFamily="18" charset="0"/>
+                                    </a:rPr>
+                                  </m:ctrlPr>
+                                </m:sSubPr>
+                                <m:e>
+                                  <m:r>
+                                    <a:rPr lang="en-US" sz="1200" i="1">
+                                      <a:effectLst/>
+                                      <a:latin typeface="Cambria Math" panose="02040503050406030204" pitchFamily="18" charset="0"/>
+                                      <a:ea typeface="Times New Roman" panose="02020603050405020304" pitchFamily="18" charset="0"/>
+                                      <a:cs typeface="Times New Roman" panose="02020603050405020304" pitchFamily="18" charset="0"/>
+                                    </a:rPr>
+                                    <m:t>𝐵</m:t>
+                                  </m:r>
+                                </m:e>
+                                <m:sub>
+                                  <m:r>
+                                    <a:rPr lang="en-US" sz="1200" i="1">
+                                      <a:effectLst/>
+                                      <a:latin typeface="Cambria Math" panose="02040503050406030204" pitchFamily="18" charset="0"/>
+                                      <a:ea typeface="Times New Roman" panose="02020603050405020304" pitchFamily="18" charset="0"/>
+                                      <a:cs typeface="Times New Roman" panose="02020603050405020304" pitchFamily="18" charset="0"/>
+                                    </a:rPr>
+                                    <m:t>𝑇</m:t>
+                                  </m:r>
+                                </m:sub>
+                              </m:sSub>
+                            </m:oMath>
+                          </a14:m>
+                          <a:endParaRPr lang="en-US" sz="1200">
+                            <a:effectLst/>
+                            <a:latin typeface="Times New Roman" panose="02020603050405020304" pitchFamily="18" charset="0"/>
+                            <a:ea typeface="Calibri" panose="020F0502020204030204" pitchFamily="34" charset="0"/>
+                            <a:cs typeface="Times New Roman" panose="02020603050405020304" pitchFamily="18" charset="0"/>
+                          </a:endParaRPr>
+                        </a:p>
+                      </a:txBody>
+                      <a:tcPr marL="68580" marR="68580" marT="0" marB="0">
+                        <a:lnL w="12700" cap="flat" cmpd="sng" algn="ctr">
+                          <a:solidFill>
+                            <a:srgbClr val="FFFFFF"/>
+                          </a:solidFill>
+                          <a:prstDash val="solid"/>
+                          <a:round/>
+                          <a:headEnd type="none" w="med" len="med"/>
+                          <a:tailEnd type="none" w="med" len="med"/>
+                        </a:lnL>
+                        <a:lnR w="12700" cap="flat" cmpd="sng" algn="ctr">
+                          <a:solidFill>
+                            <a:srgbClr val="FFFFFF"/>
+                          </a:solidFill>
+                          <a:prstDash val="solid"/>
+                          <a:round/>
+                          <a:headEnd type="none" w="med" len="med"/>
+                          <a:tailEnd type="none" w="med" len="med"/>
+                        </a:lnR>
+                        <a:lnT w="12700" cap="flat" cmpd="sng" algn="ctr">
+                          <a:solidFill>
+                            <a:srgbClr val="000000"/>
+                          </a:solidFill>
+                          <a:prstDash val="solid"/>
+                          <a:round/>
+                          <a:headEnd type="none" w="med" len="med"/>
+                          <a:tailEnd type="none" w="med" len="med"/>
+                        </a:lnT>
+                        <a:lnB w="12700" cap="flat" cmpd="sng" algn="ctr">
+                          <a:solidFill>
+                            <a:srgbClr val="000000"/>
+                          </a:solidFill>
+                          <a:prstDash val="solid"/>
+                          <a:round/>
+                          <a:headEnd type="none" w="med" len="med"/>
+                          <a:tailEnd type="none" w="med" len="med"/>
+                        </a:lnB>
+                      </a:tcPr>
+                    </a:tc>
+                    <a:tc>
+                      <a:txBody>
+                        <a:bodyPr/>
+                        <a:lstStyle/>
+                        <a:p>
+                          <a:pPr marL="0" marR="0" algn="ctr">
+                            <a:lnSpc>
+                              <a:spcPct val="107000"/>
+                            </a:lnSpc>
+                            <a:spcBef>
+                              <a:spcPts val="0"/>
+                            </a:spcBef>
+                            <a:spcAft>
+                              <a:spcPts val="0"/>
+                            </a:spcAft>
+                          </a:pPr>
+                          <a:r>
+                            <a:rPr lang="en-US" sz="1200">
+                              <a:effectLst/>
+                              <a:latin typeface="Times New Roman" panose="02020603050405020304" pitchFamily="18" charset="0"/>
+                              <a:ea typeface="Times New Roman" panose="02020603050405020304" pitchFamily="18" charset="0"/>
+                              <a:cs typeface="Times New Roman" panose="02020603050405020304" pitchFamily="18" charset="0"/>
+                            </a:rPr>
+                            <a:t>2.0 T</a:t>
+                          </a:r>
+                          <a:endParaRPr lang="en-US" sz="1200">
+                            <a:effectLst/>
+                            <a:latin typeface="Times New Roman" panose="02020603050405020304" pitchFamily="18" charset="0"/>
+                            <a:ea typeface="Calibri" panose="020F0502020204030204" pitchFamily="34" charset="0"/>
+                            <a:cs typeface="Times New Roman" panose="02020603050405020304" pitchFamily="18" charset="0"/>
+                          </a:endParaRPr>
+                        </a:p>
+                      </a:txBody>
+                      <a:tcPr marL="68580" marR="68580" marT="0" marB="0">
+                        <a:lnL w="12700" cap="flat" cmpd="sng" algn="ctr">
+                          <a:solidFill>
+                            <a:srgbClr val="FFFFFF"/>
+                          </a:solidFill>
+                          <a:prstDash val="solid"/>
+                          <a:round/>
+                          <a:headEnd type="none" w="med" len="med"/>
+                          <a:tailEnd type="none" w="med" len="med"/>
+                        </a:lnL>
+                        <a:lnR>
+                          <a:noFill/>
+                        </a:lnR>
+                        <a:lnT w="12700" cap="flat" cmpd="sng" algn="ctr">
+                          <a:solidFill>
+                            <a:srgbClr val="000000"/>
+                          </a:solidFill>
+                          <a:prstDash val="solid"/>
+                          <a:round/>
+                          <a:headEnd type="none" w="med" len="med"/>
+                          <a:tailEnd type="none" w="med" len="med"/>
+                        </a:lnT>
+                        <a:lnB w="12700" cap="flat" cmpd="sng" algn="ctr">
+                          <a:solidFill>
+                            <a:srgbClr val="000000"/>
+                          </a:solidFill>
+                          <a:prstDash val="solid"/>
+                          <a:round/>
+                          <a:headEnd type="none" w="med" len="med"/>
+                          <a:tailEnd type="none" w="med" len="med"/>
+                        </a:lnB>
+                      </a:tcPr>
+                    </a:tc>
+                    <a:tc>
+                      <a:txBody>
+                        <a:bodyPr/>
+                        <a:lstStyle/>
+                        <a:p>
+                          <a:pPr marL="0" marR="0" algn="just">
+                            <a:lnSpc>
+                              <a:spcPct val="107000"/>
+                            </a:lnSpc>
+                            <a:spcBef>
+                              <a:spcPts val="0"/>
+                            </a:spcBef>
+                            <a:spcAft>
+                              <a:spcPts val="0"/>
+                            </a:spcAft>
+                          </a:pPr>
+                          <a:r>
+                            <a:rPr lang="en-US" sz="1200">
+                              <a:effectLst/>
+                              <a:latin typeface="Times New Roman" panose="02020603050405020304" pitchFamily="18" charset="0"/>
+                              <a:ea typeface="Times New Roman" panose="02020603050405020304" pitchFamily="18" charset="0"/>
+                              <a:cs typeface="Times New Roman" panose="02020603050405020304" pitchFamily="18" charset="0"/>
+                            </a:rPr>
+                            <a:t> </a:t>
+                          </a:r>
+                          <a:endParaRPr lang="en-US" sz="1200">
+                            <a:effectLst/>
+                            <a:latin typeface="Times New Roman" panose="02020603050405020304" pitchFamily="18" charset="0"/>
+                            <a:ea typeface="Calibri" panose="020F0502020204030204" pitchFamily="34" charset="0"/>
+                            <a:cs typeface="Times New Roman" panose="02020603050405020304" pitchFamily="18" charset="0"/>
+                          </a:endParaRPr>
+                        </a:p>
+                      </a:txBody>
+                      <a:tcPr marL="68580" marR="68580" marT="0" marB="0">
+                        <a:lnL>
+                          <a:noFill/>
+                        </a:lnL>
+                        <a:lnR>
+                          <a:noFill/>
+                        </a:lnR>
+                        <a:lnT>
+                          <a:noFill/>
+                        </a:lnT>
+                        <a:lnB>
+                          <a:noFill/>
+                        </a:lnB>
+                      </a:tcPr>
+                    </a:tc>
+                    <a:extLst>
+                      <a:ext uri="{0D108BD9-81ED-4DB2-BD59-A6C34878D82A}">
+                        <a16:rowId xmlns:a16="http://schemas.microsoft.com/office/drawing/2014/main" val="2963633609"/>
+                      </a:ext>
+                    </a:extLst>
+                  </a:tr>
+                  <a:tr h="178435">
+                    <a:tc>
+                      <a:txBody>
+                        <a:bodyPr/>
+                        <a:lstStyle/>
+                        <a:p>
+                          <a:pPr marL="0" marR="0" algn="just">
+                            <a:lnSpc>
+                              <a:spcPct val="107000"/>
+                            </a:lnSpc>
+                            <a:spcBef>
+                              <a:spcPts val="0"/>
+                            </a:spcBef>
+                            <a:spcAft>
+                              <a:spcPts val="0"/>
+                            </a:spcAft>
+                          </a:pPr>
+                          <a:r>
+                            <a:rPr lang="en-US" sz="1200">
+                              <a:effectLst/>
+                              <a:latin typeface="Times New Roman" panose="02020603050405020304" pitchFamily="18" charset="0"/>
+                              <a:ea typeface="Times New Roman" panose="02020603050405020304" pitchFamily="18" charset="0"/>
+                              <a:cs typeface="Times New Roman" panose="02020603050405020304" pitchFamily="18" charset="0"/>
+                            </a:rPr>
+                            <a:t> </a:t>
+                          </a:r>
+                          <a:endParaRPr lang="en-US" sz="1200">
+                            <a:effectLst/>
+                            <a:latin typeface="Times New Roman" panose="02020603050405020304" pitchFamily="18" charset="0"/>
+                            <a:ea typeface="Calibri" panose="020F0502020204030204" pitchFamily="34" charset="0"/>
+                            <a:cs typeface="Times New Roman" panose="02020603050405020304" pitchFamily="18" charset="0"/>
+                          </a:endParaRPr>
+                        </a:p>
+                      </a:txBody>
+                      <a:tcPr marL="68580" marR="68580" marT="0" marB="0">
+                        <a:lnL w="12700" cap="flat" cmpd="sng" algn="ctr">
+                          <a:solidFill>
+                            <a:srgbClr val="FFFFFF"/>
+                          </a:solidFill>
+                          <a:prstDash val="solid"/>
+                          <a:round/>
+                          <a:headEnd type="none" w="med" len="med"/>
+                          <a:tailEnd type="none" w="med" len="med"/>
+                        </a:lnL>
+                        <a:lnR w="12700" cap="flat" cmpd="sng" algn="ctr">
+                          <a:solidFill>
+                            <a:srgbClr val="FFFFFF"/>
+                          </a:solidFill>
+                          <a:prstDash val="solid"/>
+                          <a:round/>
+                          <a:headEnd type="none" w="med" len="med"/>
+                          <a:tailEnd type="none" w="med" len="med"/>
+                        </a:lnR>
+                        <a:lnT>
+                          <a:noFill/>
+                        </a:lnT>
+                        <a:lnB>
+                          <a:noFill/>
+                        </a:lnB>
+                      </a:tcPr>
+                    </a:tc>
+                    <a:tc>
+                      <a:txBody>
+                        <a:bodyPr/>
+                        <a:lstStyle/>
+                        <a:p>
+                          <a:pPr marL="0" marR="0" algn="ctr">
+                            <a:lnSpc>
+                              <a:spcPct val="107000"/>
+                            </a:lnSpc>
+                            <a:spcBef>
+                              <a:spcPts val="0"/>
+                            </a:spcBef>
+                            <a:spcAft>
+                              <a:spcPts val="0"/>
+                            </a:spcAft>
+                          </a:pPr>
+                          <a:r>
+                            <a:rPr lang="en-US" sz="1200">
+                              <a:effectLst/>
+                              <a:latin typeface="Times New Roman" panose="02020603050405020304" pitchFamily="18" charset="0"/>
+                              <a:ea typeface="Times New Roman" panose="02020603050405020304" pitchFamily="18" charset="0"/>
+                              <a:cs typeface="Times New Roman" panose="02020603050405020304" pitchFamily="18" charset="0"/>
+                            </a:rPr>
+                            <a:t>Plasma Current, </a:t>
+                          </a:r>
+                          <a14:m>
+                            <m:oMath xmlns:m="http://schemas.openxmlformats.org/officeDocument/2006/math">
+                              <m:sSub>
+                                <m:sSubPr>
+                                  <m:ctrlPr>
+                                    <a:rPr lang="en-US" sz="1200" i="1">
+                                      <a:effectLst/>
+                                      <a:latin typeface="Cambria Math" panose="02040503050406030204" pitchFamily="18" charset="0"/>
+                                      <a:ea typeface="Times New Roman" panose="02020603050405020304" pitchFamily="18" charset="0"/>
+                                      <a:cs typeface="Times New Roman" panose="02020603050405020304" pitchFamily="18" charset="0"/>
+                                    </a:rPr>
+                                  </m:ctrlPr>
+                                </m:sSubPr>
+                                <m:e>
+                                  <m:r>
+                                    <a:rPr lang="en-US" sz="1200" i="1">
+                                      <a:effectLst/>
+                                      <a:latin typeface="Cambria Math" panose="02040503050406030204" pitchFamily="18" charset="0"/>
+                                      <a:ea typeface="Times New Roman" panose="02020603050405020304" pitchFamily="18" charset="0"/>
+                                      <a:cs typeface="Times New Roman" panose="02020603050405020304" pitchFamily="18" charset="0"/>
+                                    </a:rPr>
+                                    <m:t>𝐼</m:t>
+                                  </m:r>
+                                </m:e>
+                                <m:sub>
+                                  <m:r>
+                                    <a:rPr lang="en-US" sz="1200" i="1">
+                                      <a:effectLst/>
+                                      <a:latin typeface="Cambria Math" panose="02040503050406030204" pitchFamily="18" charset="0"/>
+                                      <a:ea typeface="Times New Roman" panose="02020603050405020304" pitchFamily="18" charset="0"/>
+                                      <a:cs typeface="Times New Roman" panose="02020603050405020304" pitchFamily="18" charset="0"/>
+                                    </a:rPr>
+                                    <m:t>𝑃</m:t>
+                                  </m:r>
+                                </m:sub>
+                              </m:sSub>
+                            </m:oMath>
+                          </a14:m>
+                          <a:endParaRPr lang="en-US" sz="1200">
+                            <a:effectLst/>
+                            <a:latin typeface="Times New Roman" panose="02020603050405020304" pitchFamily="18" charset="0"/>
+                            <a:ea typeface="Calibri" panose="020F0502020204030204" pitchFamily="34" charset="0"/>
+                            <a:cs typeface="Times New Roman" panose="02020603050405020304" pitchFamily="18" charset="0"/>
+                          </a:endParaRPr>
+                        </a:p>
+                      </a:txBody>
+                      <a:tcPr marL="68580" marR="68580" marT="0" marB="0">
+                        <a:lnL w="12700" cap="flat" cmpd="sng" algn="ctr">
+                          <a:solidFill>
+                            <a:srgbClr val="FFFFFF"/>
+                          </a:solidFill>
+                          <a:prstDash val="solid"/>
+                          <a:round/>
+                          <a:headEnd type="none" w="med" len="med"/>
+                          <a:tailEnd type="none" w="med" len="med"/>
+                        </a:lnL>
+                        <a:lnR w="12700" cap="flat" cmpd="sng" algn="ctr">
+                          <a:solidFill>
+                            <a:srgbClr val="FFFFFF"/>
+                          </a:solidFill>
+                          <a:prstDash val="solid"/>
+                          <a:round/>
+                          <a:headEnd type="none" w="med" len="med"/>
+                          <a:tailEnd type="none" w="med" len="med"/>
+                        </a:lnR>
+                        <a:lnT w="12700" cap="flat" cmpd="sng" algn="ctr">
+                          <a:solidFill>
+                            <a:srgbClr val="000000"/>
+                          </a:solidFill>
+                          <a:prstDash val="solid"/>
+                          <a:round/>
+                          <a:headEnd type="none" w="med" len="med"/>
+                          <a:tailEnd type="none" w="med" len="med"/>
+                        </a:lnT>
+                        <a:lnB w="12700" cap="flat" cmpd="sng" algn="ctr">
+                          <a:solidFill>
+                            <a:srgbClr val="000000"/>
+                          </a:solidFill>
+                          <a:prstDash val="solid"/>
+                          <a:round/>
+                          <a:headEnd type="none" w="med" len="med"/>
+                          <a:tailEnd type="none" w="med" len="med"/>
+                        </a:lnB>
+                      </a:tcPr>
+                    </a:tc>
+                    <a:tc>
+                      <a:txBody>
+                        <a:bodyPr/>
+                        <a:lstStyle/>
+                        <a:p>
+                          <a:pPr marL="0" marR="0" algn="ctr">
+                            <a:lnSpc>
+                              <a:spcPct val="107000"/>
+                            </a:lnSpc>
+                            <a:spcBef>
+                              <a:spcPts val="0"/>
+                            </a:spcBef>
+                            <a:spcAft>
+                              <a:spcPts val="0"/>
+                            </a:spcAft>
+                          </a:pPr>
+                          <a:r>
+                            <a:rPr lang="en-US" sz="1200">
+                              <a:effectLst/>
+                              <a:latin typeface="Times New Roman" panose="02020603050405020304" pitchFamily="18" charset="0"/>
+                              <a:ea typeface="Times New Roman" panose="02020603050405020304" pitchFamily="18" charset="0"/>
+                              <a:cs typeface="Times New Roman" panose="02020603050405020304" pitchFamily="18" charset="0"/>
+                            </a:rPr>
+                            <a:t>1.0 MA</a:t>
+                          </a:r>
+                          <a:endParaRPr lang="en-US" sz="1200">
+                            <a:effectLst/>
+                            <a:latin typeface="Times New Roman" panose="02020603050405020304" pitchFamily="18" charset="0"/>
+                            <a:ea typeface="Calibri" panose="020F0502020204030204" pitchFamily="34" charset="0"/>
+                            <a:cs typeface="Times New Roman" panose="02020603050405020304" pitchFamily="18" charset="0"/>
+                          </a:endParaRPr>
+                        </a:p>
+                      </a:txBody>
+                      <a:tcPr marL="68580" marR="68580" marT="0" marB="0">
+                        <a:lnL w="12700" cap="flat" cmpd="sng" algn="ctr">
+                          <a:solidFill>
+                            <a:srgbClr val="FFFFFF"/>
+                          </a:solidFill>
+                          <a:prstDash val="solid"/>
+                          <a:round/>
+                          <a:headEnd type="none" w="med" len="med"/>
+                          <a:tailEnd type="none" w="med" len="med"/>
+                        </a:lnL>
+                        <a:lnR>
+                          <a:noFill/>
+                        </a:lnR>
+                        <a:lnT w="12700" cap="flat" cmpd="sng" algn="ctr">
+                          <a:solidFill>
+                            <a:srgbClr val="000000"/>
+                          </a:solidFill>
+                          <a:prstDash val="solid"/>
+                          <a:round/>
+                          <a:headEnd type="none" w="med" len="med"/>
+                          <a:tailEnd type="none" w="med" len="med"/>
+                        </a:lnT>
+                        <a:lnB w="12700" cap="flat" cmpd="sng" algn="ctr">
+                          <a:solidFill>
+                            <a:srgbClr val="000000"/>
+                          </a:solidFill>
+                          <a:prstDash val="solid"/>
+                          <a:round/>
+                          <a:headEnd type="none" w="med" len="med"/>
+                          <a:tailEnd type="none" w="med" len="med"/>
+                        </a:lnB>
+                      </a:tcPr>
+                    </a:tc>
+                    <a:tc>
+                      <a:txBody>
+                        <a:bodyPr/>
+                        <a:lstStyle/>
+                        <a:p>
+                          <a:pPr marL="0" marR="0" algn="just">
+                            <a:lnSpc>
+                              <a:spcPct val="107000"/>
+                            </a:lnSpc>
+                            <a:spcBef>
+                              <a:spcPts val="0"/>
+                            </a:spcBef>
+                            <a:spcAft>
+                              <a:spcPts val="0"/>
+                            </a:spcAft>
+                          </a:pPr>
+                          <a:r>
+                            <a:rPr lang="en-US" sz="1200">
+                              <a:effectLst/>
+                              <a:latin typeface="Times New Roman" panose="02020603050405020304" pitchFamily="18" charset="0"/>
+                              <a:ea typeface="Times New Roman" panose="02020603050405020304" pitchFamily="18" charset="0"/>
+                              <a:cs typeface="Times New Roman" panose="02020603050405020304" pitchFamily="18" charset="0"/>
+                            </a:rPr>
+                            <a:t> </a:t>
+                          </a:r>
+                          <a:endParaRPr lang="en-US" sz="1200">
+                            <a:effectLst/>
+                            <a:latin typeface="Times New Roman" panose="02020603050405020304" pitchFamily="18" charset="0"/>
+                            <a:ea typeface="Calibri" panose="020F0502020204030204" pitchFamily="34" charset="0"/>
+                            <a:cs typeface="Times New Roman" panose="02020603050405020304" pitchFamily="18" charset="0"/>
+                          </a:endParaRPr>
+                        </a:p>
+                      </a:txBody>
+                      <a:tcPr marL="68580" marR="68580" marT="0" marB="0">
+                        <a:lnL>
+                          <a:noFill/>
+                        </a:lnL>
+                        <a:lnR>
+                          <a:noFill/>
+                        </a:lnR>
+                        <a:lnT>
+                          <a:noFill/>
+                        </a:lnT>
+                        <a:lnB>
+                          <a:noFill/>
+                        </a:lnB>
+                      </a:tcPr>
+                    </a:tc>
+                    <a:extLst>
+                      <a:ext uri="{0D108BD9-81ED-4DB2-BD59-A6C34878D82A}">
+                        <a16:rowId xmlns:a16="http://schemas.microsoft.com/office/drawing/2014/main" val="2396626741"/>
+                      </a:ext>
+                    </a:extLst>
+                  </a:tr>
+                  <a:tr h="179070">
+                    <a:tc>
+                      <a:txBody>
+                        <a:bodyPr/>
+                        <a:lstStyle/>
+                        <a:p>
+                          <a:pPr marL="0" marR="0" algn="just">
+                            <a:lnSpc>
+                              <a:spcPct val="107000"/>
+                            </a:lnSpc>
+                            <a:spcBef>
+                              <a:spcPts val="0"/>
+                            </a:spcBef>
+                            <a:spcAft>
+                              <a:spcPts val="0"/>
+                            </a:spcAft>
+                          </a:pPr>
+                          <a:r>
+                            <a:rPr lang="en-US" sz="1200">
+                              <a:effectLst/>
+                              <a:latin typeface="Times New Roman" panose="02020603050405020304" pitchFamily="18" charset="0"/>
+                              <a:ea typeface="Times New Roman" panose="02020603050405020304" pitchFamily="18" charset="0"/>
+                              <a:cs typeface="Times New Roman" panose="02020603050405020304" pitchFamily="18" charset="0"/>
+                            </a:rPr>
+                            <a:t> </a:t>
+                          </a:r>
+                          <a:endParaRPr lang="en-US" sz="1200">
+                            <a:effectLst/>
+                            <a:latin typeface="Times New Roman" panose="02020603050405020304" pitchFamily="18" charset="0"/>
+                            <a:ea typeface="Calibri" panose="020F0502020204030204" pitchFamily="34" charset="0"/>
+                            <a:cs typeface="Times New Roman" panose="02020603050405020304" pitchFamily="18" charset="0"/>
+                          </a:endParaRPr>
+                        </a:p>
+                      </a:txBody>
+                      <a:tcPr marL="68580" marR="68580" marT="0" marB="0">
+                        <a:lnL w="12700" cap="flat" cmpd="sng" algn="ctr">
+                          <a:solidFill>
+                            <a:srgbClr val="FFFFFF"/>
+                          </a:solidFill>
+                          <a:prstDash val="solid"/>
+                          <a:round/>
+                          <a:headEnd type="none" w="med" len="med"/>
+                          <a:tailEnd type="none" w="med" len="med"/>
+                        </a:lnL>
+                        <a:lnR w="12700" cap="flat" cmpd="sng" algn="ctr">
+                          <a:solidFill>
+                            <a:srgbClr val="FFFFFF"/>
+                          </a:solidFill>
+                          <a:prstDash val="solid"/>
+                          <a:round/>
+                          <a:headEnd type="none" w="med" len="med"/>
+                          <a:tailEnd type="none" w="med" len="med"/>
+                        </a:lnR>
+                        <a:lnT>
+                          <a:noFill/>
+                        </a:lnT>
+                        <a:lnB>
+                          <a:noFill/>
+                        </a:lnB>
+                      </a:tcPr>
+                    </a:tc>
+                    <a:tc>
+                      <a:txBody>
+                        <a:bodyPr/>
+                        <a:lstStyle/>
+                        <a:p>
+                          <a:pPr marL="0" marR="0" algn="ctr">
+                            <a:lnSpc>
+                              <a:spcPct val="107000"/>
+                            </a:lnSpc>
+                            <a:spcBef>
+                              <a:spcPts val="0"/>
+                            </a:spcBef>
+                            <a:spcAft>
+                              <a:spcPts val="0"/>
+                            </a:spcAft>
+                          </a:pPr>
+                          <a:r>
+                            <a:rPr lang="en-US" sz="1200">
+                              <a:effectLst/>
+                              <a:latin typeface="Times New Roman" panose="02020603050405020304" pitchFamily="18" charset="0"/>
+                              <a:ea typeface="Times New Roman" panose="02020603050405020304" pitchFamily="18" charset="0"/>
+                              <a:cs typeface="Times New Roman" panose="02020603050405020304" pitchFamily="18" charset="0"/>
+                            </a:rPr>
+                            <a:t>Electron Density, </a:t>
+                          </a:r>
+                          <a14:m>
+                            <m:oMath xmlns:m="http://schemas.openxmlformats.org/officeDocument/2006/math">
+                              <m:sSub>
+                                <m:sSubPr>
+                                  <m:ctrlPr>
+                                    <a:rPr lang="en-US" sz="1200" i="1">
+                                      <a:effectLst/>
+                                      <a:latin typeface="Cambria Math" panose="02040503050406030204" pitchFamily="18" charset="0"/>
+                                      <a:ea typeface="Times New Roman" panose="02020603050405020304" pitchFamily="18" charset="0"/>
+                                      <a:cs typeface="Times New Roman" panose="02020603050405020304" pitchFamily="18" charset="0"/>
+                                    </a:rPr>
+                                  </m:ctrlPr>
+                                </m:sSubPr>
+                                <m:e>
+                                  <m:r>
+                                    <a:rPr lang="en-US" sz="1200" i="1">
+                                      <a:effectLst/>
+                                      <a:latin typeface="Cambria Math" panose="02040503050406030204" pitchFamily="18" charset="0"/>
+                                      <a:ea typeface="Times New Roman" panose="02020603050405020304" pitchFamily="18" charset="0"/>
+                                      <a:cs typeface="Times New Roman" panose="02020603050405020304" pitchFamily="18" charset="0"/>
+                                    </a:rPr>
+                                    <m:t>𝑛</m:t>
+                                  </m:r>
+                                </m:e>
+                                <m:sub>
+                                  <m:r>
+                                    <a:rPr lang="en-US" sz="1200" i="1">
+                                      <a:effectLst/>
+                                      <a:latin typeface="Cambria Math" panose="02040503050406030204" pitchFamily="18" charset="0"/>
+                                      <a:ea typeface="Times New Roman" panose="02020603050405020304" pitchFamily="18" charset="0"/>
+                                      <a:cs typeface="Times New Roman" panose="02020603050405020304" pitchFamily="18" charset="0"/>
+                                    </a:rPr>
+                                    <m:t>𝑒</m:t>
+                                  </m:r>
+                                </m:sub>
+                              </m:sSub>
+                            </m:oMath>
+                          </a14:m>
+                          <a:endParaRPr lang="en-US" sz="1200">
+                            <a:effectLst/>
+                            <a:latin typeface="Times New Roman" panose="02020603050405020304" pitchFamily="18" charset="0"/>
+                            <a:ea typeface="Calibri" panose="020F0502020204030204" pitchFamily="34" charset="0"/>
+                            <a:cs typeface="Times New Roman" panose="02020603050405020304" pitchFamily="18" charset="0"/>
+                          </a:endParaRPr>
+                        </a:p>
+                      </a:txBody>
+                      <a:tcPr marL="68580" marR="68580" marT="0" marB="0">
+                        <a:lnL w="12700" cap="flat" cmpd="sng" algn="ctr">
+                          <a:solidFill>
+                            <a:srgbClr val="FFFFFF"/>
+                          </a:solidFill>
+                          <a:prstDash val="solid"/>
+                          <a:round/>
+                          <a:headEnd type="none" w="med" len="med"/>
+                          <a:tailEnd type="none" w="med" len="med"/>
+                        </a:lnL>
+                        <a:lnR w="12700" cap="flat" cmpd="sng" algn="ctr">
+                          <a:solidFill>
+                            <a:srgbClr val="FFFFFF"/>
+                          </a:solidFill>
+                          <a:prstDash val="solid"/>
+                          <a:round/>
+                          <a:headEnd type="none" w="med" len="med"/>
+                          <a:tailEnd type="none" w="med" len="med"/>
+                        </a:lnR>
+                        <a:lnT w="12700" cap="flat" cmpd="sng" algn="ctr">
+                          <a:solidFill>
+                            <a:srgbClr val="000000"/>
+                          </a:solidFill>
+                          <a:prstDash val="solid"/>
+                          <a:round/>
+                          <a:headEnd type="none" w="med" len="med"/>
+                          <a:tailEnd type="none" w="med" len="med"/>
+                        </a:lnT>
+                        <a:lnB w="12700" cap="flat" cmpd="sng" algn="ctr">
+                          <a:solidFill>
+                            <a:srgbClr val="000000"/>
+                          </a:solidFill>
+                          <a:prstDash val="solid"/>
+                          <a:round/>
+                          <a:headEnd type="none" w="med" len="med"/>
+                          <a:tailEnd type="none" w="med" len="med"/>
+                        </a:lnB>
+                      </a:tcPr>
+                    </a:tc>
+                    <a:tc>
+                      <a:txBody>
+                        <a:bodyPr/>
+                        <a:lstStyle/>
+                        <a:p>
+                          <a:pPr marL="0" marR="0" algn="ctr">
+                            <a:lnSpc>
+                              <a:spcPct val="107000"/>
+                            </a:lnSpc>
+                            <a:spcBef>
+                              <a:spcPts val="0"/>
+                            </a:spcBef>
+                            <a:spcAft>
+                              <a:spcPts val="0"/>
+                            </a:spcAft>
+                          </a:pPr>
+                          <a:r>
+                            <a:rPr lang="en-US" sz="1200">
+                              <a:effectLst/>
+                              <a:latin typeface="Times New Roman" panose="02020603050405020304" pitchFamily="18" charset="0"/>
+                              <a:ea typeface="Times New Roman" panose="02020603050405020304" pitchFamily="18" charset="0"/>
+                              <a:cs typeface="Times New Roman" panose="02020603050405020304" pitchFamily="18" charset="0"/>
+                            </a:rPr>
+                            <a:t>10</a:t>
+                          </a:r>
+                          <a:r>
+                            <a:rPr lang="en-US" sz="1200" baseline="30000">
+                              <a:effectLst/>
+                              <a:latin typeface="Times New Roman" panose="02020603050405020304" pitchFamily="18" charset="0"/>
+                              <a:ea typeface="Times New Roman" panose="02020603050405020304" pitchFamily="18" charset="0"/>
+                              <a:cs typeface="Times New Roman" panose="02020603050405020304" pitchFamily="18" charset="0"/>
+                            </a:rPr>
+                            <a:t>20</a:t>
+                          </a:r>
+                          <a:r>
+                            <a:rPr lang="en-US" sz="1200">
+                              <a:effectLst/>
+                              <a:latin typeface="Times New Roman" panose="02020603050405020304" pitchFamily="18" charset="0"/>
+                              <a:ea typeface="Times New Roman" panose="02020603050405020304" pitchFamily="18" charset="0"/>
+                              <a:cs typeface="Times New Roman" panose="02020603050405020304" pitchFamily="18" charset="0"/>
+                            </a:rPr>
+                            <a:t> m</a:t>
+                          </a:r>
+                          <a:r>
+                            <a:rPr lang="en-US" sz="1200" baseline="30000">
+                              <a:effectLst/>
+                              <a:latin typeface="Times New Roman" panose="02020603050405020304" pitchFamily="18" charset="0"/>
+                              <a:ea typeface="Times New Roman" panose="02020603050405020304" pitchFamily="18" charset="0"/>
+                              <a:cs typeface="Times New Roman" panose="02020603050405020304" pitchFamily="18" charset="0"/>
+                            </a:rPr>
+                            <a:t>-3</a:t>
+                          </a:r>
+                          <a:endParaRPr lang="en-US" sz="1200">
+                            <a:effectLst/>
+                            <a:latin typeface="Times New Roman" panose="02020603050405020304" pitchFamily="18" charset="0"/>
+                            <a:ea typeface="Calibri" panose="020F0502020204030204" pitchFamily="34" charset="0"/>
+                            <a:cs typeface="Times New Roman" panose="02020603050405020304" pitchFamily="18" charset="0"/>
+                          </a:endParaRPr>
+                        </a:p>
+                      </a:txBody>
+                      <a:tcPr marL="68580" marR="68580" marT="0" marB="0">
+                        <a:lnL w="12700" cap="flat" cmpd="sng" algn="ctr">
+                          <a:solidFill>
+                            <a:srgbClr val="FFFFFF"/>
+                          </a:solidFill>
+                          <a:prstDash val="solid"/>
+                          <a:round/>
+                          <a:headEnd type="none" w="med" len="med"/>
+                          <a:tailEnd type="none" w="med" len="med"/>
+                        </a:lnL>
+                        <a:lnR>
+                          <a:noFill/>
+                        </a:lnR>
+                        <a:lnT w="12700" cap="flat" cmpd="sng" algn="ctr">
+                          <a:solidFill>
+                            <a:srgbClr val="000000"/>
+                          </a:solidFill>
+                          <a:prstDash val="solid"/>
+                          <a:round/>
+                          <a:headEnd type="none" w="med" len="med"/>
+                          <a:tailEnd type="none" w="med" len="med"/>
+                        </a:lnT>
+                        <a:lnB w="12700" cap="flat" cmpd="sng" algn="ctr">
+                          <a:solidFill>
+                            <a:srgbClr val="000000"/>
+                          </a:solidFill>
+                          <a:prstDash val="solid"/>
+                          <a:round/>
+                          <a:headEnd type="none" w="med" len="med"/>
+                          <a:tailEnd type="none" w="med" len="med"/>
+                        </a:lnB>
+                      </a:tcPr>
+                    </a:tc>
+                    <a:tc>
+                      <a:txBody>
+                        <a:bodyPr/>
+                        <a:lstStyle/>
+                        <a:p>
+                          <a:pPr marL="0" marR="0" algn="just">
+                            <a:lnSpc>
+                              <a:spcPct val="107000"/>
+                            </a:lnSpc>
+                            <a:spcBef>
+                              <a:spcPts val="0"/>
+                            </a:spcBef>
+                            <a:spcAft>
+                              <a:spcPts val="0"/>
+                            </a:spcAft>
+                          </a:pPr>
+                          <a:r>
+                            <a:rPr lang="en-US" sz="1200">
+                              <a:effectLst/>
+                              <a:latin typeface="Times New Roman" panose="02020603050405020304" pitchFamily="18" charset="0"/>
+                              <a:ea typeface="Times New Roman" panose="02020603050405020304" pitchFamily="18" charset="0"/>
+                              <a:cs typeface="Times New Roman" panose="02020603050405020304" pitchFamily="18" charset="0"/>
+                            </a:rPr>
+                            <a:t> </a:t>
+                          </a:r>
+                          <a:endParaRPr lang="en-US" sz="1200">
+                            <a:effectLst/>
+                            <a:latin typeface="Times New Roman" panose="02020603050405020304" pitchFamily="18" charset="0"/>
+                            <a:ea typeface="Calibri" panose="020F0502020204030204" pitchFamily="34" charset="0"/>
+                            <a:cs typeface="Times New Roman" panose="02020603050405020304" pitchFamily="18" charset="0"/>
+                          </a:endParaRPr>
+                        </a:p>
+                      </a:txBody>
+                      <a:tcPr marL="68580" marR="68580" marT="0" marB="0">
+                        <a:lnL>
+                          <a:noFill/>
+                        </a:lnL>
+                        <a:lnR>
+                          <a:noFill/>
+                        </a:lnR>
+                        <a:lnT>
+                          <a:noFill/>
+                        </a:lnT>
+                        <a:lnB>
+                          <a:noFill/>
+                        </a:lnB>
+                      </a:tcPr>
+                    </a:tc>
+                    <a:extLst>
+                      <a:ext uri="{0D108BD9-81ED-4DB2-BD59-A6C34878D82A}">
+                        <a16:rowId xmlns:a16="http://schemas.microsoft.com/office/drawing/2014/main" val="932153696"/>
+                      </a:ext>
+                    </a:extLst>
+                  </a:tr>
+                  <a:tr h="178435">
+                    <a:tc>
+                      <a:txBody>
+                        <a:bodyPr/>
+                        <a:lstStyle/>
+                        <a:p>
+                          <a:pPr marL="0" marR="0" algn="just">
+                            <a:lnSpc>
+                              <a:spcPct val="107000"/>
+                            </a:lnSpc>
+                            <a:spcBef>
+                              <a:spcPts val="0"/>
+                            </a:spcBef>
+                            <a:spcAft>
+                              <a:spcPts val="0"/>
+                            </a:spcAft>
+                          </a:pPr>
+                          <a:r>
+                            <a:rPr lang="en-US" sz="1200">
+                              <a:effectLst/>
+                              <a:latin typeface="Times New Roman" panose="02020603050405020304" pitchFamily="18" charset="0"/>
+                              <a:ea typeface="Times New Roman" panose="02020603050405020304" pitchFamily="18" charset="0"/>
+                              <a:cs typeface="Times New Roman" panose="02020603050405020304" pitchFamily="18" charset="0"/>
+                            </a:rPr>
+                            <a:t> </a:t>
+                          </a:r>
+                          <a:endParaRPr lang="en-US" sz="1200">
+                            <a:effectLst/>
+                            <a:latin typeface="Times New Roman" panose="02020603050405020304" pitchFamily="18" charset="0"/>
+                            <a:ea typeface="Calibri" panose="020F0502020204030204" pitchFamily="34" charset="0"/>
+                            <a:cs typeface="Times New Roman" panose="02020603050405020304" pitchFamily="18" charset="0"/>
+                          </a:endParaRPr>
+                        </a:p>
+                      </a:txBody>
+                      <a:tcPr marL="68580" marR="68580" marT="0" marB="0">
+                        <a:lnL w="12700" cap="flat" cmpd="sng" algn="ctr">
+                          <a:solidFill>
+                            <a:srgbClr val="FFFFFF"/>
+                          </a:solidFill>
+                          <a:prstDash val="solid"/>
+                          <a:round/>
+                          <a:headEnd type="none" w="med" len="med"/>
+                          <a:tailEnd type="none" w="med" len="med"/>
+                        </a:lnL>
+                        <a:lnR w="12700" cap="flat" cmpd="sng" algn="ctr">
+                          <a:solidFill>
+                            <a:srgbClr val="FFFFFF"/>
+                          </a:solidFill>
+                          <a:prstDash val="solid"/>
+                          <a:round/>
+                          <a:headEnd type="none" w="med" len="med"/>
+                          <a:tailEnd type="none" w="med" len="med"/>
+                        </a:lnR>
+                        <a:lnT>
+                          <a:noFill/>
+                        </a:lnT>
+                        <a:lnB>
+                          <a:noFill/>
+                        </a:lnB>
+                      </a:tcPr>
+                    </a:tc>
+                    <a:tc>
+                      <a:txBody>
+                        <a:bodyPr/>
+                        <a:lstStyle/>
+                        <a:p>
+                          <a:pPr marL="0" marR="0" algn="ctr">
+                            <a:lnSpc>
+                              <a:spcPct val="107000"/>
+                            </a:lnSpc>
+                            <a:spcBef>
+                              <a:spcPts val="0"/>
+                            </a:spcBef>
+                            <a:spcAft>
+                              <a:spcPts val="0"/>
+                            </a:spcAft>
+                          </a:pPr>
+                          <a:r>
+                            <a:rPr lang="en-US" sz="1200">
+                              <a:effectLst/>
+                              <a:latin typeface="Times New Roman" panose="02020603050405020304" pitchFamily="18" charset="0"/>
+                              <a:ea typeface="Times New Roman" panose="02020603050405020304" pitchFamily="18" charset="0"/>
+                              <a:cs typeface="Times New Roman" panose="02020603050405020304" pitchFamily="18" charset="0"/>
+                            </a:rPr>
+                            <a:t>Core Electron Temperature, </a:t>
+                          </a:r>
+                          <a14:m>
+                            <m:oMath xmlns:m="http://schemas.openxmlformats.org/officeDocument/2006/math">
+                              <m:sSub>
+                                <m:sSubPr>
+                                  <m:ctrlPr>
+                                    <a:rPr lang="en-US" sz="1200" i="1">
+                                      <a:effectLst/>
+                                      <a:latin typeface="Cambria Math" panose="02040503050406030204" pitchFamily="18" charset="0"/>
+                                      <a:ea typeface="Times New Roman" panose="02020603050405020304" pitchFamily="18" charset="0"/>
+                                      <a:cs typeface="Times New Roman" panose="02020603050405020304" pitchFamily="18" charset="0"/>
+                                    </a:rPr>
+                                  </m:ctrlPr>
+                                </m:sSubPr>
+                                <m:e>
+                                  <m:r>
+                                    <a:rPr lang="en-US" sz="1200" i="1">
+                                      <a:effectLst/>
+                                      <a:latin typeface="Cambria Math" panose="02040503050406030204" pitchFamily="18" charset="0"/>
+                                      <a:ea typeface="Times New Roman" panose="02020603050405020304" pitchFamily="18" charset="0"/>
+                                      <a:cs typeface="Times New Roman" panose="02020603050405020304" pitchFamily="18" charset="0"/>
+                                    </a:rPr>
+                                    <m:t>𝑇</m:t>
+                                  </m:r>
+                                </m:e>
+                                <m:sub>
+                                  <m:r>
+                                    <a:rPr lang="en-US" sz="1200" i="1">
+                                      <a:effectLst/>
+                                      <a:latin typeface="Cambria Math" panose="02040503050406030204" pitchFamily="18" charset="0"/>
+                                      <a:ea typeface="Times New Roman" panose="02020603050405020304" pitchFamily="18" charset="0"/>
+                                      <a:cs typeface="Times New Roman" panose="02020603050405020304" pitchFamily="18" charset="0"/>
+                                    </a:rPr>
+                                    <m:t>𝑒</m:t>
+                                  </m:r>
+                                </m:sub>
+                              </m:sSub>
+                            </m:oMath>
+                          </a14:m>
+                          <a:endParaRPr lang="en-US" sz="1200">
+                            <a:effectLst/>
+                            <a:latin typeface="Times New Roman" panose="02020603050405020304" pitchFamily="18" charset="0"/>
+                            <a:ea typeface="Calibri" panose="020F0502020204030204" pitchFamily="34" charset="0"/>
+                            <a:cs typeface="Times New Roman" panose="02020603050405020304" pitchFamily="18" charset="0"/>
+                          </a:endParaRPr>
+                        </a:p>
+                      </a:txBody>
+                      <a:tcPr marL="68580" marR="68580" marT="0" marB="0">
+                        <a:lnL w="12700" cap="flat" cmpd="sng" algn="ctr">
+                          <a:solidFill>
+                            <a:srgbClr val="FFFFFF"/>
+                          </a:solidFill>
+                          <a:prstDash val="solid"/>
+                          <a:round/>
+                          <a:headEnd type="none" w="med" len="med"/>
+                          <a:tailEnd type="none" w="med" len="med"/>
+                        </a:lnL>
+                        <a:lnR w="12700" cap="flat" cmpd="sng" algn="ctr">
+                          <a:solidFill>
+                            <a:srgbClr val="FFFFFF"/>
+                          </a:solidFill>
+                          <a:prstDash val="solid"/>
+                          <a:round/>
+                          <a:headEnd type="none" w="med" len="med"/>
+                          <a:tailEnd type="none" w="med" len="med"/>
+                        </a:lnR>
+                        <a:lnT w="12700" cap="flat" cmpd="sng" algn="ctr">
+                          <a:solidFill>
+                            <a:srgbClr val="000000"/>
+                          </a:solidFill>
+                          <a:prstDash val="solid"/>
+                          <a:round/>
+                          <a:headEnd type="none" w="med" len="med"/>
+                          <a:tailEnd type="none" w="med" len="med"/>
+                        </a:lnT>
+                        <a:lnB w="12700" cap="flat" cmpd="sng" algn="ctr">
+                          <a:solidFill>
+                            <a:srgbClr val="000000"/>
+                          </a:solidFill>
+                          <a:prstDash val="solid"/>
+                          <a:round/>
+                          <a:headEnd type="none" w="med" len="med"/>
+                          <a:tailEnd type="none" w="med" len="med"/>
+                        </a:lnB>
+                      </a:tcPr>
+                    </a:tc>
+                    <a:tc>
+                      <a:txBody>
+                        <a:bodyPr/>
+                        <a:lstStyle/>
+                        <a:p>
+                          <a:pPr marL="0" marR="0" algn="ctr">
+                            <a:lnSpc>
+                              <a:spcPct val="107000"/>
+                            </a:lnSpc>
+                            <a:spcBef>
+                              <a:spcPts val="0"/>
+                            </a:spcBef>
+                            <a:spcAft>
+                              <a:spcPts val="0"/>
+                            </a:spcAft>
+                          </a:pPr>
+                          <a:r>
+                            <a:rPr lang="en-US" sz="1200">
+                              <a:effectLst/>
+                              <a:latin typeface="Times New Roman" panose="02020603050405020304" pitchFamily="18" charset="0"/>
+                              <a:ea typeface="Times New Roman" panose="02020603050405020304" pitchFamily="18" charset="0"/>
+                              <a:cs typeface="Times New Roman" panose="02020603050405020304" pitchFamily="18" charset="0"/>
+                            </a:rPr>
+                            <a:t>2 keV</a:t>
+                          </a:r>
+                          <a:endParaRPr lang="en-US" sz="1200">
+                            <a:effectLst/>
+                            <a:latin typeface="Times New Roman" panose="02020603050405020304" pitchFamily="18" charset="0"/>
+                            <a:ea typeface="Calibri" panose="020F0502020204030204" pitchFamily="34" charset="0"/>
+                            <a:cs typeface="Times New Roman" panose="02020603050405020304" pitchFamily="18" charset="0"/>
+                          </a:endParaRPr>
+                        </a:p>
+                      </a:txBody>
+                      <a:tcPr marL="68580" marR="68580" marT="0" marB="0">
+                        <a:lnL w="12700" cap="flat" cmpd="sng" algn="ctr">
+                          <a:solidFill>
+                            <a:srgbClr val="FFFFFF"/>
+                          </a:solidFill>
+                          <a:prstDash val="solid"/>
+                          <a:round/>
+                          <a:headEnd type="none" w="med" len="med"/>
+                          <a:tailEnd type="none" w="med" len="med"/>
+                        </a:lnL>
+                        <a:lnR>
+                          <a:noFill/>
+                        </a:lnR>
+                        <a:lnT w="12700" cap="flat" cmpd="sng" algn="ctr">
+                          <a:solidFill>
+                            <a:srgbClr val="000000"/>
+                          </a:solidFill>
+                          <a:prstDash val="solid"/>
+                          <a:round/>
+                          <a:headEnd type="none" w="med" len="med"/>
+                          <a:tailEnd type="none" w="med" len="med"/>
+                        </a:lnT>
+                        <a:lnB w="12700" cap="flat" cmpd="sng" algn="ctr">
+                          <a:solidFill>
+                            <a:srgbClr val="000000"/>
+                          </a:solidFill>
+                          <a:prstDash val="solid"/>
+                          <a:round/>
+                          <a:headEnd type="none" w="med" len="med"/>
+                          <a:tailEnd type="none" w="med" len="med"/>
+                        </a:lnB>
+                      </a:tcPr>
+                    </a:tc>
+                    <a:tc>
+                      <a:txBody>
+                        <a:bodyPr/>
+                        <a:lstStyle/>
+                        <a:p>
+                          <a:pPr marL="0" marR="0" algn="just">
+                            <a:lnSpc>
+                              <a:spcPct val="107000"/>
+                            </a:lnSpc>
+                            <a:spcBef>
+                              <a:spcPts val="0"/>
+                            </a:spcBef>
+                            <a:spcAft>
+                              <a:spcPts val="0"/>
+                            </a:spcAft>
+                          </a:pPr>
+                          <a:r>
+                            <a:rPr lang="en-US" sz="1200">
+                              <a:effectLst/>
+                              <a:latin typeface="Times New Roman" panose="02020603050405020304" pitchFamily="18" charset="0"/>
+                              <a:ea typeface="Times New Roman" panose="02020603050405020304" pitchFamily="18" charset="0"/>
+                              <a:cs typeface="Times New Roman" panose="02020603050405020304" pitchFamily="18" charset="0"/>
+                            </a:rPr>
+                            <a:t> </a:t>
+                          </a:r>
+                          <a:endParaRPr lang="en-US" sz="1200">
+                            <a:effectLst/>
+                            <a:latin typeface="Times New Roman" panose="02020603050405020304" pitchFamily="18" charset="0"/>
+                            <a:ea typeface="Calibri" panose="020F0502020204030204" pitchFamily="34" charset="0"/>
+                            <a:cs typeface="Times New Roman" panose="02020603050405020304" pitchFamily="18" charset="0"/>
+                          </a:endParaRPr>
+                        </a:p>
+                      </a:txBody>
+                      <a:tcPr marL="68580" marR="68580" marT="0" marB="0">
+                        <a:lnL>
+                          <a:noFill/>
+                        </a:lnL>
+                        <a:lnR>
+                          <a:noFill/>
+                        </a:lnR>
+                        <a:lnT>
+                          <a:noFill/>
+                        </a:lnT>
+                        <a:lnB>
+                          <a:noFill/>
+                        </a:lnB>
+                      </a:tcPr>
+                    </a:tc>
+                    <a:extLst>
+                      <a:ext uri="{0D108BD9-81ED-4DB2-BD59-A6C34878D82A}">
+                        <a16:rowId xmlns:a16="http://schemas.microsoft.com/office/drawing/2014/main" val="2519869280"/>
+                      </a:ext>
+                    </a:extLst>
+                  </a:tr>
+                  <a:tr h="179070">
+                    <a:tc>
+                      <a:txBody>
+                        <a:bodyPr/>
+                        <a:lstStyle/>
+                        <a:p>
+                          <a:pPr marL="0" marR="0" algn="just">
+                            <a:lnSpc>
+                              <a:spcPct val="107000"/>
+                            </a:lnSpc>
+                            <a:spcBef>
+                              <a:spcPts val="0"/>
+                            </a:spcBef>
+                            <a:spcAft>
+                              <a:spcPts val="0"/>
+                            </a:spcAft>
+                          </a:pPr>
+                          <a:r>
+                            <a:rPr lang="en-US" sz="1200">
+                              <a:effectLst/>
+                              <a:latin typeface="Times New Roman" panose="02020603050405020304" pitchFamily="18" charset="0"/>
+                              <a:ea typeface="Times New Roman" panose="02020603050405020304" pitchFamily="18" charset="0"/>
+                              <a:cs typeface="Times New Roman" panose="02020603050405020304" pitchFamily="18" charset="0"/>
+                            </a:rPr>
+                            <a:t> </a:t>
+                          </a:r>
+                          <a:endParaRPr lang="en-US" sz="1200">
+                            <a:effectLst/>
+                            <a:latin typeface="Times New Roman" panose="02020603050405020304" pitchFamily="18" charset="0"/>
+                            <a:ea typeface="Calibri" panose="020F0502020204030204" pitchFamily="34" charset="0"/>
+                            <a:cs typeface="Times New Roman" panose="02020603050405020304" pitchFamily="18" charset="0"/>
+                          </a:endParaRPr>
+                        </a:p>
+                      </a:txBody>
+                      <a:tcPr marL="68580" marR="68580" marT="0" marB="0">
+                        <a:lnL w="12700" cap="flat" cmpd="sng" algn="ctr">
+                          <a:solidFill>
+                            <a:srgbClr val="FFFFFF"/>
+                          </a:solidFill>
+                          <a:prstDash val="solid"/>
+                          <a:round/>
+                          <a:headEnd type="none" w="med" len="med"/>
+                          <a:tailEnd type="none" w="med" len="med"/>
+                        </a:lnL>
+                        <a:lnR w="12700" cap="flat" cmpd="sng" algn="ctr">
+                          <a:solidFill>
+                            <a:srgbClr val="FFFFFF"/>
+                          </a:solidFill>
+                          <a:prstDash val="solid"/>
+                          <a:round/>
+                          <a:headEnd type="none" w="med" len="med"/>
+                          <a:tailEnd type="none" w="med" len="med"/>
+                        </a:lnR>
+                        <a:lnT>
+                          <a:noFill/>
+                        </a:lnT>
+                        <a:lnB w="19050" cap="flat" cmpd="sng" algn="ctr">
+                          <a:solidFill>
+                            <a:srgbClr val="000000"/>
+                          </a:solidFill>
+                          <a:prstDash val="solid"/>
+                          <a:round/>
+                          <a:headEnd type="none" w="med" len="med"/>
+                          <a:tailEnd type="none" w="med" len="med"/>
+                        </a:lnB>
+                      </a:tcPr>
+                    </a:tc>
+                    <a:tc>
+                      <a:txBody>
+                        <a:bodyPr/>
+                        <a:lstStyle/>
+                        <a:p>
+                          <a:pPr marL="0" marR="0" algn="ctr">
+                            <a:lnSpc>
+                              <a:spcPct val="107000"/>
+                            </a:lnSpc>
+                            <a:spcBef>
+                              <a:spcPts val="0"/>
+                            </a:spcBef>
+                            <a:spcAft>
+                              <a:spcPts val="0"/>
+                            </a:spcAft>
+                          </a:pPr>
+                          <a:r>
+                            <a:rPr lang="en-US" sz="1200">
+                              <a:effectLst/>
+                              <a:latin typeface="Times New Roman" panose="02020603050405020304" pitchFamily="18" charset="0"/>
+                              <a:ea typeface="Times New Roman" panose="02020603050405020304" pitchFamily="18" charset="0"/>
+                              <a:cs typeface="Times New Roman" panose="02020603050405020304" pitchFamily="18" charset="0"/>
+                            </a:rPr>
+                            <a:t>Electron Debye Length, </a:t>
+                          </a:r>
+                          <a14:m>
+                            <m:oMath xmlns:m="http://schemas.openxmlformats.org/officeDocument/2006/math">
+                              <m:sSub>
+                                <m:sSubPr>
+                                  <m:ctrlPr>
+                                    <a:rPr lang="en-US" sz="1200" i="1">
+                                      <a:effectLst/>
+                                      <a:latin typeface="Cambria Math" panose="02040503050406030204" pitchFamily="18" charset="0"/>
+                                      <a:ea typeface="Times New Roman" panose="02020603050405020304" pitchFamily="18" charset="0"/>
+                                      <a:cs typeface="Times New Roman" panose="02020603050405020304" pitchFamily="18" charset="0"/>
+                                    </a:rPr>
+                                  </m:ctrlPr>
+                                </m:sSubPr>
+                                <m:e>
+                                  <m:r>
+                                    <a:rPr lang="en-US" sz="1200" i="1">
+                                      <a:effectLst/>
+                                      <a:latin typeface="Cambria Math" panose="02040503050406030204" pitchFamily="18" charset="0"/>
+                                      <a:ea typeface="Times New Roman" panose="02020603050405020304" pitchFamily="18" charset="0"/>
+                                      <a:cs typeface="Times New Roman" panose="02020603050405020304" pitchFamily="18" charset="0"/>
+                                    </a:rPr>
+                                    <m:t>𝜆</m:t>
+                                  </m:r>
+                                </m:e>
+                                <m:sub>
+                                  <m:r>
+                                    <a:rPr lang="en-US" sz="1200" i="1">
+                                      <a:effectLst/>
+                                      <a:latin typeface="Cambria Math" panose="02040503050406030204" pitchFamily="18" charset="0"/>
+                                      <a:ea typeface="Times New Roman" panose="02020603050405020304" pitchFamily="18" charset="0"/>
+                                      <a:cs typeface="Times New Roman" panose="02020603050405020304" pitchFamily="18" charset="0"/>
+                                    </a:rPr>
+                                    <m:t>𝐷𝑒</m:t>
+                                  </m:r>
+                                </m:sub>
+                              </m:sSub>
+                            </m:oMath>
+                          </a14:m>
+                          <a:endParaRPr lang="en-US" sz="1200">
+                            <a:effectLst/>
+                            <a:latin typeface="Times New Roman" panose="02020603050405020304" pitchFamily="18" charset="0"/>
+                            <a:ea typeface="Calibri" panose="020F0502020204030204" pitchFamily="34" charset="0"/>
+                            <a:cs typeface="Times New Roman" panose="02020603050405020304" pitchFamily="18" charset="0"/>
+                          </a:endParaRPr>
+                        </a:p>
+                      </a:txBody>
+                      <a:tcPr marL="68580" marR="68580" marT="0" marB="0">
+                        <a:lnL w="12700" cap="flat" cmpd="sng" algn="ctr">
+                          <a:solidFill>
+                            <a:srgbClr val="FFFFFF"/>
+                          </a:solidFill>
+                          <a:prstDash val="solid"/>
+                          <a:round/>
+                          <a:headEnd type="none" w="med" len="med"/>
+                          <a:tailEnd type="none" w="med" len="med"/>
+                        </a:lnL>
+                        <a:lnR w="12700" cap="flat" cmpd="sng" algn="ctr">
+                          <a:solidFill>
+                            <a:srgbClr val="FFFFFF"/>
+                          </a:solidFill>
+                          <a:prstDash val="solid"/>
+                          <a:round/>
+                          <a:headEnd type="none" w="med" len="med"/>
+                          <a:tailEnd type="none" w="med" len="med"/>
+                        </a:lnR>
+                        <a:lnT w="12700" cap="flat" cmpd="sng" algn="ctr">
+                          <a:solidFill>
+                            <a:srgbClr val="000000"/>
+                          </a:solidFill>
+                          <a:prstDash val="solid"/>
+                          <a:round/>
+                          <a:headEnd type="none" w="med" len="med"/>
+                          <a:tailEnd type="none" w="med" len="med"/>
+                        </a:lnT>
+                        <a:lnB w="19050" cap="flat" cmpd="sng" algn="ctr">
+                          <a:solidFill>
+                            <a:srgbClr val="000000"/>
+                          </a:solidFill>
+                          <a:prstDash val="solid"/>
+                          <a:round/>
+                          <a:headEnd type="none" w="med" len="med"/>
+                          <a:tailEnd type="none" w="med" len="med"/>
+                        </a:lnB>
+                      </a:tcPr>
+                    </a:tc>
+                    <a:tc>
+                      <a:txBody>
+                        <a:bodyPr/>
+                        <a:lstStyle/>
+                        <a:p>
+                          <a:pPr marL="0" marR="0" algn="ctr">
+                            <a:lnSpc>
+                              <a:spcPct val="107000"/>
+                            </a:lnSpc>
+                            <a:spcBef>
+                              <a:spcPts val="0"/>
+                            </a:spcBef>
+                            <a:spcAft>
+                              <a:spcPts val="0"/>
+                            </a:spcAft>
+                          </a:pPr>
+                          <a:r>
+                            <a:rPr lang="en-US" sz="1200">
+                              <a:effectLst/>
+                              <a:latin typeface="Times New Roman" panose="02020603050405020304" pitchFamily="18" charset="0"/>
+                              <a:ea typeface="Times New Roman" panose="02020603050405020304" pitchFamily="18" charset="0"/>
+                              <a:cs typeface="Times New Roman" panose="02020603050405020304" pitchFamily="18" charset="0"/>
+                            </a:rPr>
+                            <a:t>10</a:t>
+                          </a:r>
+                          <a:r>
+                            <a:rPr lang="en-US" sz="1200" baseline="30000">
+                              <a:effectLst/>
+                              <a:latin typeface="Times New Roman" panose="02020603050405020304" pitchFamily="18" charset="0"/>
+                              <a:ea typeface="Times New Roman" panose="02020603050405020304" pitchFamily="18" charset="0"/>
+                              <a:cs typeface="Times New Roman" panose="02020603050405020304" pitchFamily="18" charset="0"/>
+                            </a:rPr>
+                            <a:t>-4 </a:t>
+                          </a:r>
+                          <a:r>
+                            <a:rPr lang="en-US" sz="1200">
+                              <a:effectLst/>
+                              <a:latin typeface="Times New Roman" panose="02020603050405020304" pitchFamily="18" charset="0"/>
+                              <a:ea typeface="Times New Roman" panose="02020603050405020304" pitchFamily="18" charset="0"/>
+                              <a:cs typeface="Times New Roman" panose="02020603050405020304" pitchFamily="18" charset="0"/>
+                            </a:rPr>
+                            <a:t>m</a:t>
+                          </a:r>
+                          <a:endParaRPr lang="en-US" sz="1200">
+                            <a:effectLst/>
+                            <a:latin typeface="Times New Roman" panose="02020603050405020304" pitchFamily="18" charset="0"/>
+                            <a:ea typeface="Calibri" panose="020F0502020204030204" pitchFamily="34" charset="0"/>
+                            <a:cs typeface="Times New Roman" panose="02020603050405020304" pitchFamily="18" charset="0"/>
+                          </a:endParaRPr>
+                        </a:p>
+                      </a:txBody>
+                      <a:tcPr marL="68580" marR="68580" marT="0" marB="0">
+                        <a:lnL w="12700" cap="flat" cmpd="sng" algn="ctr">
+                          <a:solidFill>
+                            <a:srgbClr val="FFFFFF"/>
+                          </a:solidFill>
+                          <a:prstDash val="solid"/>
+                          <a:round/>
+                          <a:headEnd type="none" w="med" len="med"/>
+                          <a:tailEnd type="none" w="med" len="med"/>
+                        </a:lnL>
+                        <a:lnR>
+                          <a:noFill/>
+                        </a:lnR>
+                        <a:lnT w="12700" cap="flat" cmpd="sng" algn="ctr">
+                          <a:solidFill>
+                            <a:srgbClr val="000000"/>
+                          </a:solidFill>
+                          <a:prstDash val="solid"/>
+                          <a:round/>
+                          <a:headEnd type="none" w="med" len="med"/>
+                          <a:tailEnd type="none" w="med" len="med"/>
+                        </a:lnT>
+                        <a:lnB w="19050" cap="flat" cmpd="sng" algn="ctr">
+                          <a:solidFill>
+                            <a:srgbClr val="000000"/>
+                          </a:solidFill>
+                          <a:prstDash val="solid"/>
+                          <a:round/>
+                          <a:headEnd type="none" w="med" len="med"/>
+                          <a:tailEnd type="none" w="med" len="med"/>
+                        </a:lnB>
+                      </a:tcPr>
+                    </a:tc>
+                    <a:tc>
+                      <a:txBody>
+                        <a:bodyPr/>
+                        <a:lstStyle/>
+                        <a:p>
+                          <a:pPr marL="0" marR="0" algn="just">
+                            <a:lnSpc>
+                              <a:spcPct val="107000"/>
+                            </a:lnSpc>
+                            <a:spcBef>
+                              <a:spcPts val="0"/>
+                            </a:spcBef>
+                            <a:spcAft>
+                              <a:spcPts val="0"/>
+                            </a:spcAft>
+                          </a:pPr>
+                          <a:r>
+                            <a:rPr lang="en-US" sz="1200" dirty="0">
+                              <a:effectLst/>
+                              <a:latin typeface="Times New Roman" panose="02020603050405020304" pitchFamily="18" charset="0"/>
+                              <a:ea typeface="Times New Roman" panose="02020603050405020304" pitchFamily="18" charset="0"/>
+                              <a:cs typeface="Times New Roman" panose="02020603050405020304" pitchFamily="18" charset="0"/>
+                            </a:rPr>
+                            <a:t> </a:t>
+                          </a:r>
+                          <a:endParaRPr lang="en-US" sz="1200" dirty="0">
+                            <a:effectLst/>
+                            <a:latin typeface="Times New Roman" panose="02020603050405020304" pitchFamily="18" charset="0"/>
+                            <a:ea typeface="Calibri" panose="020F0502020204030204" pitchFamily="34" charset="0"/>
+                            <a:cs typeface="Times New Roman" panose="02020603050405020304" pitchFamily="18" charset="0"/>
+                          </a:endParaRPr>
+                        </a:p>
+                      </a:txBody>
+                      <a:tcPr marL="68580" marR="68580" marT="0" marB="0">
+                        <a:lnL>
+                          <a:noFill/>
+                        </a:lnL>
+                        <a:lnR>
+                          <a:noFill/>
+                        </a:lnR>
+                        <a:lnT>
+                          <a:noFill/>
+                        </a:lnT>
+                        <a:lnB w="19050" cap="flat" cmpd="sng" algn="ctr">
+                          <a:solidFill>
+                            <a:srgbClr val="000000"/>
+                          </a:solidFill>
+                          <a:prstDash val="solid"/>
+                          <a:round/>
+                          <a:headEnd type="none" w="med" len="med"/>
+                          <a:tailEnd type="none" w="med" len="med"/>
+                        </a:lnB>
+                      </a:tcPr>
+                    </a:tc>
+                    <a:extLst>
+                      <a:ext uri="{0D108BD9-81ED-4DB2-BD59-A6C34878D82A}">
+                        <a16:rowId xmlns:a16="http://schemas.microsoft.com/office/drawing/2014/main" val="335512962"/>
+                      </a:ext>
+                    </a:extLst>
+                  </a:tr>
+                </a:tbl>
+              </a:graphicData>
+            </a:graphic>
+          </p:graphicFrame>
+        </mc:Choice>
+        <mc:Fallback>
+          <p:graphicFrame>
+            <p:nvGraphicFramePr>
+              <p:cNvPr id="18" name="Table 17"/>
+              <p:cNvGraphicFramePr>
+                <a:graphicFrameLocks noGrp="1"/>
+              </p:cNvGraphicFramePr>
+              <p:nvPr>
+                <p:extLst>
+                  <p:ext uri="{D42A27DB-BD31-4B8C-83A1-F6EECF244321}">
+                    <p14:modId xmlns:p14="http://schemas.microsoft.com/office/powerpoint/2010/main" val="2029074023"/>
+                  </p:ext>
+                </p:extLst>
+              </p:nvPr>
+            </p:nvGraphicFramePr>
+            <p:xfrm>
+              <a:off x="4928293" y="311141"/>
+              <a:ext cx="3425825" cy="1369949"/>
+            </p:xfrm>
+            <a:graphic>
+              <a:graphicData uri="http://schemas.openxmlformats.org/drawingml/2006/table">
+                <a:tbl>
+                  <a:tblPr firstRow="1" firstCol="1" bandRow="1"/>
+                  <a:tblGrid>
+                    <a:gridCol w="228600">
+                      <a:extLst>
+                        <a:ext uri="{9D8B030D-6E8A-4147-A177-3AD203B41FA5}">
+                          <a16:colId xmlns:a16="http://schemas.microsoft.com/office/drawing/2014/main" val="1563805706"/>
+                        </a:ext>
+                      </a:extLst>
+                    </a:gridCol>
+                    <a:gridCol w="2117725">
+                      <a:extLst>
+                        <a:ext uri="{9D8B030D-6E8A-4147-A177-3AD203B41FA5}">
+                          <a16:colId xmlns:a16="http://schemas.microsoft.com/office/drawing/2014/main" val="2086739117"/>
+                        </a:ext>
+                      </a:extLst>
+                    </a:gridCol>
+                    <a:gridCol w="854075">
+                      <a:extLst>
+                        <a:ext uri="{9D8B030D-6E8A-4147-A177-3AD203B41FA5}">
+                          <a16:colId xmlns:a16="http://schemas.microsoft.com/office/drawing/2014/main" val="3335236292"/>
+                        </a:ext>
+                      </a:extLst>
+                    </a:gridCol>
+                    <a:gridCol w="225425">
+                      <a:extLst>
+                        <a:ext uri="{9D8B030D-6E8A-4147-A177-3AD203B41FA5}">
+                          <a16:colId xmlns:a16="http://schemas.microsoft.com/office/drawing/2014/main" val="2282595738"/>
+                        </a:ext>
+                      </a:extLst>
+                    </a:gridCol>
+                  </a:tblGrid>
+                  <a:tr h="195707">
+                    <a:tc>
+                      <a:txBody>
+                        <a:bodyPr/>
+                        <a:lstStyle/>
+                        <a:p>
+                          <a:pPr marL="0" marR="0" algn="just">
+                            <a:lnSpc>
+                              <a:spcPct val="107000"/>
+                            </a:lnSpc>
+                            <a:spcBef>
+                              <a:spcPts val="0"/>
+                            </a:spcBef>
+                            <a:spcAft>
+                              <a:spcPts val="0"/>
+                            </a:spcAft>
+                          </a:pPr>
+                          <a:r>
+                            <a:rPr lang="en-US" sz="1200">
+                              <a:effectLst/>
+                              <a:latin typeface="Times New Roman" panose="02020603050405020304" pitchFamily="18" charset="0"/>
+                              <a:ea typeface="Times New Roman" panose="02020603050405020304" pitchFamily="18" charset="0"/>
+                              <a:cs typeface="Times New Roman" panose="02020603050405020304" pitchFamily="18" charset="0"/>
+                            </a:rPr>
+                            <a:t> </a:t>
+                          </a:r>
+                          <a:endParaRPr lang="en-US" sz="1200">
+                            <a:effectLst/>
+                            <a:latin typeface="Times New Roman" panose="02020603050405020304" pitchFamily="18" charset="0"/>
+                            <a:ea typeface="Calibri" panose="020F0502020204030204" pitchFamily="34" charset="0"/>
+                            <a:cs typeface="Times New Roman" panose="02020603050405020304" pitchFamily="18" charset="0"/>
+                          </a:endParaRPr>
+                        </a:p>
+                      </a:txBody>
+                      <a:tcPr marL="68580" marR="68580" marT="0" marB="0">
+                        <a:lnL w="12700" cap="flat" cmpd="sng" algn="ctr">
+                          <a:solidFill>
+                            <a:srgbClr val="FFFFFF"/>
+                          </a:solidFill>
+                          <a:prstDash val="solid"/>
+                          <a:round/>
+                          <a:headEnd type="none" w="med" len="med"/>
+                          <a:tailEnd type="none" w="med" len="med"/>
+                        </a:lnL>
+                        <a:lnR w="12700" cap="flat" cmpd="sng" algn="ctr">
+                          <a:solidFill>
+                            <a:srgbClr val="FFFFFF"/>
+                          </a:solidFill>
+                          <a:prstDash val="solid"/>
+                          <a:round/>
+                          <a:headEnd type="none" w="med" len="med"/>
+                          <a:tailEnd type="none" w="med" len="med"/>
+                        </a:lnR>
+                        <a:lnT w="19050" cap="flat" cmpd="sng" algn="ctr">
+                          <a:solidFill>
+                            <a:srgbClr val="000000"/>
+                          </a:solidFill>
+                          <a:prstDash val="solid"/>
+                          <a:round/>
+                          <a:headEnd type="none" w="med" len="med"/>
+                          <a:tailEnd type="none" w="med" len="med"/>
+                        </a:lnT>
+                        <a:lnB>
+                          <a:noFill/>
+                        </a:lnB>
+                      </a:tcPr>
+                    </a:tc>
+                    <a:tc>
+                      <a:txBody>
+                        <a:bodyPr/>
+                        <a:lstStyle/>
+                        <a:p>
+                          <a:endParaRPr lang="en-US"/>
+                        </a:p>
+                      </a:txBody>
+                      <a:tcPr marL="68580" marR="68580" marT="0" marB="0">
+                        <a:lnL w="12700" cap="flat" cmpd="sng" algn="ctr">
+                          <a:solidFill>
+                            <a:srgbClr val="FFFFFF"/>
+                          </a:solidFill>
+                          <a:prstDash val="solid"/>
+                          <a:round/>
+                          <a:headEnd type="none" w="med" len="med"/>
+                          <a:tailEnd type="none" w="med" len="med"/>
+                        </a:lnL>
+                        <a:lnR w="12700" cap="flat" cmpd="sng" algn="ctr">
+                          <a:solidFill>
+                            <a:srgbClr val="FFFFFF"/>
+                          </a:solidFill>
+                          <a:prstDash val="solid"/>
+                          <a:round/>
+                          <a:headEnd type="none" w="med" len="med"/>
+                          <a:tailEnd type="none" w="med" len="med"/>
+                        </a:lnR>
+                        <a:lnT w="19050" cap="flat" cmpd="sng" algn="ctr">
+                          <a:solidFill>
+                            <a:srgbClr val="000000"/>
+                          </a:solidFill>
+                          <a:prstDash val="solid"/>
+                          <a:round/>
+                          <a:headEnd type="none" w="med" len="med"/>
+                          <a:tailEnd type="none" w="med" len="med"/>
+                        </a:lnT>
+                        <a:lnB w="12700" cap="flat" cmpd="sng" algn="ctr">
+                          <a:solidFill>
+                            <a:srgbClr val="000000"/>
+                          </a:solidFill>
+                          <a:prstDash val="solid"/>
+                          <a:round/>
+                          <a:headEnd type="none" w="med" len="med"/>
+                          <a:tailEnd type="none" w="med" len="med"/>
+                        </a:lnB>
+                        <a:blipFill>
+                          <a:blip r:embed="rId5"/>
+                          <a:stretch>
+                            <a:fillRect l="-11207" t="-25000" r="-51149" b="-643750"/>
+                          </a:stretch>
+                        </a:blipFill>
+                      </a:tcPr>
+                    </a:tc>
+                    <a:tc>
+                      <a:txBody>
+                        <a:bodyPr/>
+                        <a:lstStyle/>
+                        <a:p>
+                          <a:pPr marL="0" marR="0" algn="ctr">
+                            <a:lnSpc>
+                              <a:spcPct val="107000"/>
+                            </a:lnSpc>
+                            <a:spcBef>
+                              <a:spcPts val="0"/>
+                            </a:spcBef>
+                            <a:spcAft>
+                              <a:spcPts val="0"/>
+                            </a:spcAft>
+                          </a:pPr>
+                          <a:r>
+                            <a:rPr lang="en-US" sz="1200">
+                              <a:effectLst/>
+                              <a:latin typeface="Times New Roman" panose="02020603050405020304" pitchFamily="18" charset="0"/>
+                              <a:ea typeface="Times New Roman" panose="02020603050405020304" pitchFamily="18" charset="0"/>
+                              <a:cs typeface="Times New Roman" panose="02020603050405020304" pitchFamily="18" charset="0"/>
+                            </a:rPr>
+                            <a:t>1.67 m</a:t>
+                          </a:r>
+                          <a:endParaRPr lang="en-US" sz="1200">
+                            <a:effectLst/>
+                            <a:latin typeface="Times New Roman" panose="02020603050405020304" pitchFamily="18" charset="0"/>
+                            <a:ea typeface="Calibri" panose="020F0502020204030204" pitchFamily="34" charset="0"/>
+                            <a:cs typeface="Times New Roman" panose="02020603050405020304" pitchFamily="18" charset="0"/>
+                          </a:endParaRPr>
+                        </a:p>
+                      </a:txBody>
+                      <a:tcPr marL="68580" marR="68580" marT="0" marB="0">
+                        <a:lnL w="12700" cap="flat" cmpd="sng" algn="ctr">
+                          <a:solidFill>
+                            <a:srgbClr val="FFFFFF"/>
+                          </a:solidFill>
+                          <a:prstDash val="solid"/>
+                          <a:round/>
+                          <a:headEnd type="none" w="med" len="med"/>
+                          <a:tailEnd type="none" w="med" len="med"/>
+                        </a:lnL>
+                        <a:lnR>
+                          <a:noFill/>
+                        </a:lnR>
+                        <a:lnT w="19050" cap="flat" cmpd="sng" algn="ctr">
+                          <a:solidFill>
+                            <a:srgbClr val="000000"/>
+                          </a:solidFill>
+                          <a:prstDash val="solid"/>
+                          <a:round/>
+                          <a:headEnd type="none" w="med" len="med"/>
+                          <a:tailEnd type="none" w="med" len="med"/>
+                        </a:lnT>
+                        <a:lnB w="12700" cap="flat" cmpd="sng" algn="ctr">
+                          <a:solidFill>
+                            <a:srgbClr val="000000"/>
+                          </a:solidFill>
+                          <a:prstDash val="solid"/>
+                          <a:round/>
+                          <a:headEnd type="none" w="med" len="med"/>
+                          <a:tailEnd type="none" w="med" len="med"/>
+                        </a:lnB>
+                      </a:tcPr>
+                    </a:tc>
+                    <a:tc>
+                      <a:txBody>
+                        <a:bodyPr/>
+                        <a:lstStyle/>
+                        <a:p>
+                          <a:pPr marL="0" marR="0" algn="just">
+                            <a:lnSpc>
+                              <a:spcPct val="107000"/>
+                            </a:lnSpc>
+                            <a:spcBef>
+                              <a:spcPts val="0"/>
+                            </a:spcBef>
+                            <a:spcAft>
+                              <a:spcPts val="0"/>
+                            </a:spcAft>
+                          </a:pPr>
+                          <a:r>
+                            <a:rPr lang="en-US" sz="1200">
+                              <a:effectLst/>
+                              <a:latin typeface="Times New Roman" panose="02020603050405020304" pitchFamily="18" charset="0"/>
+                              <a:ea typeface="Times New Roman" panose="02020603050405020304" pitchFamily="18" charset="0"/>
+                              <a:cs typeface="Times New Roman" panose="02020603050405020304" pitchFamily="18" charset="0"/>
+                            </a:rPr>
+                            <a:t> </a:t>
+                          </a:r>
+                          <a:endParaRPr lang="en-US" sz="1200">
+                            <a:effectLst/>
+                            <a:latin typeface="Times New Roman" panose="02020603050405020304" pitchFamily="18" charset="0"/>
+                            <a:ea typeface="Calibri" panose="020F0502020204030204" pitchFamily="34" charset="0"/>
+                            <a:cs typeface="Times New Roman" panose="02020603050405020304" pitchFamily="18" charset="0"/>
+                          </a:endParaRPr>
+                        </a:p>
+                      </a:txBody>
+                      <a:tcPr marL="68580" marR="68580" marT="0" marB="0">
+                        <a:lnL>
+                          <a:noFill/>
+                        </a:lnL>
+                        <a:lnR>
+                          <a:noFill/>
+                        </a:lnR>
+                        <a:lnT w="19050" cap="flat" cmpd="sng" algn="ctr">
+                          <a:solidFill>
+                            <a:srgbClr val="000000"/>
+                          </a:solidFill>
+                          <a:prstDash val="solid"/>
+                          <a:round/>
+                          <a:headEnd type="none" w="med" len="med"/>
+                          <a:tailEnd type="none" w="med" len="med"/>
+                        </a:lnT>
+                        <a:lnB>
+                          <a:noFill/>
+                        </a:lnB>
+                      </a:tcPr>
+                    </a:tc>
+                    <a:extLst>
+                      <a:ext uri="{0D108BD9-81ED-4DB2-BD59-A6C34878D82A}">
+                        <a16:rowId xmlns:a16="http://schemas.microsoft.com/office/drawing/2014/main" val="646199799"/>
+                      </a:ext>
+                    </a:extLst>
+                  </a:tr>
+                  <a:tr h="195707">
+                    <a:tc>
+                      <a:txBody>
+                        <a:bodyPr/>
+                        <a:lstStyle/>
+                        <a:p>
+                          <a:pPr marL="0" marR="0" algn="just">
+                            <a:lnSpc>
+                              <a:spcPct val="107000"/>
+                            </a:lnSpc>
+                            <a:spcBef>
+                              <a:spcPts val="0"/>
+                            </a:spcBef>
+                            <a:spcAft>
+                              <a:spcPts val="0"/>
+                            </a:spcAft>
+                          </a:pPr>
+                          <a:r>
+                            <a:rPr lang="en-US" sz="1200">
+                              <a:effectLst/>
+                              <a:latin typeface="Times New Roman" panose="02020603050405020304" pitchFamily="18" charset="0"/>
+                              <a:ea typeface="Times New Roman" panose="02020603050405020304" pitchFamily="18" charset="0"/>
+                              <a:cs typeface="Times New Roman" panose="02020603050405020304" pitchFamily="18" charset="0"/>
+                            </a:rPr>
+                            <a:t> </a:t>
+                          </a:r>
+                          <a:endParaRPr lang="en-US" sz="1200">
+                            <a:effectLst/>
+                            <a:latin typeface="Times New Roman" panose="02020603050405020304" pitchFamily="18" charset="0"/>
+                            <a:ea typeface="Calibri" panose="020F0502020204030204" pitchFamily="34" charset="0"/>
+                            <a:cs typeface="Times New Roman" panose="02020603050405020304" pitchFamily="18" charset="0"/>
+                          </a:endParaRPr>
+                        </a:p>
+                      </a:txBody>
+                      <a:tcPr marL="68580" marR="68580" marT="0" marB="0">
+                        <a:lnL w="12700" cap="flat" cmpd="sng" algn="ctr">
+                          <a:solidFill>
+                            <a:srgbClr val="FFFFFF"/>
+                          </a:solidFill>
+                          <a:prstDash val="solid"/>
+                          <a:round/>
+                          <a:headEnd type="none" w="med" len="med"/>
+                          <a:tailEnd type="none" w="med" len="med"/>
+                        </a:lnL>
+                        <a:lnR w="12700" cap="flat" cmpd="sng" algn="ctr">
+                          <a:solidFill>
+                            <a:srgbClr val="FFFFFF"/>
+                          </a:solidFill>
+                          <a:prstDash val="solid"/>
+                          <a:round/>
+                          <a:headEnd type="none" w="med" len="med"/>
+                          <a:tailEnd type="none" w="med" len="med"/>
+                        </a:lnR>
+                        <a:lnT>
+                          <a:noFill/>
+                        </a:lnT>
+                        <a:lnB>
+                          <a:noFill/>
+                        </a:lnB>
+                      </a:tcPr>
+                    </a:tc>
+                    <a:tc>
+                      <a:txBody>
+                        <a:bodyPr/>
+                        <a:lstStyle/>
+                        <a:p>
+                          <a:endParaRPr lang="en-US"/>
+                        </a:p>
+                      </a:txBody>
+                      <a:tcPr marL="68580" marR="68580" marT="0" marB="0">
+                        <a:lnL w="12700" cap="flat" cmpd="sng" algn="ctr">
+                          <a:solidFill>
+                            <a:srgbClr val="FFFFFF"/>
+                          </a:solidFill>
+                          <a:prstDash val="solid"/>
+                          <a:round/>
+                          <a:headEnd type="none" w="med" len="med"/>
+                          <a:tailEnd type="none" w="med" len="med"/>
+                        </a:lnL>
+                        <a:lnR w="12700" cap="flat" cmpd="sng" algn="ctr">
+                          <a:solidFill>
+                            <a:srgbClr val="FFFFFF"/>
+                          </a:solidFill>
+                          <a:prstDash val="solid"/>
+                          <a:round/>
+                          <a:headEnd type="none" w="med" len="med"/>
+                          <a:tailEnd type="none" w="med" len="med"/>
+                        </a:lnR>
+                        <a:lnT w="12700" cap="flat" cmpd="sng" algn="ctr">
+                          <a:solidFill>
+                            <a:srgbClr val="000000"/>
+                          </a:solidFill>
+                          <a:prstDash val="solid"/>
+                          <a:round/>
+                          <a:headEnd type="none" w="med" len="med"/>
+                          <a:tailEnd type="none" w="med" len="med"/>
+                        </a:lnT>
+                        <a:lnB w="12700" cap="flat" cmpd="sng" algn="ctr">
+                          <a:solidFill>
+                            <a:srgbClr val="000000"/>
+                          </a:solidFill>
+                          <a:prstDash val="solid"/>
+                          <a:round/>
+                          <a:headEnd type="none" w="med" len="med"/>
+                          <a:tailEnd type="none" w="med" len="med"/>
+                        </a:lnB>
+                        <a:blipFill>
+                          <a:blip r:embed="rId5"/>
+                          <a:stretch>
+                            <a:fillRect l="-11207" t="-125000" r="-51149" b="-543750"/>
+                          </a:stretch>
+                        </a:blipFill>
+                      </a:tcPr>
+                    </a:tc>
+                    <a:tc>
+                      <a:txBody>
+                        <a:bodyPr/>
+                        <a:lstStyle/>
+                        <a:p>
+                          <a:pPr marL="0" marR="0" algn="ctr">
+                            <a:lnSpc>
+                              <a:spcPct val="107000"/>
+                            </a:lnSpc>
+                            <a:spcBef>
+                              <a:spcPts val="0"/>
+                            </a:spcBef>
+                            <a:spcAft>
+                              <a:spcPts val="0"/>
+                            </a:spcAft>
+                          </a:pPr>
+                          <a:r>
+                            <a:rPr lang="en-US" sz="1200">
+                              <a:effectLst/>
+                              <a:latin typeface="Times New Roman" panose="02020603050405020304" pitchFamily="18" charset="0"/>
+                              <a:ea typeface="Times New Roman" panose="02020603050405020304" pitchFamily="18" charset="0"/>
+                              <a:cs typeface="Times New Roman" panose="02020603050405020304" pitchFamily="18" charset="0"/>
+                            </a:rPr>
+                            <a:t>0.67 m</a:t>
+                          </a:r>
+                          <a:endParaRPr lang="en-US" sz="1200">
+                            <a:effectLst/>
+                            <a:latin typeface="Times New Roman" panose="02020603050405020304" pitchFamily="18" charset="0"/>
+                            <a:ea typeface="Calibri" panose="020F0502020204030204" pitchFamily="34" charset="0"/>
+                            <a:cs typeface="Times New Roman" panose="02020603050405020304" pitchFamily="18" charset="0"/>
+                          </a:endParaRPr>
+                        </a:p>
+                      </a:txBody>
+                      <a:tcPr marL="68580" marR="68580" marT="0" marB="0">
+                        <a:lnL w="12700" cap="flat" cmpd="sng" algn="ctr">
+                          <a:solidFill>
+                            <a:srgbClr val="FFFFFF"/>
+                          </a:solidFill>
+                          <a:prstDash val="solid"/>
+                          <a:round/>
+                          <a:headEnd type="none" w="med" len="med"/>
+                          <a:tailEnd type="none" w="med" len="med"/>
+                        </a:lnL>
+                        <a:lnR>
+                          <a:noFill/>
+                        </a:lnR>
+                        <a:lnT w="12700" cap="flat" cmpd="sng" algn="ctr">
+                          <a:solidFill>
+                            <a:srgbClr val="000000"/>
+                          </a:solidFill>
+                          <a:prstDash val="solid"/>
+                          <a:round/>
+                          <a:headEnd type="none" w="med" len="med"/>
+                          <a:tailEnd type="none" w="med" len="med"/>
+                        </a:lnT>
+                        <a:lnB w="12700" cap="flat" cmpd="sng" algn="ctr">
+                          <a:solidFill>
+                            <a:srgbClr val="000000"/>
+                          </a:solidFill>
+                          <a:prstDash val="solid"/>
+                          <a:round/>
+                          <a:headEnd type="none" w="med" len="med"/>
+                          <a:tailEnd type="none" w="med" len="med"/>
+                        </a:lnB>
+                      </a:tcPr>
+                    </a:tc>
+                    <a:tc>
+                      <a:txBody>
+                        <a:bodyPr/>
+                        <a:lstStyle/>
+                        <a:p>
+                          <a:pPr marL="0" marR="0" algn="just">
+                            <a:lnSpc>
+                              <a:spcPct val="107000"/>
+                            </a:lnSpc>
+                            <a:spcBef>
+                              <a:spcPts val="0"/>
+                            </a:spcBef>
+                            <a:spcAft>
+                              <a:spcPts val="0"/>
+                            </a:spcAft>
+                          </a:pPr>
+                          <a:r>
+                            <a:rPr lang="en-US" sz="1200">
+                              <a:effectLst/>
+                              <a:latin typeface="Times New Roman" panose="02020603050405020304" pitchFamily="18" charset="0"/>
+                              <a:ea typeface="Times New Roman" panose="02020603050405020304" pitchFamily="18" charset="0"/>
+                              <a:cs typeface="Times New Roman" panose="02020603050405020304" pitchFamily="18" charset="0"/>
+                            </a:rPr>
+                            <a:t> </a:t>
+                          </a:r>
+                          <a:endParaRPr lang="en-US" sz="1200">
+                            <a:effectLst/>
+                            <a:latin typeface="Times New Roman" panose="02020603050405020304" pitchFamily="18" charset="0"/>
+                            <a:ea typeface="Calibri" panose="020F0502020204030204" pitchFamily="34" charset="0"/>
+                            <a:cs typeface="Times New Roman" panose="02020603050405020304" pitchFamily="18" charset="0"/>
+                          </a:endParaRPr>
+                        </a:p>
+                      </a:txBody>
+                      <a:tcPr marL="68580" marR="68580" marT="0" marB="0">
+                        <a:lnL>
+                          <a:noFill/>
+                        </a:lnL>
+                        <a:lnR>
+                          <a:noFill/>
+                        </a:lnR>
+                        <a:lnT>
+                          <a:noFill/>
+                        </a:lnT>
+                        <a:lnB>
+                          <a:noFill/>
+                        </a:lnB>
+                      </a:tcPr>
+                    </a:tc>
+                    <a:extLst>
+                      <a:ext uri="{0D108BD9-81ED-4DB2-BD59-A6C34878D82A}">
+                        <a16:rowId xmlns:a16="http://schemas.microsoft.com/office/drawing/2014/main" val="1068871906"/>
+                      </a:ext>
+                    </a:extLst>
+                  </a:tr>
+                  <a:tr h="195707">
+                    <a:tc>
+                      <a:txBody>
+                        <a:bodyPr/>
+                        <a:lstStyle/>
+                        <a:p>
+                          <a:pPr marL="0" marR="0" algn="just">
+                            <a:lnSpc>
+                              <a:spcPct val="107000"/>
+                            </a:lnSpc>
+                            <a:spcBef>
+                              <a:spcPts val="0"/>
+                            </a:spcBef>
+                            <a:spcAft>
+                              <a:spcPts val="0"/>
+                            </a:spcAft>
+                          </a:pPr>
+                          <a:r>
+                            <a:rPr lang="en-US" sz="1200">
+                              <a:effectLst/>
+                              <a:latin typeface="Times New Roman" panose="02020603050405020304" pitchFamily="18" charset="0"/>
+                              <a:ea typeface="Times New Roman" panose="02020603050405020304" pitchFamily="18" charset="0"/>
+                              <a:cs typeface="Times New Roman" panose="02020603050405020304" pitchFamily="18" charset="0"/>
+                            </a:rPr>
+                            <a:t> </a:t>
+                          </a:r>
+                          <a:endParaRPr lang="en-US" sz="1200">
+                            <a:effectLst/>
+                            <a:latin typeface="Times New Roman" panose="02020603050405020304" pitchFamily="18" charset="0"/>
+                            <a:ea typeface="Calibri" panose="020F0502020204030204" pitchFamily="34" charset="0"/>
+                            <a:cs typeface="Times New Roman" panose="02020603050405020304" pitchFamily="18" charset="0"/>
+                          </a:endParaRPr>
+                        </a:p>
+                      </a:txBody>
+                      <a:tcPr marL="68580" marR="68580" marT="0" marB="0">
+                        <a:lnL w="12700" cap="flat" cmpd="sng" algn="ctr">
+                          <a:solidFill>
+                            <a:srgbClr val="FFFFFF"/>
+                          </a:solidFill>
+                          <a:prstDash val="solid"/>
+                          <a:round/>
+                          <a:headEnd type="none" w="med" len="med"/>
+                          <a:tailEnd type="none" w="med" len="med"/>
+                        </a:lnL>
+                        <a:lnR w="12700" cap="flat" cmpd="sng" algn="ctr">
+                          <a:solidFill>
+                            <a:srgbClr val="FFFFFF"/>
+                          </a:solidFill>
+                          <a:prstDash val="solid"/>
+                          <a:round/>
+                          <a:headEnd type="none" w="med" len="med"/>
+                          <a:tailEnd type="none" w="med" len="med"/>
+                        </a:lnR>
+                        <a:lnT>
+                          <a:noFill/>
+                        </a:lnT>
+                        <a:lnB>
+                          <a:noFill/>
+                        </a:lnB>
+                      </a:tcPr>
+                    </a:tc>
+                    <a:tc>
+                      <a:txBody>
+                        <a:bodyPr/>
+                        <a:lstStyle/>
+                        <a:p>
+                          <a:endParaRPr lang="en-US"/>
+                        </a:p>
+                      </a:txBody>
+                      <a:tcPr marL="68580" marR="68580" marT="0" marB="0">
+                        <a:lnL w="12700" cap="flat" cmpd="sng" algn="ctr">
+                          <a:solidFill>
+                            <a:srgbClr val="FFFFFF"/>
+                          </a:solidFill>
+                          <a:prstDash val="solid"/>
+                          <a:round/>
+                          <a:headEnd type="none" w="med" len="med"/>
+                          <a:tailEnd type="none" w="med" len="med"/>
+                        </a:lnL>
+                        <a:lnR w="12700" cap="flat" cmpd="sng" algn="ctr">
+                          <a:solidFill>
+                            <a:srgbClr val="FFFFFF"/>
+                          </a:solidFill>
+                          <a:prstDash val="solid"/>
+                          <a:round/>
+                          <a:headEnd type="none" w="med" len="med"/>
+                          <a:tailEnd type="none" w="med" len="med"/>
+                        </a:lnR>
+                        <a:lnT w="12700" cap="flat" cmpd="sng" algn="ctr">
+                          <a:solidFill>
+                            <a:srgbClr val="000000"/>
+                          </a:solidFill>
+                          <a:prstDash val="solid"/>
+                          <a:round/>
+                          <a:headEnd type="none" w="med" len="med"/>
+                          <a:tailEnd type="none" w="med" len="med"/>
+                        </a:lnT>
+                        <a:lnB w="12700" cap="flat" cmpd="sng" algn="ctr">
+                          <a:solidFill>
+                            <a:srgbClr val="000000"/>
+                          </a:solidFill>
+                          <a:prstDash val="solid"/>
+                          <a:round/>
+                          <a:headEnd type="none" w="med" len="med"/>
+                          <a:tailEnd type="none" w="med" len="med"/>
+                        </a:lnB>
+                        <a:blipFill>
+                          <a:blip r:embed="rId5"/>
+                          <a:stretch>
+                            <a:fillRect l="-11207" t="-225000" r="-51149" b="-443750"/>
+                          </a:stretch>
+                        </a:blipFill>
+                      </a:tcPr>
+                    </a:tc>
+                    <a:tc>
+                      <a:txBody>
+                        <a:bodyPr/>
+                        <a:lstStyle/>
+                        <a:p>
+                          <a:pPr marL="0" marR="0" algn="ctr">
+                            <a:lnSpc>
+                              <a:spcPct val="107000"/>
+                            </a:lnSpc>
+                            <a:spcBef>
+                              <a:spcPts val="0"/>
+                            </a:spcBef>
+                            <a:spcAft>
+                              <a:spcPts val="0"/>
+                            </a:spcAft>
+                          </a:pPr>
+                          <a:r>
+                            <a:rPr lang="en-US" sz="1200">
+                              <a:effectLst/>
+                              <a:latin typeface="Times New Roman" panose="02020603050405020304" pitchFamily="18" charset="0"/>
+                              <a:ea typeface="Times New Roman" panose="02020603050405020304" pitchFamily="18" charset="0"/>
+                              <a:cs typeface="Times New Roman" panose="02020603050405020304" pitchFamily="18" charset="0"/>
+                            </a:rPr>
+                            <a:t>2.0 T</a:t>
+                          </a:r>
+                          <a:endParaRPr lang="en-US" sz="1200">
+                            <a:effectLst/>
+                            <a:latin typeface="Times New Roman" panose="02020603050405020304" pitchFamily="18" charset="0"/>
+                            <a:ea typeface="Calibri" panose="020F0502020204030204" pitchFamily="34" charset="0"/>
+                            <a:cs typeface="Times New Roman" panose="02020603050405020304" pitchFamily="18" charset="0"/>
+                          </a:endParaRPr>
+                        </a:p>
+                      </a:txBody>
+                      <a:tcPr marL="68580" marR="68580" marT="0" marB="0">
+                        <a:lnL w="12700" cap="flat" cmpd="sng" algn="ctr">
+                          <a:solidFill>
+                            <a:srgbClr val="FFFFFF"/>
+                          </a:solidFill>
+                          <a:prstDash val="solid"/>
+                          <a:round/>
+                          <a:headEnd type="none" w="med" len="med"/>
+                          <a:tailEnd type="none" w="med" len="med"/>
+                        </a:lnL>
+                        <a:lnR>
+                          <a:noFill/>
+                        </a:lnR>
+                        <a:lnT w="12700" cap="flat" cmpd="sng" algn="ctr">
+                          <a:solidFill>
+                            <a:srgbClr val="000000"/>
+                          </a:solidFill>
+                          <a:prstDash val="solid"/>
+                          <a:round/>
+                          <a:headEnd type="none" w="med" len="med"/>
+                          <a:tailEnd type="none" w="med" len="med"/>
+                        </a:lnT>
+                        <a:lnB w="12700" cap="flat" cmpd="sng" algn="ctr">
+                          <a:solidFill>
+                            <a:srgbClr val="000000"/>
+                          </a:solidFill>
+                          <a:prstDash val="solid"/>
+                          <a:round/>
+                          <a:headEnd type="none" w="med" len="med"/>
+                          <a:tailEnd type="none" w="med" len="med"/>
+                        </a:lnB>
+                      </a:tcPr>
+                    </a:tc>
+                    <a:tc>
+                      <a:txBody>
+                        <a:bodyPr/>
+                        <a:lstStyle/>
+                        <a:p>
+                          <a:pPr marL="0" marR="0" algn="just">
+                            <a:lnSpc>
+                              <a:spcPct val="107000"/>
+                            </a:lnSpc>
+                            <a:spcBef>
+                              <a:spcPts val="0"/>
+                            </a:spcBef>
+                            <a:spcAft>
+                              <a:spcPts val="0"/>
+                            </a:spcAft>
+                          </a:pPr>
+                          <a:r>
+                            <a:rPr lang="en-US" sz="1200">
+                              <a:effectLst/>
+                              <a:latin typeface="Times New Roman" panose="02020603050405020304" pitchFamily="18" charset="0"/>
+                              <a:ea typeface="Times New Roman" panose="02020603050405020304" pitchFamily="18" charset="0"/>
+                              <a:cs typeface="Times New Roman" panose="02020603050405020304" pitchFamily="18" charset="0"/>
+                            </a:rPr>
+                            <a:t> </a:t>
+                          </a:r>
+                          <a:endParaRPr lang="en-US" sz="1200">
+                            <a:effectLst/>
+                            <a:latin typeface="Times New Roman" panose="02020603050405020304" pitchFamily="18" charset="0"/>
+                            <a:ea typeface="Calibri" panose="020F0502020204030204" pitchFamily="34" charset="0"/>
+                            <a:cs typeface="Times New Roman" panose="02020603050405020304" pitchFamily="18" charset="0"/>
+                          </a:endParaRPr>
+                        </a:p>
+                      </a:txBody>
+                      <a:tcPr marL="68580" marR="68580" marT="0" marB="0">
+                        <a:lnL>
+                          <a:noFill/>
+                        </a:lnL>
+                        <a:lnR>
+                          <a:noFill/>
+                        </a:lnR>
+                        <a:lnT>
+                          <a:noFill/>
+                        </a:lnT>
+                        <a:lnB>
+                          <a:noFill/>
+                        </a:lnB>
+                      </a:tcPr>
+                    </a:tc>
+                    <a:extLst>
+                      <a:ext uri="{0D108BD9-81ED-4DB2-BD59-A6C34878D82A}">
+                        <a16:rowId xmlns:a16="http://schemas.microsoft.com/office/drawing/2014/main" val="2963633609"/>
+                      </a:ext>
+                    </a:extLst>
+                  </a:tr>
+                  <a:tr h="195707">
+                    <a:tc>
+                      <a:txBody>
+                        <a:bodyPr/>
+                        <a:lstStyle/>
+                        <a:p>
+                          <a:pPr marL="0" marR="0" algn="just">
+                            <a:lnSpc>
+                              <a:spcPct val="107000"/>
+                            </a:lnSpc>
+                            <a:spcBef>
+                              <a:spcPts val="0"/>
+                            </a:spcBef>
+                            <a:spcAft>
+                              <a:spcPts val="0"/>
+                            </a:spcAft>
+                          </a:pPr>
+                          <a:r>
+                            <a:rPr lang="en-US" sz="1200">
+                              <a:effectLst/>
+                              <a:latin typeface="Times New Roman" panose="02020603050405020304" pitchFamily="18" charset="0"/>
+                              <a:ea typeface="Times New Roman" panose="02020603050405020304" pitchFamily="18" charset="0"/>
+                              <a:cs typeface="Times New Roman" panose="02020603050405020304" pitchFamily="18" charset="0"/>
+                            </a:rPr>
+                            <a:t> </a:t>
+                          </a:r>
+                          <a:endParaRPr lang="en-US" sz="1200">
+                            <a:effectLst/>
+                            <a:latin typeface="Times New Roman" panose="02020603050405020304" pitchFamily="18" charset="0"/>
+                            <a:ea typeface="Calibri" panose="020F0502020204030204" pitchFamily="34" charset="0"/>
+                            <a:cs typeface="Times New Roman" panose="02020603050405020304" pitchFamily="18" charset="0"/>
+                          </a:endParaRPr>
+                        </a:p>
+                      </a:txBody>
+                      <a:tcPr marL="68580" marR="68580" marT="0" marB="0">
+                        <a:lnL w="12700" cap="flat" cmpd="sng" algn="ctr">
+                          <a:solidFill>
+                            <a:srgbClr val="FFFFFF"/>
+                          </a:solidFill>
+                          <a:prstDash val="solid"/>
+                          <a:round/>
+                          <a:headEnd type="none" w="med" len="med"/>
+                          <a:tailEnd type="none" w="med" len="med"/>
+                        </a:lnL>
+                        <a:lnR w="12700" cap="flat" cmpd="sng" algn="ctr">
+                          <a:solidFill>
+                            <a:srgbClr val="FFFFFF"/>
+                          </a:solidFill>
+                          <a:prstDash val="solid"/>
+                          <a:round/>
+                          <a:headEnd type="none" w="med" len="med"/>
+                          <a:tailEnd type="none" w="med" len="med"/>
+                        </a:lnR>
+                        <a:lnT>
+                          <a:noFill/>
+                        </a:lnT>
+                        <a:lnB>
+                          <a:noFill/>
+                        </a:lnB>
+                      </a:tcPr>
+                    </a:tc>
+                    <a:tc>
+                      <a:txBody>
+                        <a:bodyPr/>
+                        <a:lstStyle/>
+                        <a:p>
+                          <a:endParaRPr lang="en-US"/>
+                        </a:p>
+                      </a:txBody>
+                      <a:tcPr marL="68580" marR="68580" marT="0" marB="0">
+                        <a:lnL w="12700" cap="flat" cmpd="sng" algn="ctr">
+                          <a:solidFill>
+                            <a:srgbClr val="FFFFFF"/>
+                          </a:solidFill>
+                          <a:prstDash val="solid"/>
+                          <a:round/>
+                          <a:headEnd type="none" w="med" len="med"/>
+                          <a:tailEnd type="none" w="med" len="med"/>
+                        </a:lnL>
+                        <a:lnR w="12700" cap="flat" cmpd="sng" algn="ctr">
+                          <a:solidFill>
+                            <a:srgbClr val="FFFFFF"/>
+                          </a:solidFill>
+                          <a:prstDash val="solid"/>
+                          <a:round/>
+                          <a:headEnd type="none" w="med" len="med"/>
+                          <a:tailEnd type="none" w="med" len="med"/>
+                        </a:lnR>
+                        <a:lnT w="12700" cap="flat" cmpd="sng" algn="ctr">
+                          <a:solidFill>
+                            <a:srgbClr val="000000"/>
+                          </a:solidFill>
+                          <a:prstDash val="solid"/>
+                          <a:round/>
+                          <a:headEnd type="none" w="med" len="med"/>
+                          <a:tailEnd type="none" w="med" len="med"/>
+                        </a:lnT>
+                        <a:lnB w="12700" cap="flat" cmpd="sng" algn="ctr">
+                          <a:solidFill>
+                            <a:srgbClr val="000000"/>
+                          </a:solidFill>
+                          <a:prstDash val="solid"/>
+                          <a:round/>
+                          <a:headEnd type="none" w="med" len="med"/>
+                          <a:tailEnd type="none" w="med" len="med"/>
+                        </a:lnB>
+                        <a:blipFill>
+                          <a:blip r:embed="rId5"/>
+                          <a:stretch>
+                            <a:fillRect l="-11207" t="-315152" r="-51149" b="-330303"/>
+                          </a:stretch>
+                        </a:blipFill>
+                      </a:tcPr>
+                    </a:tc>
+                    <a:tc>
+                      <a:txBody>
+                        <a:bodyPr/>
+                        <a:lstStyle/>
+                        <a:p>
+                          <a:pPr marL="0" marR="0" algn="ctr">
+                            <a:lnSpc>
+                              <a:spcPct val="107000"/>
+                            </a:lnSpc>
+                            <a:spcBef>
+                              <a:spcPts val="0"/>
+                            </a:spcBef>
+                            <a:spcAft>
+                              <a:spcPts val="0"/>
+                            </a:spcAft>
+                          </a:pPr>
+                          <a:r>
+                            <a:rPr lang="en-US" sz="1200">
+                              <a:effectLst/>
+                              <a:latin typeface="Times New Roman" panose="02020603050405020304" pitchFamily="18" charset="0"/>
+                              <a:ea typeface="Times New Roman" panose="02020603050405020304" pitchFamily="18" charset="0"/>
+                              <a:cs typeface="Times New Roman" panose="02020603050405020304" pitchFamily="18" charset="0"/>
+                            </a:rPr>
+                            <a:t>1.0 MA</a:t>
+                          </a:r>
+                          <a:endParaRPr lang="en-US" sz="1200">
+                            <a:effectLst/>
+                            <a:latin typeface="Times New Roman" panose="02020603050405020304" pitchFamily="18" charset="0"/>
+                            <a:ea typeface="Calibri" panose="020F0502020204030204" pitchFamily="34" charset="0"/>
+                            <a:cs typeface="Times New Roman" panose="02020603050405020304" pitchFamily="18" charset="0"/>
+                          </a:endParaRPr>
+                        </a:p>
+                      </a:txBody>
+                      <a:tcPr marL="68580" marR="68580" marT="0" marB="0">
+                        <a:lnL w="12700" cap="flat" cmpd="sng" algn="ctr">
+                          <a:solidFill>
+                            <a:srgbClr val="FFFFFF"/>
+                          </a:solidFill>
+                          <a:prstDash val="solid"/>
+                          <a:round/>
+                          <a:headEnd type="none" w="med" len="med"/>
+                          <a:tailEnd type="none" w="med" len="med"/>
+                        </a:lnL>
+                        <a:lnR>
+                          <a:noFill/>
+                        </a:lnR>
+                        <a:lnT w="12700" cap="flat" cmpd="sng" algn="ctr">
+                          <a:solidFill>
+                            <a:srgbClr val="000000"/>
+                          </a:solidFill>
+                          <a:prstDash val="solid"/>
+                          <a:round/>
+                          <a:headEnd type="none" w="med" len="med"/>
+                          <a:tailEnd type="none" w="med" len="med"/>
+                        </a:lnT>
+                        <a:lnB w="12700" cap="flat" cmpd="sng" algn="ctr">
+                          <a:solidFill>
+                            <a:srgbClr val="000000"/>
+                          </a:solidFill>
+                          <a:prstDash val="solid"/>
+                          <a:round/>
+                          <a:headEnd type="none" w="med" len="med"/>
+                          <a:tailEnd type="none" w="med" len="med"/>
+                        </a:lnB>
+                      </a:tcPr>
+                    </a:tc>
+                    <a:tc>
+                      <a:txBody>
+                        <a:bodyPr/>
+                        <a:lstStyle/>
+                        <a:p>
+                          <a:pPr marL="0" marR="0" algn="just">
+                            <a:lnSpc>
+                              <a:spcPct val="107000"/>
+                            </a:lnSpc>
+                            <a:spcBef>
+                              <a:spcPts val="0"/>
+                            </a:spcBef>
+                            <a:spcAft>
+                              <a:spcPts val="0"/>
+                            </a:spcAft>
+                          </a:pPr>
+                          <a:r>
+                            <a:rPr lang="en-US" sz="1200">
+                              <a:effectLst/>
+                              <a:latin typeface="Times New Roman" panose="02020603050405020304" pitchFamily="18" charset="0"/>
+                              <a:ea typeface="Times New Roman" panose="02020603050405020304" pitchFamily="18" charset="0"/>
+                              <a:cs typeface="Times New Roman" panose="02020603050405020304" pitchFamily="18" charset="0"/>
+                            </a:rPr>
+                            <a:t> </a:t>
+                          </a:r>
+                          <a:endParaRPr lang="en-US" sz="1200">
+                            <a:effectLst/>
+                            <a:latin typeface="Times New Roman" panose="02020603050405020304" pitchFamily="18" charset="0"/>
+                            <a:ea typeface="Calibri" panose="020F0502020204030204" pitchFamily="34" charset="0"/>
+                            <a:cs typeface="Times New Roman" panose="02020603050405020304" pitchFamily="18" charset="0"/>
+                          </a:endParaRPr>
+                        </a:p>
+                      </a:txBody>
+                      <a:tcPr marL="68580" marR="68580" marT="0" marB="0">
+                        <a:lnL>
+                          <a:noFill/>
+                        </a:lnL>
+                        <a:lnR>
+                          <a:noFill/>
+                        </a:lnR>
+                        <a:lnT>
+                          <a:noFill/>
+                        </a:lnT>
+                        <a:lnB>
+                          <a:noFill/>
+                        </a:lnB>
+                      </a:tcPr>
+                    </a:tc>
+                    <a:extLst>
+                      <a:ext uri="{0D108BD9-81ED-4DB2-BD59-A6C34878D82A}">
+                        <a16:rowId xmlns:a16="http://schemas.microsoft.com/office/drawing/2014/main" val="2396626741"/>
+                      </a:ext>
+                    </a:extLst>
+                  </a:tr>
+                  <a:tr h="195707">
+                    <a:tc>
+                      <a:txBody>
+                        <a:bodyPr/>
+                        <a:lstStyle/>
+                        <a:p>
+                          <a:pPr marL="0" marR="0" algn="just">
+                            <a:lnSpc>
+                              <a:spcPct val="107000"/>
+                            </a:lnSpc>
+                            <a:spcBef>
+                              <a:spcPts val="0"/>
+                            </a:spcBef>
+                            <a:spcAft>
+                              <a:spcPts val="0"/>
+                            </a:spcAft>
+                          </a:pPr>
+                          <a:r>
+                            <a:rPr lang="en-US" sz="1200">
+                              <a:effectLst/>
+                              <a:latin typeface="Times New Roman" panose="02020603050405020304" pitchFamily="18" charset="0"/>
+                              <a:ea typeface="Times New Roman" panose="02020603050405020304" pitchFamily="18" charset="0"/>
+                              <a:cs typeface="Times New Roman" panose="02020603050405020304" pitchFamily="18" charset="0"/>
+                            </a:rPr>
+                            <a:t> </a:t>
+                          </a:r>
+                          <a:endParaRPr lang="en-US" sz="1200">
+                            <a:effectLst/>
+                            <a:latin typeface="Times New Roman" panose="02020603050405020304" pitchFamily="18" charset="0"/>
+                            <a:ea typeface="Calibri" panose="020F0502020204030204" pitchFamily="34" charset="0"/>
+                            <a:cs typeface="Times New Roman" panose="02020603050405020304" pitchFamily="18" charset="0"/>
+                          </a:endParaRPr>
+                        </a:p>
+                      </a:txBody>
+                      <a:tcPr marL="68580" marR="68580" marT="0" marB="0">
+                        <a:lnL w="12700" cap="flat" cmpd="sng" algn="ctr">
+                          <a:solidFill>
+                            <a:srgbClr val="FFFFFF"/>
+                          </a:solidFill>
+                          <a:prstDash val="solid"/>
+                          <a:round/>
+                          <a:headEnd type="none" w="med" len="med"/>
+                          <a:tailEnd type="none" w="med" len="med"/>
+                        </a:lnL>
+                        <a:lnR w="12700" cap="flat" cmpd="sng" algn="ctr">
+                          <a:solidFill>
+                            <a:srgbClr val="FFFFFF"/>
+                          </a:solidFill>
+                          <a:prstDash val="solid"/>
+                          <a:round/>
+                          <a:headEnd type="none" w="med" len="med"/>
+                          <a:tailEnd type="none" w="med" len="med"/>
+                        </a:lnR>
+                        <a:lnT>
+                          <a:noFill/>
+                        </a:lnT>
+                        <a:lnB>
+                          <a:noFill/>
+                        </a:lnB>
+                      </a:tcPr>
+                    </a:tc>
+                    <a:tc>
+                      <a:txBody>
+                        <a:bodyPr/>
+                        <a:lstStyle/>
+                        <a:p>
+                          <a:endParaRPr lang="en-US"/>
+                        </a:p>
+                      </a:txBody>
+                      <a:tcPr marL="68580" marR="68580" marT="0" marB="0">
+                        <a:lnL w="12700" cap="flat" cmpd="sng" algn="ctr">
+                          <a:solidFill>
+                            <a:srgbClr val="FFFFFF"/>
+                          </a:solidFill>
+                          <a:prstDash val="solid"/>
+                          <a:round/>
+                          <a:headEnd type="none" w="med" len="med"/>
+                          <a:tailEnd type="none" w="med" len="med"/>
+                        </a:lnL>
+                        <a:lnR w="12700" cap="flat" cmpd="sng" algn="ctr">
+                          <a:solidFill>
+                            <a:srgbClr val="FFFFFF"/>
+                          </a:solidFill>
+                          <a:prstDash val="solid"/>
+                          <a:round/>
+                          <a:headEnd type="none" w="med" len="med"/>
+                          <a:tailEnd type="none" w="med" len="med"/>
+                        </a:lnR>
+                        <a:lnT w="12700" cap="flat" cmpd="sng" algn="ctr">
+                          <a:solidFill>
+                            <a:srgbClr val="000000"/>
+                          </a:solidFill>
+                          <a:prstDash val="solid"/>
+                          <a:round/>
+                          <a:headEnd type="none" w="med" len="med"/>
+                          <a:tailEnd type="none" w="med" len="med"/>
+                        </a:lnT>
+                        <a:lnB w="12700" cap="flat" cmpd="sng" algn="ctr">
+                          <a:solidFill>
+                            <a:srgbClr val="000000"/>
+                          </a:solidFill>
+                          <a:prstDash val="solid"/>
+                          <a:round/>
+                          <a:headEnd type="none" w="med" len="med"/>
+                          <a:tailEnd type="none" w="med" len="med"/>
+                        </a:lnB>
+                        <a:blipFill>
+                          <a:blip r:embed="rId5"/>
+                          <a:stretch>
+                            <a:fillRect l="-11207" t="-428125" r="-51149" b="-240625"/>
+                          </a:stretch>
+                        </a:blipFill>
+                      </a:tcPr>
+                    </a:tc>
+                    <a:tc>
+                      <a:txBody>
+                        <a:bodyPr/>
+                        <a:lstStyle/>
+                        <a:p>
+                          <a:pPr marL="0" marR="0" algn="ctr">
+                            <a:lnSpc>
+                              <a:spcPct val="107000"/>
+                            </a:lnSpc>
+                            <a:spcBef>
+                              <a:spcPts val="0"/>
+                            </a:spcBef>
+                            <a:spcAft>
+                              <a:spcPts val="0"/>
+                            </a:spcAft>
+                          </a:pPr>
+                          <a:r>
+                            <a:rPr lang="en-US" sz="1200">
+                              <a:effectLst/>
+                              <a:latin typeface="Times New Roman" panose="02020603050405020304" pitchFamily="18" charset="0"/>
+                              <a:ea typeface="Times New Roman" panose="02020603050405020304" pitchFamily="18" charset="0"/>
+                              <a:cs typeface="Times New Roman" panose="02020603050405020304" pitchFamily="18" charset="0"/>
+                            </a:rPr>
+                            <a:t>10</a:t>
+                          </a:r>
+                          <a:r>
+                            <a:rPr lang="en-US" sz="1200" baseline="30000">
+                              <a:effectLst/>
+                              <a:latin typeface="Times New Roman" panose="02020603050405020304" pitchFamily="18" charset="0"/>
+                              <a:ea typeface="Times New Roman" panose="02020603050405020304" pitchFamily="18" charset="0"/>
+                              <a:cs typeface="Times New Roman" panose="02020603050405020304" pitchFamily="18" charset="0"/>
+                            </a:rPr>
+                            <a:t>20</a:t>
+                          </a:r>
+                          <a:r>
+                            <a:rPr lang="en-US" sz="1200">
+                              <a:effectLst/>
+                              <a:latin typeface="Times New Roman" panose="02020603050405020304" pitchFamily="18" charset="0"/>
+                              <a:ea typeface="Times New Roman" panose="02020603050405020304" pitchFamily="18" charset="0"/>
+                              <a:cs typeface="Times New Roman" panose="02020603050405020304" pitchFamily="18" charset="0"/>
+                            </a:rPr>
+                            <a:t> m</a:t>
+                          </a:r>
+                          <a:r>
+                            <a:rPr lang="en-US" sz="1200" baseline="30000">
+                              <a:effectLst/>
+                              <a:latin typeface="Times New Roman" panose="02020603050405020304" pitchFamily="18" charset="0"/>
+                              <a:ea typeface="Times New Roman" panose="02020603050405020304" pitchFamily="18" charset="0"/>
+                              <a:cs typeface="Times New Roman" panose="02020603050405020304" pitchFamily="18" charset="0"/>
+                            </a:rPr>
+                            <a:t>-3</a:t>
+                          </a:r>
+                          <a:endParaRPr lang="en-US" sz="1200">
+                            <a:effectLst/>
+                            <a:latin typeface="Times New Roman" panose="02020603050405020304" pitchFamily="18" charset="0"/>
+                            <a:ea typeface="Calibri" panose="020F0502020204030204" pitchFamily="34" charset="0"/>
+                            <a:cs typeface="Times New Roman" panose="02020603050405020304" pitchFamily="18" charset="0"/>
+                          </a:endParaRPr>
+                        </a:p>
+                      </a:txBody>
+                      <a:tcPr marL="68580" marR="68580" marT="0" marB="0">
+                        <a:lnL w="12700" cap="flat" cmpd="sng" algn="ctr">
+                          <a:solidFill>
+                            <a:srgbClr val="FFFFFF"/>
+                          </a:solidFill>
+                          <a:prstDash val="solid"/>
+                          <a:round/>
+                          <a:headEnd type="none" w="med" len="med"/>
+                          <a:tailEnd type="none" w="med" len="med"/>
+                        </a:lnL>
+                        <a:lnR>
+                          <a:noFill/>
+                        </a:lnR>
+                        <a:lnT w="12700" cap="flat" cmpd="sng" algn="ctr">
+                          <a:solidFill>
+                            <a:srgbClr val="000000"/>
+                          </a:solidFill>
+                          <a:prstDash val="solid"/>
+                          <a:round/>
+                          <a:headEnd type="none" w="med" len="med"/>
+                          <a:tailEnd type="none" w="med" len="med"/>
+                        </a:lnT>
+                        <a:lnB w="12700" cap="flat" cmpd="sng" algn="ctr">
+                          <a:solidFill>
+                            <a:srgbClr val="000000"/>
+                          </a:solidFill>
+                          <a:prstDash val="solid"/>
+                          <a:round/>
+                          <a:headEnd type="none" w="med" len="med"/>
+                          <a:tailEnd type="none" w="med" len="med"/>
+                        </a:lnB>
+                      </a:tcPr>
+                    </a:tc>
+                    <a:tc>
+                      <a:txBody>
+                        <a:bodyPr/>
+                        <a:lstStyle/>
+                        <a:p>
+                          <a:pPr marL="0" marR="0" algn="just">
+                            <a:lnSpc>
+                              <a:spcPct val="107000"/>
+                            </a:lnSpc>
+                            <a:spcBef>
+                              <a:spcPts val="0"/>
+                            </a:spcBef>
+                            <a:spcAft>
+                              <a:spcPts val="0"/>
+                            </a:spcAft>
+                          </a:pPr>
+                          <a:r>
+                            <a:rPr lang="en-US" sz="1200">
+                              <a:effectLst/>
+                              <a:latin typeface="Times New Roman" panose="02020603050405020304" pitchFamily="18" charset="0"/>
+                              <a:ea typeface="Times New Roman" panose="02020603050405020304" pitchFamily="18" charset="0"/>
+                              <a:cs typeface="Times New Roman" panose="02020603050405020304" pitchFamily="18" charset="0"/>
+                            </a:rPr>
+                            <a:t> </a:t>
+                          </a:r>
+                          <a:endParaRPr lang="en-US" sz="1200">
+                            <a:effectLst/>
+                            <a:latin typeface="Times New Roman" panose="02020603050405020304" pitchFamily="18" charset="0"/>
+                            <a:ea typeface="Calibri" panose="020F0502020204030204" pitchFamily="34" charset="0"/>
+                            <a:cs typeface="Times New Roman" panose="02020603050405020304" pitchFamily="18" charset="0"/>
+                          </a:endParaRPr>
+                        </a:p>
+                      </a:txBody>
+                      <a:tcPr marL="68580" marR="68580" marT="0" marB="0">
+                        <a:lnL>
+                          <a:noFill/>
+                        </a:lnL>
+                        <a:lnR>
+                          <a:noFill/>
+                        </a:lnR>
+                        <a:lnT>
+                          <a:noFill/>
+                        </a:lnT>
+                        <a:lnB>
+                          <a:noFill/>
+                        </a:lnB>
+                      </a:tcPr>
+                    </a:tc>
+                    <a:extLst>
+                      <a:ext uri="{0D108BD9-81ED-4DB2-BD59-A6C34878D82A}">
+                        <a16:rowId xmlns:a16="http://schemas.microsoft.com/office/drawing/2014/main" val="932153696"/>
+                      </a:ext>
+                    </a:extLst>
+                  </a:tr>
+                  <a:tr h="195707">
+                    <a:tc>
+                      <a:txBody>
+                        <a:bodyPr/>
+                        <a:lstStyle/>
+                        <a:p>
+                          <a:pPr marL="0" marR="0" algn="just">
+                            <a:lnSpc>
+                              <a:spcPct val="107000"/>
+                            </a:lnSpc>
+                            <a:spcBef>
+                              <a:spcPts val="0"/>
+                            </a:spcBef>
+                            <a:spcAft>
+                              <a:spcPts val="0"/>
+                            </a:spcAft>
+                          </a:pPr>
+                          <a:r>
+                            <a:rPr lang="en-US" sz="1200">
+                              <a:effectLst/>
+                              <a:latin typeface="Times New Roman" panose="02020603050405020304" pitchFamily="18" charset="0"/>
+                              <a:ea typeface="Times New Roman" panose="02020603050405020304" pitchFamily="18" charset="0"/>
+                              <a:cs typeface="Times New Roman" panose="02020603050405020304" pitchFamily="18" charset="0"/>
+                            </a:rPr>
+                            <a:t> </a:t>
+                          </a:r>
+                          <a:endParaRPr lang="en-US" sz="1200">
+                            <a:effectLst/>
+                            <a:latin typeface="Times New Roman" panose="02020603050405020304" pitchFamily="18" charset="0"/>
+                            <a:ea typeface="Calibri" panose="020F0502020204030204" pitchFamily="34" charset="0"/>
+                            <a:cs typeface="Times New Roman" panose="02020603050405020304" pitchFamily="18" charset="0"/>
+                          </a:endParaRPr>
+                        </a:p>
+                      </a:txBody>
+                      <a:tcPr marL="68580" marR="68580" marT="0" marB="0">
+                        <a:lnL w="12700" cap="flat" cmpd="sng" algn="ctr">
+                          <a:solidFill>
+                            <a:srgbClr val="FFFFFF"/>
+                          </a:solidFill>
+                          <a:prstDash val="solid"/>
+                          <a:round/>
+                          <a:headEnd type="none" w="med" len="med"/>
+                          <a:tailEnd type="none" w="med" len="med"/>
+                        </a:lnL>
+                        <a:lnR w="12700" cap="flat" cmpd="sng" algn="ctr">
+                          <a:solidFill>
+                            <a:srgbClr val="FFFFFF"/>
+                          </a:solidFill>
+                          <a:prstDash val="solid"/>
+                          <a:round/>
+                          <a:headEnd type="none" w="med" len="med"/>
+                          <a:tailEnd type="none" w="med" len="med"/>
+                        </a:lnR>
+                        <a:lnT>
+                          <a:noFill/>
+                        </a:lnT>
+                        <a:lnB>
+                          <a:noFill/>
+                        </a:lnB>
+                      </a:tcPr>
+                    </a:tc>
+                    <a:tc>
+                      <a:txBody>
+                        <a:bodyPr/>
+                        <a:lstStyle/>
+                        <a:p>
+                          <a:endParaRPr lang="en-US"/>
+                        </a:p>
+                      </a:txBody>
+                      <a:tcPr marL="68580" marR="68580" marT="0" marB="0">
+                        <a:lnL w="12700" cap="flat" cmpd="sng" algn="ctr">
+                          <a:solidFill>
+                            <a:srgbClr val="FFFFFF"/>
+                          </a:solidFill>
+                          <a:prstDash val="solid"/>
+                          <a:round/>
+                          <a:headEnd type="none" w="med" len="med"/>
+                          <a:tailEnd type="none" w="med" len="med"/>
+                        </a:lnL>
+                        <a:lnR w="12700" cap="flat" cmpd="sng" algn="ctr">
+                          <a:solidFill>
+                            <a:srgbClr val="FFFFFF"/>
+                          </a:solidFill>
+                          <a:prstDash val="solid"/>
+                          <a:round/>
+                          <a:headEnd type="none" w="med" len="med"/>
+                          <a:tailEnd type="none" w="med" len="med"/>
+                        </a:lnR>
+                        <a:lnT w="12700" cap="flat" cmpd="sng" algn="ctr">
+                          <a:solidFill>
+                            <a:srgbClr val="000000"/>
+                          </a:solidFill>
+                          <a:prstDash val="solid"/>
+                          <a:round/>
+                          <a:headEnd type="none" w="med" len="med"/>
+                          <a:tailEnd type="none" w="med" len="med"/>
+                        </a:lnT>
+                        <a:lnB w="12700" cap="flat" cmpd="sng" algn="ctr">
+                          <a:solidFill>
+                            <a:srgbClr val="000000"/>
+                          </a:solidFill>
+                          <a:prstDash val="solid"/>
+                          <a:round/>
+                          <a:headEnd type="none" w="med" len="med"/>
+                          <a:tailEnd type="none" w="med" len="med"/>
+                        </a:lnB>
+                        <a:blipFill>
+                          <a:blip r:embed="rId5"/>
+                          <a:stretch>
+                            <a:fillRect l="-11207" t="-528125" r="-51149" b="-140625"/>
+                          </a:stretch>
+                        </a:blipFill>
+                      </a:tcPr>
+                    </a:tc>
+                    <a:tc>
+                      <a:txBody>
+                        <a:bodyPr/>
+                        <a:lstStyle/>
+                        <a:p>
+                          <a:pPr marL="0" marR="0" algn="ctr">
+                            <a:lnSpc>
+                              <a:spcPct val="107000"/>
+                            </a:lnSpc>
+                            <a:spcBef>
+                              <a:spcPts val="0"/>
+                            </a:spcBef>
+                            <a:spcAft>
+                              <a:spcPts val="0"/>
+                            </a:spcAft>
+                          </a:pPr>
+                          <a:r>
+                            <a:rPr lang="en-US" sz="1200">
+                              <a:effectLst/>
+                              <a:latin typeface="Times New Roman" panose="02020603050405020304" pitchFamily="18" charset="0"/>
+                              <a:ea typeface="Times New Roman" panose="02020603050405020304" pitchFamily="18" charset="0"/>
+                              <a:cs typeface="Times New Roman" panose="02020603050405020304" pitchFamily="18" charset="0"/>
+                            </a:rPr>
+                            <a:t>2 keV</a:t>
+                          </a:r>
+                          <a:endParaRPr lang="en-US" sz="1200">
+                            <a:effectLst/>
+                            <a:latin typeface="Times New Roman" panose="02020603050405020304" pitchFamily="18" charset="0"/>
+                            <a:ea typeface="Calibri" panose="020F0502020204030204" pitchFamily="34" charset="0"/>
+                            <a:cs typeface="Times New Roman" panose="02020603050405020304" pitchFamily="18" charset="0"/>
+                          </a:endParaRPr>
+                        </a:p>
+                      </a:txBody>
+                      <a:tcPr marL="68580" marR="68580" marT="0" marB="0">
+                        <a:lnL w="12700" cap="flat" cmpd="sng" algn="ctr">
+                          <a:solidFill>
+                            <a:srgbClr val="FFFFFF"/>
+                          </a:solidFill>
+                          <a:prstDash val="solid"/>
+                          <a:round/>
+                          <a:headEnd type="none" w="med" len="med"/>
+                          <a:tailEnd type="none" w="med" len="med"/>
+                        </a:lnL>
+                        <a:lnR>
+                          <a:noFill/>
+                        </a:lnR>
+                        <a:lnT w="12700" cap="flat" cmpd="sng" algn="ctr">
+                          <a:solidFill>
+                            <a:srgbClr val="000000"/>
+                          </a:solidFill>
+                          <a:prstDash val="solid"/>
+                          <a:round/>
+                          <a:headEnd type="none" w="med" len="med"/>
+                          <a:tailEnd type="none" w="med" len="med"/>
+                        </a:lnT>
+                        <a:lnB w="12700" cap="flat" cmpd="sng" algn="ctr">
+                          <a:solidFill>
+                            <a:srgbClr val="000000"/>
+                          </a:solidFill>
+                          <a:prstDash val="solid"/>
+                          <a:round/>
+                          <a:headEnd type="none" w="med" len="med"/>
+                          <a:tailEnd type="none" w="med" len="med"/>
+                        </a:lnB>
+                      </a:tcPr>
+                    </a:tc>
+                    <a:tc>
+                      <a:txBody>
+                        <a:bodyPr/>
+                        <a:lstStyle/>
+                        <a:p>
+                          <a:pPr marL="0" marR="0" algn="just">
+                            <a:lnSpc>
+                              <a:spcPct val="107000"/>
+                            </a:lnSpc>
+                            <a:spcBef>
+                              <a:spcPts val="0"/>
+                            </a:spcBef>
+                            <a:spcAft>
+                              <a:spcPts val="0"/>
+                            </a:spcAft>
+                          </a:pPr>
+                          <a:r>
+                            <a:rPr lang="en-US" sz="1200">
+                              <a:effectLst/>
+                              <a:latin typeface="Times New Roman" panose="02020603050405020304" pitchFamily="18" charset="0"/>
+                              <a:ea typeface="Times New Roman" panose="02020603050405020304" pitchFamily="18" charset="0"/>
+                              <a:cs typeface="Times New Roman" panose="02020603050405020304" pitchFamily="18" charset="0"/>
+                            </a:rPr>
+                            <a:t> </a:t>
+                          </a:r>
+                          <a:endParaRPr lang="en-US" sz="1200">
+                            <a:effectLst/>
+                            <a:latin typeface="Times New Roman" panose="02020603050405020304" pitchFamily="18" charset="0"/>
+                            <a:ea typeface="Calibri" panose="020F0502020204030204" pitchFamily="34" charset="0"/>
+                            <a:cs typeface="Times New Roman" panose="02020603050405020304" pitchFamily="18" charset="0"/>
+                          </a:endParaRPr>
+                        </a:p>
+                      </a:txBody>
+                      <a:tcPr marL="68580" marR="68580" marT="0" marB="0">
+                        <a:lnL>
+                          <a:noFill/>
+                        </a:lnL>
+                        <a:lnR>
+                          <a:noFill/>
+                        </a:lnR>
+                        <a:lnT>
+                          <a:noFill/>
+                        </a:lnT>
+                        <a:lnB>
+                          <a:noFill/>
+                        </a:lnB>
+                      </a:tcPr>
+                    </a:tc>
+                    <a:extLst>
+                      <a:ext uri="{0D108BD9-81ED-4DB2-BD59-A6C34878D82A}">
+                        <a16:rowId xmlns:a16="http://schemas.microsoft.com/office/drawing/2014/main" val="2519869280"/>
+                      </a:ext>
+                    </a:extLst>
+                  </a:tr>
+                  <a:tr h="195707">
+                    <a:tc>
+                      <a:txBody>
+                        <a:bodyPr/>
+                        <a:lstStyle/>
+                        <a:p>
+                          <a:pPr marL="0" marR="0" algn="just">
+                            <a:lnSpc>
+                              <a:spcPct val="107000"/>
+                            </a:lnSpc>
+                            <a:spcBef>
+                              <a:spcPts val="0"/>
+                            </a:spcBef>
+                            <a:spcAft>
+                              <a:spcPts val="0"/>
+                            </a:spcAft>
+                          </a:pPr>
+                          <a:r>
+                            <a:rPr lang="en-US" sz="1200">
+                              <a:effectLst/>
+                              <a:latin typeface="Times New Roman" panose="02020603050405020304" pitchFamily="18" charset="0"/>
+                              <a:ea typeface="Times New Roman" panose="02020603050405020304" pitchFamily="18" charset="0"/>
+                              <a:cs typeface="Times New Roman" panose="02020603050405020304" pitchFamily="18" charset="0"/>
+                            </a:rPr>
+                            <a:t> </a:t>
+                          </a:r>
+                          <a:endParaRPr lang="en-US" sz="1200">
+                            <a:effectLst/>
+                            <a:latin typeface="Times New Roman" panose="02020603050405020304" pitchFamily="18" charset="0"/>
+                            <a:ea typeface="Calibri" panose="020F0502020204030204" pitchFamily="34" charset="0"/>
+                            <a:cs typeface="Times New Roman" panose="02020603050405020304" pitchFamily="18" charset="0"/>
+                          </a:endParaRPr>
+                        </a:p>
+                      </a:txBody>
+                      <a:tcPr marL="68580" marR="68580" marT="0" marB="0">
+                        <a:lnL w="12700" cap="flat" cmpd="sng" algn="ctr">
+                          <a:solidFill>
+                            <a:srgbClr val="FFFFFF"/>
+                          </a:solidFill>
+                          <a:prstDash val="solid"/>
+                          <a:round/>
+                          <a:headEnd type="none" w="med" len="med"/>
+                          <a:tailEnd type="none" w="med" len="med"/>
+                        </a:lnL>
+                        <a:lnR w="12700" cap="flat" cmpd="sng" algn="ctr">
+                          <a:solidFill>
+                            <a:srgbClr val="FFFFFF"/>
+                          </a:solidFill>
+                          <a:prstDash val="solid"/>
+                          <a:round/>
+                          <a:headEnd type="none" w="med" len="med"/>
+                          <a:tailEnd type="none" w="med" len="med"/>
+                        </a:lnR>
+                        <a:lnT>
+                          <a:noFill/>
+                        </a:lnT>
+                        <a:lnB w="19050" cap="flat" cmpd="sng" algn="ctr">
+                          <a:solidFill>
+                            <a:srgbClr val="000000"/>
+                          </a:solidFill>
+                          <a:prstDash val="solid"/>
+                          <a:round/>
+                          <a:headEnd type="none" w="med" len="med"/>
+                          <a:tailEnd type="none" w="med" len="med"/>
+                        </a:lnB>
+                      </a:tcPr>
+                    </a:tc>
+                    <a:tc>
+                      <a:txBody>
+                        <a:bodyPr/>
+                        <a:lstStyle/>
+                        <a:p>
+                          <a:endParaRPr lang="en-US"/>
+                        </a:p>
+                      </a:txBody>
+                      <a:tcPr marL="68580" marR="68580" marT="0" marB="0">
+                        <a:lnL w="12700" cap="flat" cmpd="sng" algn="ctr">
+                          <a:solidFill>
+                            <a:srgbClr val="FFFFFF"/>
+                          </a:solidFill>
+                          <a:prstDash val="solid"/>
+                          <a:round/>
+                          <a:headEnd type="none" w="med" len="med"/>
+                          <a:tailEnd type="none" w="med" len="med"/>
+                        </a:lnL>
+                        <a:lnR w="12700" cap="flat" cmpd="sng" algn="ctr">
+                          <a:solidFill>
+                            <a:srgbClr val="FFFFFF"/>
+                          </a:solidFill>
+                          <a:prstDash val="solid"/>
+                          <a:round/>
+                          <a:headEnd type="none" w="med" len="med"/>
+                          <a:tailEnd type="none" w="med" len="med"/>
+                        </a:lnR>
+                        <a:lnT w="12700" cap="flat" cmpd="sng" algn="ctr">
+                          <a:solidFill>
+                            <a:srgbClr val="000000"/>
+                          </a:solidFill>
+                          <a:prstDash val="solid"/>
+                          <a:round/>
+                          <a:headEnd type="none" w="med" len="med"/>
+                          <a:tailEnd type="none" w="med" len="med"/>
+                        </a:lnT>
+                        <a:lnB w="19050" cap="flat" cmpd="sng" algn="ctr">
+                          <a:solidFill>
+                            <a:srgbClr val="000000"/>
+                          </a:solidFill>
+                          <a:prstDash val="solid"/>
+                          <a:round/>
+                          <a:headEnd type="none" w="med" len="med"/>
+                          <a:tailEnd type="none" w="med" len="med"/>
+                        </a:lnB>
+                        <a:blipFill>
+                          <a:blip r:embed="rId5"/>
+                          <a:stretch>
+                            <a:fillRect l="-11207" t="-628125" r="-51149" b="-40625"/>
+                          </a:stretch>
+                        </a:blipFill>
+                      </a:tcPr>
+                    </a:tc>
+                    <a:tc>
+                      <a:txBody>
+                        <a:bodyPr/>
+                        <a:lstStyle/>
+                        <a:p>
+                          <a:pPr marL="0" marR="0" algn="ctr">
+                            <a:lnSpc>
+                              <a:spcPct val="107000"/>
+                            </a:lnSpc>
+                            <a:spcBef>
+                              <a:spcPts val="0"/>
+                            </a:spcBef>
+                            <a:spcAft>
+                              <a:spcPts val="0"/>
+                            </a:spcAft>
+                          </a:pPr>
+                          <a:r>
+                            <a:rPr lang="en-US" sz="1200">
+                              <a:effectLst/>
+                              <a:latin typeface="Times New Roman" panose="02020603050405020304" pitchFamily="18" charset="0"/>
+                              <a:ea typeface="Times New Roman" panose="02020603050405020304" pitchFamily="18" charset="0"/>
+                              <a:cs typeface="Times New Roman" panose="02020603050405020304" pitchFamily="18" charset="0"/>
+                            </a:rPr>
+                            <a:t>10</a:t>
+                          </a:r>
+                          <a:r>
+                            <a:rPr lang="en-US" sz="1200" baseline="30000">
+                              <a:effectLst/>
+                              <a:latin typeface="Times New Roman" panose="02020603050405020304" pitchFamily="18" charset="0"/>
+                              <a:ea typeface="Times New Roman" panose="02020603050405020304" pitchFamily="18" charset="0"/>
+                              <a:cs typeface="Times New Roman" panose="02020603050405020304" pitchFamily="18" charset="0"/>
+                            </a:rPr>
+                            <a:t>-4 </a:t>
+                          </a:r>
+                          <a:r>
+                            <a:rPr lang="en-US" sz="1200">
+                              <a:effectLst/>
+                              <a:latin typeface="Times New Roman" panose="02020603050405020304" pitchFamily="18" charset="0"/>
+                              <a:ea typeface="Times New Roman" panose="02020603050405020304" pitchFamily="18" charset="0"/>
+                              <a:cs typeface="Times New Roman" panose="02020603050405020304" pitchFamily="18" charset="0"/>
+                            </a:rPr>
+                            <a:t>m</a:t>
+                          </a:r>
+                          <a:endParaRPr lang="en-US" sz="1200">
+                            <a:effectLst/>
+                            <a:latin typeface="Times New Roman" panose="02020603050405020304" pitchFamily="18" charset="0"/>
+                            <a:ea typeface="Calibri" panose="020F0502020204030204" pitchFamily="34" charset="0"/>
+                            <a:cs typeface="Times New Roman" panose="02020603050405020304" pitchFamily="18" charset="0"/>
+                          </a:endParaRPr>
+                        </a:p>
+                      </a:txBody>
+                      <a:tcPr marL="68580" marR="68580" marT="0" marB="0">
+                        <a:lnL w="12700" cap="flat" cmpd="sng" algn="ctr">
+                          <a:solidFill>
+                            <a:srgbClr val="FFFFFF"/>
+                          </a:solidFill>
+                          <a:prstDash val="solid"/>
+                          <a:round/>
+                          <a:headEnd type="none" w="med" len="med"/>
+                          <a:tailEnd type="none" w="med" len="med"/>
+                        </a:lnL>
+                        <a:lnR>
+                          <a:noFill/>
+                        </a:lnR>
+                        <a:lnT w="12700" cap="flat" cmpd="sng" algn="ctr">
+                          <a:solidFill>
+                            <a:srgbClr val="000000"/>
+                          </a:solidFill>
+                          <a:prstDash val="solid"/>
+                          <a:round/>
+                          <a:headEnd type="none" w="med" len="med"/>
+                          <a:tailEnd type="none" w="med" len="med"/>
+                        </a:lnT>
+                        <a:lnB w="19050" cap="flat" cmpd="sng" algn="ctr">
+                          <a:solidFill>
+                            <a:srgbClr val="000000"/>
+                          </a:solidFill>
+                          <a:prstDash val="solid"/>
+                          <a:round/>
+                          <a:headEnd type="none" w="med" len="med"/>
+                          <a:tailEnd type="none" w="med" len="med"/>
+                        </a:lnB>
+                      </a:tcPr>
+                    </a:tc>
+                    <a:tc>
+                      <a:txBody>
+                        <a:bodyPr/>
+                        <a:lstStyle/>
+                        <a:p>
+                          <a:pPr marL="0" marR="0" algn="just">
+                            <a:lnSpc>
+                              <a:spcPct val="107000"/>
+                            </a:lnSpc>
+                            <a:spcBef>
+                              <a:spcPts val="0"/>
+                            </a:spcBef>
+                            <a:spcAft>
+                              <a:spcPts val="0"/>
+                            </a:spcAft>
+                          </a:pPr>
+                          <a:r>
+                            <a:rPr lang="en-US" sz="1200" dirty="0">
+                              <a:effectLst/>
+                              <a:latin typeface="Times New Roman" panose="02020603050405020304" pitchFamily="18" charset="0"/>
+                              <a:ea typeface="Times New Roman" panose="02020603050405020304" pitchFamily="18" charset="0"/>
+                              <a:cs typeface="Times New Roman" panose="02020603050405020304" pitchFamily="18" charset="0"/>
+                            </a:rPr>
+                            <a:t> </a:t>
+                          </a:r>
+                          <a:endParaRPr lang="en-US" sz="1200" dirty="0">
+                            <a:effectLst/>
+                            <a:latin typeface="Times New Roman" panose="02020603050405020304" pitchFamily="18" charset="0"/>
+                            <a:ea typeface="Calibri" panose="020F0502020204030204" pitchFamily="34" charset="0"/>
+                            <a:cs typeface="Times New Roman" panose="02020603050405020304" pitchFamily="18" charset="0"/>
+                          </a:endParaRPr>
+                        </a:p>
+                      </a:txBody>
+                      <a:tcPr marL="68580" marR="68580" marT="0" marB="0">
+                        <a:lnL>
+                          <a:noFill/>
+                        </a:lnL>
+                        <a:lnR>
+                          <a:noFill/>
+                        </a:lnR>
+                        <a:lnT>
+                          <a:noFill/>
+                        </a:lnT>
+                        <a:lnB w="19050" cap="flat" cmpd="sng" algn="ctr">
+                          <a:solidFill>
+                            <a:srgbClr val="000000"/>
+                          </a:solidFill>
+                          <a:prstDash val="solid"/>
+                          <a:round/>
+                          <a:headEnd type="none" w="med" len="med"/>
+                          <a:tailEnd type="none" w="med" len="med"/>
+                        </a:lnB>
+                      </a:tcPr>
+                    </a:tc>
+                    <a:extLst>
+                      <a:ext uri="{0D108BD9-81ED-4DB2-BD59-A6C34878D82A}">
+                        <a16:rowId xmlns:a16="http://schemas.microsoft.com/office/drawing/2014/main" val="335512962"/>
+                      </a:ext>
+                    </a:extLst>
+                  </a:tr>
+                </a:tbl>
+              </a:graphicData>
+            </a:graphic>
+          </p:graphicFrame>
+        </mc:Fallback>
+      </mc:AlternateContent>
+      <p:grpSp>
+        <p:nvGrpSpPr>
+          <p:cNvPr id="27" name="Group 26"/>
+          <p:cNvGrpSpPr/>
+          <p:nvPr/>
+        </p:nvGrpSpPr>
+        <p:grpSpPr>
+          <a:xfrm>
+            <a:off x="5657713" y="2731284"/>
+            <a:ext cx="3152332" cy="2684331"/>
+            <a:chOff x="5657713" y="2731284"/>
+            <a:chExt cx="3152332" cy="2684331"/>
+          </a:xfrm>
+        </p:grpSpPr>
+        <p:grpSp>
+          <p:nvGrpSpPr>
+            <p:cNvPr id="19" name="Group 18"/>
+            <p:cNvGrpSpPr/>
+            <p:nvPr/>
+          </p:nvGrpSpPr>
+          <p:grpSpPr>
+            <a:xfrm>
+              <a:off x="5657713" y="2731284"/>
+              <a:ext cx="3114457" cy="2684331"/>
+              <a:chOff x="5616255" y="2020084"/>
+              <a:chExt cx="3114457" cy="2684331"/>
+            </a:xfrm>
+          </p:grpSpPr>
+          <p:pic>
+            <p:nvPicPr>
+              <p:cNvPr id="20" name="Picture 19"/>
+              <p:cNvPicPr>
+                <a:picLocks noChangeAspect="1"/>
+              </p:cNvPicPr>
+              <p:nvPr/>
+            </p:nvPicPr>
+            <p:blipFill>
+              <a:blip r:embed="rId6"/>
+              <a:stretch>
+                <a:fillRect/>
+              </a:stretch>
+            </p:blipFill>
+            <p:spPr>
+              <a:xfrm>
+                <a:off x="5616256" y="2020084"/>
+                <a:ext cx="3114456" cy="2130334"/>
+              </a:xfrm>
+              <a:prstGeom prst="rect">
+                <a:avLst/>
+              </a:prstGeom>
+            </p:spPr>
+          </p:pic>
+          <p:sp>
+            <p:nvSpPr>
+              <p:cNvPr id="21" name="TextBox 20"/>
+              <p:cNvSpPr txBox="1"/>
+              <p:nvPr/>
+            </p:nvSpPr>
+            <p:spPr>
+              <a:xfrm>
+                <a:off x="5616255" y="4150417"/>
+                <a:ext cx="3114457" cy="553998"/>
+              </a:xfrm>
+              <a:prstGeom prst="rect">
+                <a:avLst/>
+              </a:prstGeom>
+              <a:noFill/>
+            </p:spPr>
+            <p:txBody>
+              <a:bodyPr wrap="square" rtlCol="0">
+                <a:spAutoFit/>
+              </a:bodyPr>
+              <a:lstStyle/>
+              <a:p>
+                <a:pPr algn="just"/>
+                <a:r>
+                  <a:rPr lang="en-US" sz="1000" dirty="0">
+                    <a:latin typeface="Times New Roman" panose="02020603050405020304" pitchFamily="18" charset="0"/>
+                    <a:cs typeface="Times New Roman" panose="02020603050405020304" pitchFamily="18" charset="0"/>
+                  </a:rPr>
+                  <a:t>Figure 5. Frequency vs. Time spectrogram for shot 142111 with different Alfvén eigenmodes identified. Figure taken from.</a:t>
+                </a:r>
+                <a:endParaRPr lang="en-US" sz="400" dirty="0">
+                  <a:latin typeface="Times New Roman" panose="02020603050405020304" pitchFamily="18" charset="0"/>
+                  <a:cs typeface="Times New Roman" panose="02020603050405020304" pitchFamily="18" charset="0"/>
+                </a:endParaRPr>
+              </a:p>
+            </p:txBody>
+          </p:sp>
+        </p:grpSp>
+        <p:sp>
+          <p:nvSpPr>
+            <p:cNvPr id="22" name="Rectangle 21"/>
+            <p:cNvSpPr/>
+            <p:nvPr/>
+          </p:nvSpPr>
+          <p:spPr>
+            <a:xfrm>
+              <a:off x="5657714" y="2794883"/>
+              <a:ext cx="3152331" cy="2620732"/>
+            </a:xfrm>
+            <a:prstGeom prst="rect">
+              <a:avLst/>
+            </a:prstGeom>
+            <a:noFill/>
+            <a:ln>
+              <a:solidFill>
+                <a:schemeClr val="tx1"/>
+              </a:solidFill>
+            </a:ln>
+          </p:spPr>
+          <p:style>
+            <a:lnRef idx="2">
+              <a:schemeClr val="accent1">
+                <a:shade val="50000"/>
+              </a:schemeClr>
+            </a:lnRef>
+            <a:fillRef idx="1">
+              <a:schemeClr val="accent1"/>
+            </a:fillRef>
+            <a:effectRef idx="0">
+              <a:schemeClr val="accent1"/>
+            </a:effectRef>
+            <a:fontRef idx="minor">
+              <a:schemeClr val="lt1"/>
+            </a:fontRef>
+          </p:style>
+          <p:txBody>
+            <a:bodyPr rtlCol="0" anchor="ctr"/>
+            <a:lstStyle/>
+            <a:p>
+              <a:pPr algn="ctr"/>
+              <a:endParaRPr lang="en-US"/>
+            </a:p>
+          </p:txBody>
+        </p:sp>
+        <p:cxnSp>
+          <p:nvCxnSpPr>
+            <p:cNvPr id="24" name="Straight Connector 23"/>
+            <p:cNvCxnSpPr>
+              <a:cxnSpLocks/>
+            </p:cNvCxnSpPr>
+            <p:nvPr/>
+          </p:nvCxnSpPr>
+          <p:spPr>
+            <a:xfrm>
+              <a:off x="5657714" y="4839987"/>
+              <a:ext cx="3152331" cy="0"/>
+            </a:xfrm>
+            <a:prstGeom prst="line">
+              <a:avLst/>
+            </a:prstGeom>
+            <a:ln w="12700">
+              <a:solidFill>
+                <a:schemeClr val="tx1"/>
+              </a:solidFill>
+            </a:ln>
+          </p:spPr>
+          <p:style>
+            <a:lnRef idx="1">
+              <a:schemeClr val="accent1"/>
+            </a:lnRef>
+            <a:fillRef idx="0">
+              <a:schemeClr val="accent1"/>
+            </a:fillRef>
+            <a:effectRef idx="0">
+              <a:schemeClr val="accent1"/>
+            </a:effectRef>
+            <a:fontRef idx="minor">
+              <a:schemeClr val="tx1"/>
+            </a:fontRef>
+          </p:style>
+        </p:cxnSp>
+      </p:grpSp>
+    </p:spTree>
+    <p:extLst>
+      <p:ext uri="{BB962C8B-B14F-4D97-AF65-F5344CB8AC3E}">
+        <p14:creationId xmlns:p14="http://schemas.microsoft.com/office/powerpoint/2010/main" val="3671916990"/>
+      </p:ext>
+    </p:extLst>
+  </p:cSld>
+  <p:clrMapOvr>
+    <a:masterClrMapping/>
+  </p:clrMapOvr>
+</p:sld>
+</file>
+
 <file path=ppt/theme/theme1.xml><?xml version="1.0" encoding="utf-8"?>
 <a:theme xmlns:a="http://schemas.openxmlformats.org/drawingml/2006/main" name="Office Theme">
   <a:themeElements>

--- a/Writing/Figs.pptx
+++ b/Writing/Figs.pptx
@@ -8,6 +8,7 @@
     <p:sldId id="256" r:id="rId2"/>
     <p:sldId id="257" r:id="rId3"/>
     <p:sldId id="258" r:id="rId4"/>
+    <p:sldId id="259" r:id="rId5"/>
   </p:sldIdLst>
   <p:sldSz cx="12192000" cy="6858000"/>
   <p:notesSz cx="6858000" cy="9144000"/>
@@ -243,7 +244,7 @@
           <a:p>
             <a:fld id="{D5436C50-0FB6-4D02-BEC8-AE142D0D2100}" type="datetimeFigureOut">
               <a:rPr lang="en-US" smtClean="0"/>
-              <a:t>5/27/2017</a:t>
+              <a:t>5/29/2017</a:t>
             </a:fld>
             <a:endParaRPr lang="en-US"/>
           </a:p>
@@ -411,7 +412,7 @@
           <a:p>
             <a:fld id="{D5436C50-0FB6-4D02-BEC8-AE142D0D2100}" type="datetimeFigureOut">
               <a:rPr lang="en-US" smtClean="0"/>
-              <a:t>5/27/2017</a:t>
+              <a:t>5/29/2017</a:t>
             </a:fld>
             <a:endParaRPr lang="en-US"/>
           </a:p>
@@ -589,7 +590,7 @@
           <a:p>
             <a:fld id="{D5436C50-0FB6-4D02-BEC8-AE142D0D2100}" type="datetimeFigureOut">
               <a:rPr lang="en-US" smtClean="0"/>
-              <a:t>5/27/2017</a:t>
+              <a:t>5/29/2017</a:t>
             </a:fld>
             <a:endParaRPr lang="en-US"/>
           </a:p>
@@ -757,7 +758,7 @@
           <a:p>
             <a:fld id="{D5436C50-0FB6-4D02-BEC8-AE142D0D2100}" type="datetimeFigureOut">
               <a:rPr lang="en-US" smtClean="0"/>
-              <a:t>5/27/2017</a:t>
+              <a:t>5/29/2017</a:t>
             </a:fld>
             <a:endParaRPr lang="en-US"/>
           </a:p>
@@ -1002,7 +1003,7 @@
           <a:p>
             <a:fld id="{D5436C50-0FB6-4D02-BEC8-AE142D0D2100}" type="datetimeFigureOut">
               <a:rPr lang="en-US" smtClean="0"/>
-              <a:t>5/27/2017</a:t>
+              <a:t>5/29/2017</a:t>
             </a:fld>
             <a:endParaRPr lang="en-US"/>
           </a:p>
@@ -1231,7 +1232,7 @@
           <a:p>
             <a:fld id="{D5436C50-0FB6-4D02-BEC8-AE142D0D2100}" type="datetimeFigureOut">
               <a:rPr lang="en-US" smtClean="0"/>
-              <a:t>5/27/2017</a:t>
+              <a:t>5/29/2017</a:t>
             </a:fld>
             <a:endParaRPr lang="en-US"/>
           </a:p>
@@ -1595,7 +1596,7 @@
           <a:p>
             <a:fld id="{D5436C50-0FB6-4D02-BEC8-AE142D0D2100}" type="datetimeFigureOut">
               <a:rPr lang="en-US" smtClean="0"/>
-              <a:t>5/27/2017</a:t>
+              <a:t>5/29/2017</a:t>
             </a:fld>
             <a:endParaRPr lang="en-US"/>
           </a:p>
@@ -1712,7 +1713,7 @@
           <a:p>
             <a:fld id="{D5436C50-0FB6-4D02-BEC8-AE142D0D2100}" type="datetimeFigureOut">
               <a:rPr lang="en-US" smtClean="0"/>
-              <a:t>5/27/2017</a:t>
+              <a:t>5/29/2017</a:t>
             </a:fld>
             <a:endParaRPr lang="en-US"/>
           </a:p>
@@ -1807,7 +1808,7 @@
           <a:p>
             <a:fld id="{D5436C50-0FB6-4D02-BEC8-AE142D0D2100}" type="datetimeFigureOut">
               <a:rPr lang="en-US" smtClean="0"/>
-              <a:t>5/27/2017</a:t>
+              <a:t>5/29/2017</a:t>
             </a:fld>
             <a:endParaRPr lang="en-US"/>
           </a:p>
@@ -2082,7 +2083,7 @@
           <a:p>
             <a:fld id="{D5436C50-0FB6-4D02-BEC8-AE142D0D2100}" type="datetimeFigureOut">
               <a:rPr lang="en-US" smtClean="0"/>
-              <a:t>5/27/2017</a:t>
+              <a:t>5/29/2017</a:t>
             </a:fld>
             <a:endParaRPr lang="en-US"/>
           </a:p>
@@ -2334,7 +2335,7 @@
           <a:p>
             <a:fld id="{D5436C50-0FB6-4D02-BEC8-AE142D0D2100}" type="datetimeFigureOut">
               <a:rPr lang="en-US" smtClean="0"/>
-              <a:t>5/27/2017</a:t>
+              <a:t>5/29/2017</a:t>
             </a:fld>
             <a:endParaRPr lang="en-US"/>
           </a:p>
@@ -2545,7 +2546,7 @@
           <a:p>
             <a:fld id="{D5436C50-0FB6-4D02-BEC8-AE142D0D2100}" type="datetimeFigureOut">
               <a:rPr lang="en-US" smtClean="0"/>
-              <a:t>5/27/2017</a:t>
+              <a:t>5/29/2017</a:t>
             </a:fld>
             <a:endParaRPr lang="en-US"/>
           </a:p>
@@ -4569,8 +4570,8 @@
             </a:fontRef>
           </p:style>
         </p:cxnSp>
-        <mc:AlternateContent xmlns:mc="http://schemas.openxmlformats.org/markup-compatibility/2006">
-          <mc:Choice xmlns:a14="http://schemas.microsoft.com/office/drawing/2010/main" Requires="a14">
+        <mc:AlternateContent xmlns:mc="http://schemas.openxmlformats.org/markup-compatibility/2006" xmlns:a14="http://schemas.microsoft.com/office/drawing/2010/main">
+          <mc:Choice Requires="a14">
             <p:sp>
               <p:nvSpPr>
                 <p:cNvPr id="11" name="Rectangle 10"/>
@@ -4658,7 +4659,7 @@
               </p:txBody>
             </p:sp>
           </mc:Choice>
-          <mc:Fallback>
+          <mc:Fallback xmlns="">
             <p:sp>
               <p:nvSpPr>
                 <p:cNvPr id="11" name="Rectangle 10"/>
@@ -4730,8 +4731,8 @@
           </a:p>
         </p:txBody>
       </p:sp>
-      <mc:AlternateContent xmlns:mc="http://schemas.openxmlformats.org/markup-compatibility/2006">
-        <mc:Choice xmlns:a14="http://schemas.microsoft.com/office/drawing/2010/main" Requires="a14">
+      <mc:AlternateContent xmlns:mc="http://schemas.openxmlformats.org/markup-compatibility/2006" xmlns:a14="http://schemas.microsoft.com/office/drawing/2010/main">
+        <mc:Choice Requires="a14">
           <p:graphicFrame>
             <p:nvGraphicFramePr>
               <p:cNvPr id="18" name="Table 17"/>
@@ -5431,7 +5432,7 @@
                             </a:spcAft>
                           </a:pPr>
                           <a:r>
-                            <a:rPr lang="en-US" sz="1200">
+                            <a:rPr lang="en-US" sz="1200" dirty="0">
                               <a:effectLst/>
                               <a:latin typeface="Times New Roman" panose="02020603050405020304" pitchFamily="18" charset="0"/>
                               <a:ea typeface="Times New Roman" panose="02020603050405020304" pitchFamily="18" charset="0"/>
@@ -5477,7 +5478,7 @@
                               </m:sSub>
                             </m:oMath>
                           </a14:m>
-                          <a:endParaRPr lang="en-US" sz="1200">
+                          <a:endParaRPr lang="en-US" sz="1200" dirty="0">
                             <a:effectLst/>
                             <a:latin typeface="Times New Roman" panose="02020603050405020304" pitchFamily="18" charset="0"/>
                             <a:ea typeface="Calibri" panose="020F0502020204030204" pitchFamily="34" charset="0"/>
@@ -5722,7 +5723,7 @@
                             </a:spcAft>
                           </a:pPr>
                           <a:r>
-                            <a:rPr lang="en-US" sz="1200">
+                            <a:rPr lang="en-US" sz="1200" dirty="0">
                               <a:effectLst/>
                               <a:latin typeface="Times New Roman" panose="02020603050405020304" pitchFamily="18" charset="0"/>
                               <a:ea typeface="Times New Roman" panose="02020603050405020304" pitchFamily="18" charset="0"/>
@@ -5768,7 +5769,7 @@
                               </m:sSub>
                             </m:oMath>
                           </a14:m>
-                          <a:endParaRPr lang="en-US" sz="1200">
+                          <a:endParaRPr lang="en-US" sz="1200" dirty="0">
                             <a:effectLst/>
                             <a:latin typeface="Times New Roman" panose="02020603050405020304" pitchFamily="18" charset="0"/>
                             <a:ea typeface="Calibri" panose="020F0502020204030204" pitchFamily="34" charset="0"/>
@@ -6013,7 +6014,7 @@
                             </a:spcAft>
                           </a:pPr>
                           <a:r>
-                            <a:rPr lang="en-US" sz="1200">
+                            <a:rPr lang="en-US" sz="1200" dirty="0">
                               <a:effectLst/>
                               <a:latin typeface="Times New Roman" panose="02020603050405020304" pitchFamily="18" charset="0"/>
                               <a:ea typeface="Times New Roman" panose="02020603050405020304" pitchFamily="18" charset="0"/>
@@ -6059,7 +6060,7 @@
                               </m:sSub>
                             </m:oMath>
                           </a14:m>
-                          <a:endParaRPr lang="en-US" sz="1200">
+                          <a:endParaRPr lang="en-US" sz="1200" dirty="0">
                             <a:effectLst/>
                             <a:latin typeface="Times New Roman" panose="02020603050405020304" pitchFamily="18" charset="0"/>
                             <a:ea typeface="Calibri" panose="020F0502020204030204" pitchFamily="34" charset="0"/>
@@ -6123,7 +6124,7 @@
                             </a:spcAft>
                           </a:pPr>
                           <a:r>
-                            <a:rPr lang="en-US" sz="1200">
+                            <a:rPr lang="en-US" sz="1200" dirty="0">
                               <a:effectLst/>
                               <a:latin typeface="Times New Roman" panose="02020603050405020304" pitchFamily="18" charset="0"/>
                               <a:ea typeface="Times New Roman" panose="02020603050405020304" pitchFamily="18" charset="0"/>
@@ -6132,7 +6133,7 @@
                             <a:t>10</a:t>
                           </a:r>
                           <a:r>
-                            <a:rPr lang="en-US" sz="1200" baseline="30000">
+                            <a:rPr lang="en-US" sz="1200" baseline="30000" dirty="0">
                               <a:effectLst/>
                               <a:latin typeface="Times New Roman" panose="02020603050405020304" pitchFamily="18" charset="0"/>
                               <a:ea typeface="Times New Roman" panose="02020603050405020304" pitchFamily="18" charset="0"/>
@@ -6141,7 +6142,7 @@
                             <a:t>20</a:t>
                           </a:r>
                           <a:r>
-                            <a:rPr lang="en-US" sz="1200">
+                            <a:rPr lang="en-US" sz="1200" dirty="0">
                               <a:effectLst/>
                               <a:latin typeface="Times New Roman" panose="02020603050405020304" pitchFamily="18" charset="0"/>
                               <a:ea typeface="Times New Roman" panose="02020603050405020304" pitchFamily="18" charset="0"/>
@@ -6150,7 +6151,7 @@
                             <a:t> m</a:t>
                           </a:r>
                           <a:r>
-                            <a:rPr lang="en-US" sz="1200" baseline="30000">
+                            <a:rPr lang="en-US" sz="1200" baseline="30000" dirty="0">
                               <a:effectLst/>
                               <a:latin typeface="Times New Roman" panose="02020603050405020304" pitchFamily="18" charset="0"/>
                               <a:ea typeface="Times New Roman" panose="02020603050405020304" pitchFamily="18" charset="0"/>
@@ -6158,7 +6159,7 @@
                             </a:rPr>
                             <a:t>-3</a:t>
                           </a:r>
-                          <a:endParaRPr lang="en-US" sz="1200">
+                          <a:endParaRPr lang="en-US" sz="1200" dirty="0">
                             <a:effectLst/>
                             <a:latin typeface="Times New Roman" panose="02020603050405020304" pitchFamily="18" charset="0"/>
                             <a:ea typeface="Calibri" panose="020F0502020204030204" pitchFamily="34" charset="0"/>
@@ -6331,7 +6332,7 @@
                             </a:spcAft>
                           </a:pPr>
                           <a:r>
-                            <a:rPr lang="en-US" sz="1200">
+                            <a:rPr lang="en-US" sz="1200" dirty="0">
                               <a:effectLst/>
                               <a:latin typeface="Times New Roman" panose="02020603050405020304" pitchFamily="18" charset="0"/>
                               <a:ea typeface="Times New Roman" panose="02020603050405020304" pitchFamily="18" charset="0"/>
@@ -6377,7 +6378,7 @@
                               </m:sSub>
                             </m:oMath>
                           </a14:m>
-                          <a:endParaRPr lang="en-US" sz="1200">
+                          <a:endParaRPr lang="en-US" sz="1200" dirty="0">
                             <a:effectLst/>
                             <a:latin typeface="Times New Roman" panose="02020603050405020304" pitchFamily="18" charset="0"/>
                             <a:ea typeface="Calibri" panose="020F0502020204030204" pitchFamily="34" charset="0"/>
@@ -6628,7 +6629,7 @@
                             </a:spcAft>
                           </a:pPr>
                           <a:r>
-                            <a:rPr lang="en-US" sz="1200">
+                            <a:rPr lang="en-US" sz="1200" dirty="0">
                               <a:effectLst/>
                               <a:latin typeface="Times New Roman" panose="02020603050405020304" pitchFamily="18" charset="0"/>
                               <a:ea typeface="Times New Roman" panose="02020603050405020304" pitchFamily="18" charset="0"/>
@@ -6674,7 +6675,7 @@
                               </m:sSub>
                             </m:oMath>
                           </a14:m>
-                          <a:endParaRPr lang="en-US" sz="1200">
+                          <a:endParaRPr lang="en-US" sz="1200" dirty="0">
                             <a:effectLst/>
                             <a:latin typeface="Times New Roman" panose="02020603050405020304" pitchFamily="18" charset="0"/>
                             <a:ea typeface="Calibri" panose="020F0502020204030204" pitchFamily="34" charset="0"/>
@@ -6870,7 +6871,7 @@
             </a:graphic>
           </p:graphicFrame>
         </mc:Choice>
-        <mc:Fallback>
+        <mc:Fallback xmlns="">
           <p:graphicFrame>
             <p:nvGraphicFramePr>
               <p:cNvPr id="18" name="Table 17"/>
@@ -8644,7 +8645,7 @@
         </p:nvGrpSpPr>
         <p:grpSpPr>
           <a:xfrm>
-            <a:off x="5657713" y="2731284"/>
+            <a:off x="4928292" y="1883940"/>
             <a:ext cx="3152332" cy="2684331"/>
             <a:chOff x="5657713" y="2731284"/>
             <a:chExt cx="3152332" cy="2684331"/>
@@ -8810,10 +8811,2292 @@
           </p:style>
         </p:cxnSp>
       </p:grpSp>
+      <p:graphicFrame>
+        <p:nvGraphicFramePr>
+          <p:cNvPr id="3" name="Table 2"/>
+          <p:cNvGraphicFramePr>
+            <a:graphicFrameLocks noGrp="1"/>
+          </p:cNvGraphicFramePr>
+          <p:nvPr>
+            <p:extLst>
+              <p:ext uri="{D42A27DB-BD31-4B8C-83A1-F6EECF244321}">
+                <p14:modId xmlns:p14="http://schemas.microsoft.com/office/powerpoint/2010/main" val="2034635304"/>
+              </p:ext>
+            </p:extLst>
+          </p:nvPr>
+        </p:nvGraphicFramePr>
+        <p:xfrm>
+          <a:off x="1288161" y="4233228"/>
+          <a:ext cx="2800350" cy="1675071"/>
+        </p:xfrm>
+        <a:graphic>
+          <a:graphicData uri="http://schemas.openxmlformats.org/drawingml/2006/table">
+            <a:tbl>
+              <a:tblPr firstRow="1" firstCol="1" bandRow="1"/>
+              <a:tblGrid>
+                <a:gridCol w="228600">
+                  <a:extLst>
+                    <a:ext uri="{9D8B030D-6E8A-4147-A177-3AD203B41FA5}">
+                      <a16:colId xmlns:a16="http://schemas.microsoft.com/office/drawing/2014/main" val="459819437"/>
+                    </a:ext>
+                  </a:extLst>
+                </a:gridCol>
+                <a:gridCol w="857250">
+                  <a:extLst>
+                    <a:ext uri="{9D8B030D-6E8A-4147-A177-3AD203B41FA5}">
+                      <a16:colId xmlns:a16="http://schemas.microsoft.com/office/drawing/2014/main" val="3394750740"/>
+                    </a:ext>
+                  </a:extLst>
+                </a:gridCol>
+                <a:gridCol w="1485900">
+                  <a:extLst>
+                    <a:ext uri="{9D8B030D-6E8A-4147-A177-3AD203B41FA5}">
+                      <a16:colId xmlns:a16="http://schemas.microsoft.com/office/drawing/2014/main" val="2911906604"/>
+                    </a:ext>
+                  </a:extLst>
+                </a:gridCol>
+                <a:gridCol w="228600">
+                  <a:extLst>
+                    <a:ext uri="{9D8B030D-6E8A-4147-A177-3AD203B41FA5}">
+                      <a16:colId xmlns:a16="http://schemas.microsoft.com/office/drawing/2014/main" val="2399382313"/>
+                    </a:ext>
+                  </a:extLst>
+                </a:gridCol>
+              </a:tblGrid>
+              <a:tr h="0">
+                <a:tc>
+                  <a:txBody>
+                    <a:bodyPr/>
+                    <a:lstStyle/>
+                    <a:p>
+                      <a:pPr marL="0" marR="0" algn="just">
+                        <a:lnSpc>
+                          <a:spcPct val="107000"/>
+                        </a:lnSpc>
+                        <a:spcBef>
+                          <a:spcPts val="0"/>
+                        </a:spcBef>
+                        <a:spcAft>
+                          <a:spcPts val="0"/>
+                        </a:spcAft>
+                      </a:pPr>
+                      <a:r>
+                        <a:rPr lang="en-US" sz="1200">
+                          <a:effectLst/>
+                          <a:latin typeface="Times New Roman" panose="02020603050405020304" pitchFamily="18" charset="0"/>
+                          <a:ea typeface="Calibri" panose="020F0502020204030204" pitchFamily="34" charset="0"/>
+                          <a:cs typeface="Times New Roman" panose="02020603050405020304" pitchFamily="18" charset="0"/>
+                        </a:rPr>
+                        <a:t> </a:t>
+                      </a:r>
+                      <a:endParaRPr lang="en-US" sz="1100">
+                        <a:effectLst/>
+                        <a:latin typeface="Calibri" panose="020F0502020204030204" pitchFamily="34" charset="0"/>
+                        <a:ea typeface="Calibri" panose="020F0502020204030204" pitchFamily="34" charset="0"/>
+                        <a:cs typeface="Times New Roman" panose="02020603050405020304" pitchFamily="18" charset="0"/>
+                      </a:endParaRPr>
+                    </a:p>
+                  </a:txBody>
+                  <a:tcPr marL="68580" marR="68580" marT="0" marB="0">
+                    <a:lnL>
+                      <a:noFill/>
+                    </a:lnL>
+                    <a:lnR>
+                      <a:noFill/>
+                    </a:lnR>
+                    <a:lnT w="19050" cap="flat" cmpd="dbl" algn="ctr">
+                      <a:solidFill>
+                        <a:srgbClr val="000000"/>
+                      </a:solidFill>
+                      <a:prstDash val="solid"/>
+                      <a:round/>
+                      <a:headEnd type="none" w="med" len="med"/>
+                      <a:tailEnd type="none" w="med" len="med"/>
+                    </a:lnT>
+                    <a:lnB>
+                      <a:noFill/>
+                    </a:lnB>
+                  </a:tcPr>
+                </a:tc>
+                <a:tc>
+                  <a:txBody>
+                    <a:bodyPr/>
+                    <a:lstStyle/>
+                    <a:p>
+                      <a:pPr marL="0" marR="0" algn="ctr">
+                        <a:lnSpc>
+                          <a:spcPct val="107000"/>
+                        </a:lnSpc>
+                        <a:spcBef>
+                          <a:spcPts val="0"/>
+                        </a:spcBef>
+                        <a:spcAft>
+                          <a:spcPts val="0"/>
+                        </a:spcAft>
+                      </a:pPr>
+                      <a:r>
+                        <a:rPr lang="en-US" sz="1200" dirty="0">
+                          <a:effectLst/>
+                          <a:latin typeface="Times New Roman" panose="02020603050405020304" pitchFamily="18" charset="0"/>
+                          <a:ea typeface="Calibri" panose="020F0502020204030204" pitchFamily="34" charset="0"/>
+                          <a:cs typeface="Times New Roman" panose="02020603050405020304" pitchFamily="18" charset="0"/>
+                        </a:rPr>
+                        <a:t>Shot</a:t>
+                      </a:r>
+                      <a:endParaRPr lang="en-US" sz="1100" dirty="0">
+                        <a:effectLst/>
+                        <a:latin typeface="Calibri" panose="020F0502020204030204" pitchFamily="34" charset="0"/>
+                        <a:ea typeface="Calibri" panose="020F0502020204030204" pitchFamily="34" charset="0"/>
+                        <a:cs typeface="Times New Roman" panose="02020603050405020304" pitchFamily="18" charset="0"/>
+                      </a:endParaRPr>
+                    </a:p>
+                  </a:txBody>
+                  <a:tcPr marL="68580" marR="68580" marT="0" marB="0">
+                    <a:lnL>
+                      <a:noFill/>
+                    </a:lnL>
+                    <a:lnR>
+                      <a:noFill/>
+                    </a:lnR>
+                    <a:lnT w="19050" cap="flat" cmpd="dbl" algn="ctr">
+                      <a:solidFill>
+                        <a:srgbClr val="000000"/>
+                      </a:solidFill>
+                      <a:prstDash val="solid"/>
+                      <a:round/>
+                      <a:headEnd type="none" w="med" len="med"/>
+                      <a:tailEnd type="none" w="med" len="med"/>
+                    </a:lnT>
+                    <a:lnB w="12700" cap="flat" cmpd="sng" algn="ctr">
+                      <a:solidFill>
+                        <a:srgbClr val="000000"/>
+                      </a:solidFill>
+                      <a:prstDash val="solid"/>
+                      <a:round/>
+                      <a:headEnd type="none" w="med" len="med"/>
+                      <a:tailEnd type="none" w="med" len="med"/>
+                    </a:lnB>
+                  </a:tcPr>
+                </a:tc>
+                <a:tc>
+                  <a:txBody>
+                    <a:bodyPr/>
+                    <a:lstStyle/>
+                    <a:p>
+                      <a:pPr marL="0" marR="0" algn="ctr">
+                        <a:lnSpc>
+                          <a:spcPct val="107000"/>
+                        </a:lnSpc>
+                        <a:spcBef>
+                          <a:spcPts val="0"/>
+                        </a:spcBef>
+                        <a:spcAft>
+                          <a:spcPts val="0"/>
+                        </a:spcAft>
+                      </a:pPr>
+                      <a:r>
+                        <a:rPr lang="en-US" sz="1200">
+                          <a:effectLst/>
+                          <a:latin typeface="Times New Roman" panose="02020603050405020304" pitchFamily="18" charset="0"/>
+                          <a:ea typeface="Calibri" panose="020F0502020204030204" pitchFamily="34" charset="0"/>
+                          <a:cs typeface="Times New Roman" panose="02020603050405020304" pitchFamily="18" charset="0"/>
+                        </a:rPr>
+                        <a:t>Time Window (ms)</a:t>
+                      </a:r>
+                      <a:endParaRPr lang="en-US" sz="1100">
+                        <a:effectLst/>
+                        <a:latin typeface="Calibri" panose="020F0502020204030204" pitchFamily="34" charset="0"/>
+                        <a:ea typeface="Calibri" panose="020F0502020204030204" pitchFamily="34" charset="0"/>
+                        <a:cs typeface="Times New Roman" panose="02020603050405020304" pitchFamily="18" charset="0"/>
+                      </a:endParaRPr>
+                    </a:p>
+                  </a:txBody>
+                  <a:tcPr marL="68580" marR="68580" marT="0" marB="0">
+                    <a:lnL>
+                      <a:noFill/>
+                    </a:lnL>
+                    <a:lnR>
+                      <a:noFill/>
+                    </a:lnR>
+                    <a:lnT w="19050" cap="flat" cmpd="dbl" algn="ctr">
+                      <a:solidFill>
+                        <a:srgbClr val="000000"/>
+                      </a:solidFill>
+                      <a:prstDash val="solid"/>
+                      <a:round/>
+                      <a:headEnd type="none" w="med" len="med"/>
+                      <a:tailEnd type="none" w="med" len="med"/>
+                    </a:lnT>
+                    <a:lnB w="12700" cap="flat" cmpd="sng" algn="ctr">
+                      <a:solidFill>
+                        <a:srgbClr val="000000"/>
+                      </a:solidFill>
+                      <a:prstDash val="solid"/>
+                      <a:round/>
+                      <a:headEnd type="none" w="med" len="med"/>
+                      <a:tailEnd type="none" w="med" len="med"/>
+                    </a:lnB>
+                  </a:tcPr>
+                </a:tc>
+                <a:tc>
+                  <a:txBody>
+                    <a:bodyPr/>
+                    <a:lstStyle/>
+                    <a:p>
+                      <a:pPr marL="0" marR="0" algn="just">
+                        <a:lnSpc>
+                          <a:spcPct val="107000"/>
+                        </a:lnSpc>
+                        <a:spcBef>
+                          <a:spcPts val="0"/>
+                        </a:spcBef>
+                        <a:spcAft>
+                          <a:spcPts val="0"/>
+                        </a:spcAft>
+                      </a:pPr>
+                      <a:r>
+                        <a:rPr lang="en-US" sz="1200">
+                          <a:effectLst/>
+                          <a:latin typeface="Times New Roman" panose="02020603050405020304" pitchFamily="18" charset="0"/>
+                          <a:ea typeface="Calibri" panose="020F0502020204030204" pitchFamily="34" charset="0"/>
+                          <a:cs typeface="Times New Roman" panose="02020603050405020304" pitchFamily="18" charset="0"/>
+                        </a:rPr>
+                        <a:t> </a:t>
+                      </a:r>
+                      <a:endParaRPr lang="en-US" sz="1100">
+                        <a:effectLst/>
+                        <a:latin typeface="Calibri" panose="020F0502020204030204" pitchFamily="34" charset="0"/>
+                        <a:ea typeface="Calibri" panose="020F0502020204030204" pitchFamily="34" charset="0"/>
+                        <a:cs typeface="Times New Roman" panose="02020603050405020304" pitchFamily="18" charset="0"/>
+                      </a:endParaRPr>
+                    </a:p>
+                  </a:txBody>
+                  <a:tcPr marL="68580" marR="68580" marT="0" marB="0">
+                    <a:lnL>
+                      <a:noFill/>
+                    </a:lnL>
+                    <a:lnR>
+                      <a:noFill/>
+                    </a:lnR>
+                    <a:lnT w="19050" cap="flat" cmpd="dbl" algn="ctr">
+                      <a:solidFill>
+                        <a:srgbClr val="000000"/>
+                      </a:solidFill>
+                      <a:prstDash val="solid"/>
+                      <a:round/>
+                      <a:headEnd type="none" w="med" len="med"/>
+                      <a:tailEnd type="none" w="med" len="med"/>
+                    </a:lnT>
+                    <a:lnB>
+                      <a:noFill/>
+                    </a:lnB>
+                  </a:tcPr>
+                </a:tc>
+                <a:extLst>
+                  <a:ext uri="{0D108BD9-81ED-4DB2-BD59-A6C34878D82A}">
+                    <a16:rowId xmlns:a16="http://schemas.microsoft.com/office/drawing/2014/main" val="3608010234"/>
+                  </a:ext>
+                </a:extLst>
+              </a:tr>
+              <a:tr h="0">
+                <a:tc>
+                  <a:txBody>
+                    <a:bodyPr/>
+                    <a:lstStyle/>
+                    <a:p>
+                      <a:pPr marL="0" marR="0" algn="l">
+                        <a:lnSpc>
+                          <a:spcPct val="107000"/>
+                        </a:lnSpc>
+                        <a:spcBef>
+                          <a:spcPts val="0"/>
+                        </a:spcBef>
+                        <a:spcAft>
+                          <a:spcPts val="0"/>
+                        </a:spcAft>
+                      </a:pPr>
+                      <a:r>
+                        <a:rPr lang="en-US" sz="1200" dirty="0">
+                          <a:solidFill>
+                            <a:schemeClr val="bg1"/>
+                          </a:solidFill>
+                          <a:effectLst/>
+                          <a:latin typeface="Times New Roman" panose="02020603050405020304" pitchFamily="18" charset="0"/>
+                          <a:ea typeface="Calibri" panose="020F0502020204030204" pitchFamily="34" charset="0"/>
+                          <a:cs typeface="Times New Roman" panose="02020603050405020304" pitchFamily="18" charset="0"/>
+                        </a:rPr>
+                        <a:t>F</a:t>
+                      </a:r>
+                      <a:endParaRPr lang="en-US" sz="1100" dirty="0">
+                        <a:solidFill>
+                          <a:schemeClr val="bg1"/>
+                        </a:solidFill>
+                        <a:effectLst/>
+                        <a:latin typeface="Calibri" panose="020F0502020204030204" pitchFamily="34" charset="0"/>
+                        <a:ea typeface="Calibri" panose="020F0502020204030204" pitchFamily="34" charset="0"/>
+                        <a:cs typeface="Times New Roman" panose="02020603050405020304" pitchFamily="18" charset="0"/>
+                      </a:endParaRPr>
+                    </a:p>
+                  </a:txBody>
+                  <a:tcPr marL="68580" marR="68580" marT="0" marB="0">
+                    <a:lnL>
+                      <a:noFill/>
+                    </a:lnL>
+                    <a:lnR>
+                      <a:noFill/>
+                    </a:lnR>
+                    <a:lnT>
+                      <a:noFill/>
+                    </a:lnT>
+                    <a:lnB>
+                      <a:noFill/>
+                    </a:lnB>
+                  </a:tcPr>
+                </a:tc>
+                <a:tc>
+                  <a:txBody>
+                    <a:bodyPr/>
+                    <a:lstStyle/>
+                    <a:p>
+                      <a:pPr marL="0" marR="0" algn="ctr">
+                        <a:lnSpc>
+                          <a:spcPct val="107000"/>
+                        </a:lnSpc>
+                        <a:spcBef>
+                          <a:spcPts val="0"/>
+                        </a:spcBef>
+                        <a:spcAft>
+                          <a:spcPts val="0"/>
+                        </a:spcAft>
+                      </a:pPr>
+                      <a:r>
+                        <a:rPr lang="en-US" sz="1200" dirty="0">
+                          <a:effectLst/>
+                          <a:latin typeface="Times New Roman" panose="02020603050405020304" pitchFamily="18" charset="0"/>
+                          <a:ea typeface="Calibri" panose="020F0502020204030204" pitchFamily="34" charset="0"/>
+                          <a:cs typeface="Times New Roman" panose="02020603050405020304" pitchFamily="18" charset="0"/>
+                        </a:rPr>
+                        <a:t>153071</a:t>
+                      </a:r>
+                      <a:endParaRPr lang="en-US" sz="1100" dirty="0">
+                        <a:effectLst/>
+                        <a:latin typeface="Calibri" panose="020F0502020204030204" pitchFamily="34" charset="0"/>
+                        <a:ea typeface="Calibri" panose="020F0502020204030204" pitchFamily="34" charset="0"/>
+                        <a:cs typeface="Times New Roman" panose="02020603050405020304" pitchFamily="18" charset="0"/>
+                      </a:endParaRPr>
+                    </a:p>
+                  </a:txBody>
+                  <a:tcPr marL="68580" marR="68580" marT="0" marB="0">
+                    <a:lnL>
+                      <a:noFill/>
+                    </a:lnL>
+                    <a:lnR>
+                      <a:noFill/>
+                    </a:lnR>
+                    <a:lnT w="12700" cap="flat" cmpd="sng" algn="ctr">
+                      <a:solidFill>
+                        <a:srgbClr val="000000"/>
+                      </a:solidFill>
+                      <a:prstDash val="solid"/>
+                      <a:round/>
+                      <a:headEnd type="none" w="med" len="med"/>
+                      <a:tailEnd type="none" w="med" len="med"/>
+                    </a:lnT>
+                    <a:lnB>
+                      <a:noFill/>
+                    </a:lnB>
+                  </a:tcPr>
+                </a:tc>
+                <a:tc>
+                  <a:txBody>
+                    <a:bodyPr/>
+                    <a:lstStyle/>
+                    <a:p>
+                      <a:pPr marL="0" marR="0" algn="ctr">
+                        <a:lnSpc>
+                          <a:spcPct val="107000"/>
+                        </a:lnSpc>
+                        <a:spcBef>
+                          <a:spcPts val="0"/>
+                        </a:spcBef>
+                        <a:spcAft>
+                          <a:spcPts val="0"/>
+                        </a:spcAft>
+                      </a:pPr>
+                      <a:r>
+                        <a:rPr lang="en-US" sz="1200">
+                          <a:effectLst/>
+                          <a:latin typeface="Times New Roman" panose="02020603050405020304" pitchFamily="18" charset="0"/>
+                          <a:ea typeface="Calibri" panose="020F0502020204030204" pitchFamily="34" charset="0"/>
+                          <a:cs typeface="Times New Roman" panose="02020603050405020304" pitchFamily="18" charset="0"/>
+                        </a:rPr>
+                        <a:t>2800 – 3000</a:t>
+                      </a:r>
+                      <a:endParaRPr lang="en-US" sz="1100">
+                        <a:effectLst/>
+                        <a:latin typeface="Calibri" panose="020F0502020204030204" pitchFamily="34" charset="0"/>
+                        <a:ea typeface="Calibri" panose="020F0502020204030204" pitchFamily="34" charset="0"/>
+                        <a:cs typeface="Times New Roman" panose="02020603050405020304" pitchFamily="18" charset="0"/>
+                      </a:endParaRPr>
+                    </a:p>
+                  </a:txBody>
+                  <a:tcPr marL="68580" marR="68580" marT="0" marB="0">
+                    <a:lnL>
+                      <a:noFill/>
+                    </a:lnL>
+                    <a:lnR>
+                      <a:noFill/>
+                    </a:lnR>
+                    <a:lnT w="12700" cap="flat" cmpd="sng" algn="ctr">
+                      <a:solidFill>
+                        <a:srgbClr val="000000"/>
+                      </a:solidFill>
+                      <a:prstDash val="solid"/>
+                      <a:round/>
+                      <a:headEnd type="none" w="med" len="med"/>
+                      <a:tailEnd type="none" w="med" len="med"/>
+                    </a:lnT>
+                    <a:lnB>
+                      <a:noFill/>
+                    </a:lnB>
+                  </a:tcPr>
+                </a:tc>
+                <a:tc>
+                  <a:txBody>
+                    <a:bodyPr/>
+                    <a:lstStyle/>
+                    <a:p>
+                      <a:pPr marL="0" marR="0" algn="l">
+                        <a:lnSpc>
+                          <a:spcPct val="107000"/>
+                        </a:lnSpc>
+                        <a:spcBef>
+                          <a:spcPts val="0"/>
+                        </a:spcBef>
+                        <a:spcAft>
+                          <a:spcPts val="0"/>
+                        </a:spcAft>
+                      </a:pPr>
+                      <a:r>
+                        <a:rPr lang="en-US" sz="1200" dirty="0">
+                          <a:solidFill>
+                            <a:schemeClr val="bg1"/>
+                          </a:solidFill>
+                          <a:effectLst/>
+                          <a:latin typeface="Times New Roman" panose="02020603050405020304" pitchFamily="18" charset="0"/>
+                          <a:ea typeface="Calibri" panose="020F0502020204030204" pitchFamily="34" charset="0"/>
+                          <a:cs typeface="Times New Roman" panose="02020603050405020304" pitchFamily="18" charset="0"/>
+                        </a:rPr>
+                        <a:t>F</a:t>
+                      </a:r>
+                      <a:endParaRPr lang="en-US" sz="1100" dirty="0">
+                        <a:solidFill>
+                          <a:schemeClr val="bg1"/>
+                        </a:solidFill>
+                        <a:effectLst/>
+                        <a:latin typeface="Calibri" panose="020F0502020204030204" pitchFamily="34" charset="0"/>
+                        <a:ea typeface="Calibri" panose="020F0502020204030204" pitchFamily="34" charset="0"/>
+                        <a:cs typeface="Times New Roman" panose="02020603050405020304" pitchFamily="18" charset="0"/>
+                      </a:endParaRPr>
+                    </a:p>
+                  </a:txBody>
+                  <a:tcPr marL="68580" marR="68580" marT="0" marB="0">
+                    <a:lnL>
+                      <a:noFill/>
+                    </a:lnL>
+                    <a:lnR>
+                      <a:noFill/>
+                    </a:lnR>
+                    <a:lnT>
+                      <a:noFill/>
+                    </a:lnT>
+                    <a:lnB>
+                      <a:noFill/>
+                    </a:lnB>
+                  </a:tcPr>
+                </a:tc>
+                <a:extLst>
+                  <a:ext uri="{0D108BD9-81ED-4DB2-BD59-A6C34878D82A}">
+                    <a16:rowId xmlns:a16="http://schemas.microsoft.com/office/drawing/2014/main" val="188097504"/>
+                  </a:ext>
+                </a:extLst>
+              </a:tr>
+              <a:tr h="0">
+                <a:tc>
+                  <a:txBody>
+                    <a:bodyPr/>
+                    <a:lstStyle/>
+                    <a:p>
+                      <a:pPr marL="0" marR="0" algn="l">
+                        <a:lnSpc>
+                          <a:spcPct val="107000"/>
+                        </a:lnSpc>
+                        <a:spcBef>
+                          <a:spcPts val="0"/>
+                        </a:spcBef>
+                        <a:spcAft>
+                          <a:spcPts val="0"/>
+                        </a:spcAft>
+                      </a:pPr>
+                      <a:r>
+                        <a:rPr lang="en-US" sz="1200" dirty="0">
+                          <a:solidFill>
+                            <a:schemeClr val="bg1"/>
+                          </a:solidFill>
+                          <a:effectLst/>
+                          <a:latin typeface="Times New Roman" panose="02020603050405020304" pitchFamily="18" charset="0"/>
+                          <a:ea typeface="Calibri" panose="020F0502020204030204" pitchFamily="34" charset="0"/>
+                          <a:cs typeface="Times New Roman" panose="02020603050405020304" pitchFamily="18" charset="0"/>
+                        </a:rPr>
+                        <a:t>F</a:t>
+                      </a:r>
+                      <a:endParaRPr lang="en-US" sz="1100" dirty="0">
+                        <a:solidFill>
+                          <a:schemeClr val="bg1"/>
+                        </a:solidFill>
+                        <a:effectLst/>
+                        <a:latin typeface="Calibri" panose="020F0502020204030204" pitchFamily="34" charset="0"/>
+                        <a:ea typeface="Calibri" panose="020F0502020204030204" pitchFamily="34" charset="0"/>
+                        <a:cs typeface="Times New Roman" panose="02020603050405020304" pitchFamily="18" charset="0"/>
+                      </a:endParaRPr>
+                    </a:p>
+                  </a:txBody>
+                  <a:tcPr marL="68580" marR="68580" marT="0" marB="0">
+                    <a:lnL>
+                      <a:noFill/>
+                    </a:lnL>
+                    <a:lnR>
+                      <a:noFill/>
+                    </a:lnR>
+                    <a:lnT>
+                      <a:noFill/>
+                    </a:lnT>
+                    <a:lnB>
+                      <a:noFill/>
+                    </a:lnB>
+                  </a:tcPr>
+                </a:tc>
+                <a:tc>
+                  <a:txBody>
+                    <a:bodyPr/>
+                    <a:lstStyle/>
+                    <a:p>
+                      <a:pPr marL="0" marR="0" algn="ctr">
+                        <a:lnSpc>
+                          <a:spcPct val="107000"/>
+                        </a:lnSpc>
+                        <a:spcBef>
+                          <a:spcPts val="0"/>
+                        </a:spcBef>
+                        <a:spcAft>
+                          <a:spcPts val="0"/>
+                        </a:spcAft>
+                      </a:pPr>
+                      <a:r>
+                        <a:rPr lang="en-US" sz="1200" dirty="0">
+                          <a:effectLst/>
+                          <a:latin typeface="Times New Roman" panose="02020603050405020304" pitchFamily="18" charset="0"/>
+                          <a:ea typeface="Calibri" panose="020F0502020204030204" pitchFamily="34" charset="0"/>
+                          <a:cs typeface="Times New Roman" panose="02020603050405020304" pitchFamily="18" charset="0"/>
+                        </a:rPr>
+                        <a:t>153072</a:t>
+                      </a:r>
+                      <a:endParaRPr lang="en-US" sz="1100" dirty="0">
+                        <a:effectLst/>
+                        <a:latin typeface="Calibri" panose="020F0502020204030204" pitchFamily="34" charset="0"/>
+                        <a:ea typeface="Calibri" panose="020F0502020204030204" pitchFamily="34" charset="0"/>
+                        <a:cs typeface="Times New Roman" panose="02020603050405020304" pitchFamily="18" charset="0"/>
+                      </a:endParaRPr>
+                    </a:p>
+                  </a:txBody>
+                  <a:tcPr marL="68580" marR="68580" marT="0" marB="0">
+                    <a:lnL>
+                      <a:noFill/>
+                    </a:lnL>
+                    <a:lnR>
+                      <a:noFill/>
+                    </a:lnR>
+                    <a:lnT>
+                      <a:noFill/>
+                    </a:lnT>
+                    <a:lnB>
+                      <a:noFill/>
+                    </a:lnB>
+                  </a:tcPr>
+                </a:tc>
+                <a:tc>
+                  <a:txBody>
+                    <a:bodyPr/>
+                    <a:lstStyle/>
+                    <a:p>
+                      <a:pPr marL="0" marR="0" algn="ctr">
+                        <a:lnSpc>
+                          <a:spcPct val="107000"/>
+                        </a:lnSpc>
+                        <a:spcBef>
+                          <a:spcPts val="0"/>
+                        </a:spcBef>
+                        <a:spcAft>
+                          <a:spcPts val="0"/>
+                        </a:spcAft>
+                      </a:pPr>
+                      <a:r>
+                        <a:rPr lang="en-US" sz="1200">
+                          <a:effectLst/>
+                          <a:latin typeface="Times New Roman" panose="02020603050405020304" pitchFamily="18" charset="0"/>
+                          <a:ea typeface="Calibri" panose="020F0502020204030204" pitchFamily="34" charset="0"/>
+                          <a:cs typeface="Times New Roman" panose="02020603050405020304" pitchFamily="18" charset="0"/>
+                        </a:rPr>
+                        <a:t>2800 – 3000 </a:t>
+                      </a:r>
+                      <a:endParaRPr lang="en-US" sz="1100">
+                        <a:effectLst/>
+                        <a:latin typeface="Calibri" panose="020F0502020204030204" pitchFamily="34" charset="0"/>
+                        <a:ea typeface="Calibri" panose="020F0502020204030204" pitchFamily="34" charset="0"/>
+                        <a:cs typeface="Times New Roman" panose="02020603050405020304" pitchFamily="18" charset="0"/>
+                      </a:endParaRPr>
+                    </a:p>
+                  </a:txBody>
+                  <a:tcPr marL="68580" marR="68580" marT="0" marB="0">
+                    <a:lnL>
+                      <a:noFill/>
+                    </a:lnL>
+                    <a:lnR>
+                      <a:noFill/>
+                    </a:lnR>
+                    <a:lnT>
+                      <a:noFill/>
+                    </a:lnT>
+                    <a:lnB>
+                      <a:noFill/>
+                    </a:lnB>
+                  </a:tcPr>
+                </a:tc>
+                <a:tc>
+                  <a:txBody>
+                    <a:bodyPr/>
+                    <a:lstStyle/>
+                    <a:p>
+                      <a:pPr marL="0" marR="0" algn="l">
+                        <a:lnSpc>
+                          <a:spcPct val="107000"/>
+                        </a:lnSpc>
+                        <a:spcBef>
+                          <a:spcPts val="0"/>
+                        </a:spcBef>
+                        <a:spcAft>
+                          <a:spcPts val="0"/>
+                        </a:spcAft>
+                      </a:pPr>
+                      <a:r>
+                        <a:rPr lang="en-US" sz="1200" dirty="0">
+                          <a:solidFill>
+                            <a:schemeClr val="bg1"/>
+                          </a:solidFill>
+                          <a:effectLst/>
+                          <a:latin typeface="Times New Roman" panose="02020603050405020304" pitchFamily="18" charset="0"/>
+                          <a:ea typeface="Calibri" panose="020F0502020204030204" pitchFamily="34" charset="0"/>
+                          <a:cs typeface="Times New Roman" panose="02020603050405020304" pitchFamily="18" charset="0"/>
+                        </a:rPr>
+                        <a:t>F</a:t>
+                      </a:r>
+                      <a:endParaRPr lang="en-US" sz="1100" dirty="0">
+                        <a:solidFill>
+                          <a:schemeClr val="bg1"/>
+                        </a:solidFill>
+                        <a:effectLst/>
+                        <a:latin typeface="Calibri" panose="020F0502020204030204" pitchFamily="34" charset="0"/>
+                        <a:ea typeface="Calibri" panose="020F0502020204030204" pitchFamily="34" charset="0"/>
+                        <a:cs typeface="Times New Roman" panose="02020603050405020304" pitchFamily="18" charset="0"/>
+                      </a:endParaRPr>
+                    </a:p>
+                  </a:txBody>
+                  <a:tcPr marL="68580" marR="68580" marT="0" marB="0">
+                    <a:lnL>
+                      <a:noFill/>
+                    </a:lnL>
+                    <a:lnR>
+                      <a:noFill/>
+                    </a:lnR>
+                    <a:lnT>
+                      <a:noFill/>
+                    </a:lnT>
+                    <a:lnB>
+                      <a:noFill/>
+                    </a:lnB>
+                  </a:tcPr>
+                </a:tc>
+                <a:extLst>
+                  <a:ext uri="{0D108BD9-81ED-4DB2-BD59-A6C34878D82A}">
+                    <a16:rowId xmlns:a16="http://schemas.microsoft.com/office/drawing/2014/main" val="3329969909"/>
+                  </a:ext>
+                </a:extLst>
+              </a:tr>
+              <a:tr h="0">
+                <a:tc>
+                  <a:txBody>
+                    <a:bodyPr/>
+                    <a:lstStyle/>
+                    <a:p>
+                      <a:pPr marL="0" marR="0" algn="l">
+                        <a:lnSpc>
+                          <a:spcPct val="107000"/>
+                        </a:lnSpc>
+                        <a:spcBef>
+                          <a:spcPts val="0"/>
+                        </a:spcBef>
+                        <a:spcAft>
+                          <a:spcPts val="0"/>
+                        </a:spcAft>
+                      </a:pPr>
+                      <a:r>
+                        <a:rPr lang="en-US" sz="1200" dirty="0">
+                          <a:solidFill>
+                            <a:schemeClr val="bg1"/>
+                          </a:solidFill>
+                          <a:effectLst/>
+                          <a:latin typeface="Times New Roman" panose="02020603050405020304" pitchFamily="18" charset="0"/>
+                          <a:ea typeface="Calibri" panose="020F0502020204030204" pitchFamily="34" charset="0"/>
+                          <a:cs typeface="Times New Roman" panose="02020603050405020304" pitchFamily="18" charset="0"/>
+                        </a:rPr>
+                        <a:t>F</a:t>
+                      </a:r>
+                      <a:endParaRPr lang="en-US" sz="1100" dirty="0">
+                        <a:solidFill>
+                          <a:schemeClr val="bg1"/>
+                        </a:solidFill>
+                        <a:effectLst/>
+                        <a:latin typeface="Calibri" panose="020F0502020204030204" pitchFamily="34" charset="0"/>
+                        <a:ea typeface="Calibri" panose="020F0502020204030204" pitchFamily="34" charset="0"/>
+                        <a:cs typeface="Times New Roman" panose="02020603050405020304" pitchFamily="18" charset="0"/>
+                      </a:endParaRPr>
+                    </a:p>
+                  </a:txBody>
+                  <a:tcPr marL="68580" marR="68580" marT="0" marB="0">
+                    <a:lnL>
+                      <a:noFill/>
+                    </a:lnL>
+                    <a:lnR>
+                      <a:noFill/>
+                    </a:lnR>
+                    <a:lnT>
+                      <a:noFill/>
+                    </a:lnT>
+                    <a:lnB>
+                      <a:noFill/>
+                    </a:lnB>
+                  </a:tcPr>
+                </a:tc>
+                <a:tc>
+                  <a:txBody>
+                    <a:bodyPr/>
+                    <a:lstStyle/>
+                    <a:p>
+                      <a:pPr marL="0" marR="0" algn="ctr">
+                        <a:lnSpc>
+                          <a:spcPct val="107000"/>
+                        </a:lnSpc>
+                        <a:spcBef>
+                          <a:spcPts val="0"/>
+                        </a:spcBef>
+                        <a:spcAft>
+                          <a:spcPts val="0"/>
+                        </a:spcAft>
+                      </a:pPr>
+                      <a:r>
+                        <a:rPr lang="en-US" sz="1200" dirty="0">
+                          <a:effectLst/>
+                          <a:latin typeface="Times New Roman" panose="02020603050405020304" pitchFamily="18" charset="0"/>
+                          <a:ea typeface="Calibri" panose="020F0502020204030204" pitchFamily="34" charset="0"/>
+                          <a:cs typeface="Times New Roman" panose="02020603050405020304" pitchFamily="18" charset="0"/>
+                        </a:rPr>
+                        <a:t>152932</a:t>
+                      </a:r>
+                      <a:endParaRPr lang="en-US" sz="1100" dirty="0">
+                        <a:effectLst/>
+                        <a:latin typeface="Calibri" panose="020F0502020204030204" pitchFamily="34" charset="0"/>
+                        <a:ea typeface="Calibri" panose="020F0502020204030204" pitchFamily="34" charset="0"/>
+                        <a:cs typeface="Times New Roman" panose="02020603050405020304" pitchFamily="18" charset="0"/>
+                      </a:endParaRPr>
+                    </a:p>
+                  </a:txBody>
+                  <a:tcPr marL="68580" marR="68580" marT="0" marB="0">
+                    <a:lnL>
+                      <a:noFill/>
+                    </a:lnL>
+                    <a:lnR>
+                      <a:noFill/>
+                    </a:lnR>
+                    <a:lnT>
+                      <a:noFill/>
+                    </a:lnT>
+                    <a:lnB>
+                      <a:noFill/>
+                    </a:lnB>
+                  </a:tcPr>
+                </a:tc>
+                <a:tc>
+                  <a:txBody>
+                    <a:bodyPr/>
+                    <a:lstStyle/>
+                    <a:p>
+                      <a:pPr marL="0" marR="0" algn="ctr">
+                        <a:lnSpc>
+                          <a:spcPct val="107000"/>
+                        </a:lnSpc>
+                        <a:spcBef>
+                          <a:spcPts val="0"/>
+                        </a:spcBef>
+                        <a:spcAft>
+                          <a:spcPts val="0"/>
+                        </a:spcAft>
+                      </a:pPr>
+                      <a:r>
+                        <a:rPr lang="en-US" sz="1200">
+                          <a:effectLst/>
+                          <a:latin typeface="Times New Roman" panose="02020603050405020304" pitchFamily="18" charset="0"/>
+                          <a:ea typeface="Calibri" panose="020F0502020204030204" pitchFamily="34" charset="0"/>
+                          <a:cs typeface="Times New Roman" panose="02020603050405020304" pitchFamily="18" charset="0"/>
+                        </a:rPr>
+                        <a:t>2500 – 2700 </a:t>
+                      </a:r>
+                      <a:endParaRPr lang="en-US" sz="1100">
+                        <a:effectLst/>
+                        <a:latin typeface="Calibri" panose="020F0502020204030204" pitchFamily="34" charset="0"/>
+                        <a:ea typeface="Calibri" panose="020F0502020204030204" pitchFamily="34" charset="0"/>
+                        <a:cs typeface="Times New Roman" panose="02020603050405020304" pitchFamily="18" charset="0"/>
+                      </a:endParaRPr>
+                    </a:p>
+                  </a:txBody>
+                  <a:tcPr marL="68580" marR="68580" marT="0" marB="0">
+                    <a:lnL>
+                      <a:noFill/>
+                    </a:lnL>
+                    <a:lnR>
+                      <a:noFill/>
+                    </a:lnR>
+                    <a:lnT>
+                      <a:noFill/>
+                    </a:lnT>
+                    <a:lnB>
+                      <a:noFill/>
+                    </a:lnB>
+                  </a:tcPr>
+                </a:tc>
+                <a:tc>
+                  <a:txBody>
+                    <a:bodyPr/>
+                    <a:lstStyle/>
+                    <a:p>
+                      <a:pPr marL="0" marR="0" algn="l">
+                        <a:lnSpc>
+                          <a:spcPct val="107000"/>
+                        </a:lnSpc>
+                        <a:spcBef>
+                          <a:spcPts val="0"/>
+                        </a:spcBef>
+                        <a:spcAft>
+                          <a:spcPts val="0"/>
+                        </a:spcAft>
+                      </a:pPr>
+                      <a:r>
+                        <a:rPr lang="en-US" sz="1200" dirty="0">
+                          <a:solidFill>
+                            <a:schemeClr val="bg1"/>
+                          </a:solidFill>
+                          <a:effectLst/>
+                          <a:latin typeface="Times New Roman" panose="02020603050405020304" pitchFamily="18" charset="0"/>
+                          <a:ea typeface="Calibri" panose="020F0502020204030204" pitchFamily="34" charset="0"/>
+                          <a:cs typeface="Times New Roman" panose="02020603050405020304" pitchFamily="18" charset="0"/>
+                        </a:rPr>
+                        <a:t>F</a:t>
+                      </a:r>
+                      <a:endParaRPr lang="en-US" sz="1100" dirty="0">
+                        <a:solidFill>
+                          <a:schemeClr val="bg1"/>
+                        </a:solidFill>
+                        <a:effectLst/>
+                        <a:latin typeface="Calibri" panose="020F0502020204030204" pitchFamily="34" charset="0"/>
+                        <a:ea typeface="Calibri" panose="020F0502020204030204" pitchFamily="34" charset="0"/>
+                        <a:cs typeface="Times New Roman" panose="02020603050405020304" pitchFamily="18" charset="0"/>
+                      </a:endParaRPr>
+                    </a:p>
+                  </a:txBody>
+                  <a:tcPr marL="68580" marR="68580" marT="0" marB="0">
+                    <a:lnL>
+                      <a:noFill/>
+                    </a:lnL>
+                    <a:lnR>
+                      <a:noFill/>
+                    </a:lnR>
+                    <a:lnT>
+                      <a:noFill/>
+                    </a:lnT>
+                    <a:lnB>
+                      <a:noFill/>
+                    </a:lnB>
+                  </a:tcPr>
+                </a:tc>
+                <a:extLst>
+                  <a:ext uri="{0D108BD9-81ED-4DB2-BD59-A6C34878D82A}">
+                    <a16:rowId xmlns:a16="http://schemas.microsoft.com/office/drawing/2014/main" val="2672550551"/>
+                  </a:ext>
+                </a:extLst>
+              </a:tr>
+              <a:tr h="0">
+                <a:tc>
+                  <a:txBody>
+                    <a:bodyPr/>
+                    <a:lstStyle/>
+                    <a:p>
+                      <a:pPr marL="0" marR="0" algn="l">
+                        <a:lnSpc>
+                          <a:spcPct val="107000"/>
+                        </a:lnSpc>
+                        <a:spcBef>
+                          <a:spcPts val="0"/>
+                        </a:spcBef>
+                        <a:spcAft>
+                          <a:spcPts val="0"/>
+                        </a:spcAft>
+                      </a:pPr>
+                      <a:r>
+                        <a:rPr lang="en-US" sz="1200" dirty="0">
+                          <a:solidFill>
+                            <a:schemeClr val="bg1"/>
+                          </a:solidFill>
+                          <a:effectLst/>
+                          <a:latin typeface="Times New Roman" panose="02020603050405020304" pitchFamily="18" charset="0"/>
+                          <a:ea typeface="Calibri" panose="020F0502020204030204" pitchFamily="34" charset="0"/>
+                          <a:cs typeface="Times New Roman" panose="02020603050405020304" pitchFamily="18" charset="0"/>
+                        </a:rPr>
+                        <a:t>F</a:t>
+                      </a:r>
+                      <a:endParaRPr lang="en-US" sz="1100" dirty="0">
+                        <a:solidFill>
+                          <a:schemeClr val="bg1"/>
+                        </a:solidFill>
+                        <a:effectLst/>
+                        <a:latin typeface="Calibri" panose="020F0502020204030204" pitchFamily="34" charset="0"/>
+                        <a:ea typeface="Calibri" panose="020F0502020204030204" pitchFamily="34" charset="0"/>
+                        <a:cs typeface="Times New Roman" panose="02020603050405020304" pitchFamily="18" charset="0"/>
+                      </a:endParaRPr>
+                    </a:p>
+                  </a:txBody>
+                  <a:tcPr marL="68580" marR="68580" marT="0" marB="0">
+                    <a:lnL>
+                      <a:noFill/>
+                    </a:lnL>
+                    <a:lnR>
+                      <a:noFill/>
+                    </a:lnR>
+                    <a:lnT>
+                      <a:noFill/>
+                    </a:lnT>
+                    <a:lnB>
+                      <a:noFill/>
+                    </a:lnB>
+                  </a:tcPr>
+                </a:tc>
+                <a:tc>
+                  <a:txBody>
+                    <a:bodyPr/>
+                    <a:lstStyle/>
+                    <a:p>
+                      <a:pPr marL="0" marR="0" algn="ctr">
+                        <a:lnSpc>
+                          <a:spcPct val="107000"/>
+                        </a:lnSpc>
+                        <a:spcBef>
+                          <a:spcPts val="0"/>
+                        </a:spcBef>
+                        <a:spcAft>
+                          <a:spcPts val="0"/>
+                        </a:spcAft>
+                      </a:pPr>
+                      <a:r>
+                        <a:rPr lang="en-US" sz="1200" dirty="0">
+                          <a:effectLst/>
+                          <a:latin typeface="Times New Roman" panose="02020603050405020304" pitchFamily="18" charset="0"/>
+                          <a:ea typeface="Calibri" panose="020F0502020204030204" pitchFamily="34" charset="0"/>
+                          <a:cs typeface="Times New Roman" panose="02020603050405020304" pitchFamily="18" charset="0"/>
+                        </a:rPr>
+                        <a:t>152938</a:t>
+                      </a:r>
+                      <a:endParaRPr lang="en-US" sz="1100" dirty="0">
+                        <a:effectLst/>
+                        <a:latin typeface="Calibri" panose="020F0502020204030204" pitchFamily="34" charset="0"/>
+                        <a:ea typeface="Calibri" panose="020F0502020204030204" pitchFamily="34" charset="0"/>
+                        <a:cs typeface="Times New Roman" panose="02020603050405020304" pitchFamily="18" charset="0"/>
+                      </a:endParaRPr>
+                    </a:p>
+                  </a:txBody>
+                  <a:tcPr marL="68580" marR="68580" marT="0" marB="0">
+                    <a:lnL>
+                      <a:noFill/>
+                    </a:lnL>
+                    <a:lnR>
+                      <a:noFill/>
+                    </a:lnR>
+                    <a:lnT>
+                      <a:noFill/>
+                    </a:lnT>
+                    <a:lnB>
+                      <a:noFill/>
+                    </a:lnB>
+                  </a:tcPr>
+                </a:tc>
+                <a:tc>
+                  <a:txBody>
+                    <a:bodyPr/>
+                    <a:lstStyle/>
+                    <a:p>
+                      <a:pPr marL="0" marR="0" algn="ctr">
+                        <a:lnSpc>
+                          <a:spcPct val="107000"/>
+                        </a:lnSpc>
+                        <a:spcBef>
+                          <a:spcPts val="0"/>
+                        </a:spcBef>
+                        <a:spcAft>
+                          <a:spcPts val="0"/>
+                        </a:spcAft>
+                      </a:pPr>
+                      <a:r>
+                        <a:rPr lang="en-US" sz="1200">
+                          <a:effectLst/>
+                          <a:latin typeface="Times New Roman" panose="02020603050405020304" pitchFamily="18" charset="0"/>
+                          <a:ea typeface="Calibri" panose="020F0502020204030204" pitchFamily="34" charset="0"/>
+                          <a:cs typeface="Times New Roman" panose="02020603050405020304" pitchFamily="18" charset="0"/>
+                        </a:rPr>
+                        <a:t>3000 – 3200 </a:t>
+                      </a:r>
+                      <a:endParaRPr lang="en-US" sz="1100">
+                        <a:effectLst/>
+                        <a:latin typeface="Calibri" panose="020F0502020204030204" pitchFamily="34" charset="0"/>
+                        <a:ea typeface="Calibri" panose="020F0502020204030204" pitchFamily="34" charset="0"/>
+                        <a:cs typeface="Times New Roman" panose="02020603050405020304" pitchFamily="18" charset="0"/>
+                      </a:endParaRPr>
+                    </a:p>
+                  </a:txBody>
+                  <a:tcPr marL="68580" marR="68580" marT="0" marB="0">
+                    <a:lnL>
+                      <a:noFill/>
+                    </a:lnL>
+                    <a:lnR>
+                      <a:noFill/>
+                    </a:lnR>
+                    <a:lnT>
+                      <a:noFill/>
+                    </a:lnT>
+                    <a:lnB>
+                      <a:noFill/>
+                    </a:lnB>
+                  </a:tcPr>
+                </a:tc>
+                <a:tc>
+                  <a:txBody>
+                    <a:bodyPr/>
+                    <a:lstStyle/>
+                    <a:p>
+                      <a:pPr marL="0" marR="0" algn="l">
+                        <a:lnSpc>
+                          <a:spcPct val="107000"/>
+                        </a:lnSpc>
+                        <a:spcBef>
+                          <a:spcPts val="0"/>
+                        </a:spcBef>
+                        <a:spcAft>
+                          <a:spcPts val="0"/>
+                        </a:spcAft>
+                      </a:pPr>
+                      <a:r>
+                        <a:rPr lang="en-US" sz="1200" dirty="0">
+                          <a:solidFill>
+                            <a:schemeClr val="bg1"/>
+                          </a:solidFill>
+                          <a:effectLst/>
+                          <a:latin typeface="Times New Roman" panose="02020603050405020304" pitchFamily="18" charset="0"/>
+                          <a:ea typeface="Calibri" panose="020F0502020204030204" pitchFamily="34" charset="0"/>
+                          <a:cs typeface="Times New Roman" panose="02020603050405020304" pitchFamily="18" charset="0"/>
+                        </a:rPr>
+                        <a:t>F</a:t>
+                      </a:r>
+                      <a:endParaRPr lang="en-US" sz="1100" dirty="0">
+                        <a:solidFill>
+                          <a:schemeClr val="bg1"/>
+                        </a:solidFill>
+                        <a:effectLst/>
+                        <a:latin typeface="Calibri" panose="020F0502020204030204" pitchFamily="34" charset="0"/>
+                        <a:ea typeface="Calibri" panose="020F0502020204030204" pitchFamily="34" charset="0"/>
+                        <a:cs typeface="Times New Roman" panose="02020603050405020304" pitchFamily="18" charset="0"/>
+                      </a:endParaRPr>
+                    </a:p>
+                  </a:txBody>
+                  <a:tcPr marL="68580" marR="68580" marT="0" marB="0">
+                    <a:lnL>
+                      <a:noFill/>
+                    </a:lnL>
+                    <a:lnR>
+                      <a:noFill/>
+                    </a:lnR>
+                    <a:lnT>
+                      <a:noFill/>
+                    </a:lnT>
+                    <a:lnB>
+                      <a:noFill/>
+                    </a:lnB>
+                  </a:tcPr>
+                </a:tc>
+                <a:extLst>
+                  <a:ext uri="{0D108BD9-81ED-4DB2-BD59-A6C34878D82A}">
+                    <a16:rowId xmlns:a16="http://schemas.microsoft.com/office/drawing/2014/main" val="3971157240"/>
+                  </a:ext>
+                </a:extLst>
+              </a:tr>
+              <a:tr h="0">
+                <a:tc>
+                  <a:txBody>
+                    <a:bodyPr/>
+                    <a:lstStyle/>
+                    <a:p>
+                      <a:pPr marL="0" marR="0" algn="l">
+                        <a:lnSpc>
+                          <a:spcPct val="107000"/>
+                        </a:lnSpc>
+                        <a:spcBef>
+                          <a:spcPts val="0"/>
+                        </a:spcBef>
+                        <a:spcAft>
+                          <a:spcPts val="0"/>
+                        </a:spcAft>
+                      </a:pPr>
+                      <a:r>
+                        <a:rPr lang="en-US" sz="1200" dirty="0">
+                          <a:solidFill>
+                            <a:schemeClr val="bg1"/>
+                          </a:solidFill>
+                          <a:effectLst/>
+                          <a:latin typeface="Times New Roman" panose="02020603050405020304" pitchFamily="18" charset="0"/>
+                          <a:ea typeface="Calibri" panose="020F0502020204030204" pitchFamily="34" charset="0"/>
+                          <a:cs typeface="Times New Roman" panose="02020603050405020304" pitchFamily="18" charset="0"/>
+                        </a:rPr>
+                        <a:t>F</a:t>
+                      </a:r>
+                      <a:endParaRPr lang="en-US" sz="1100" dirty="0">
+                        <a:solidFill>
+                          <a:schemeClr val="bg1"/>
+                        </a:solidFill>
+                        <a:effectLst/>
+                        <a:latin typeface="Calibri" panose="020F0502020204030204" pitchFamily="34" charset="0"/>
+                        <a:ea typeface="Calibri" panose="020F0502020204030204" pitchFamily="34" charset="0"/>
+                        <a:cs typeface="Times New Roman" panose="02020603050405020304" pitchFamily="18" charset="0"/>
+                      </a:endParaRPr>
+                    </a:p>
+                  </a:txBody>
+                  <a:tcPr marL="68580" marR="68580" marT="0" marB="0">
+                    <a:lnL>
+                      <a:noFill/>
+                    </a:lnL>
+                    <a:lnR>
+                      <a:noFill/>
+                    </a:lnR>
+                    <a:lnT>
+                      <a:noFill/>
+                    </a:lnT>
+                    <a:lnB>
+                      <a:noFill/>
+                    </a:lnB>
+                  </a:tcPr>
+                </a:tc>
+                <a:tc>
+                  <a:txBody>
+                    <a:bodyPr/>
+                    <a:lstStyle/>
+                    <a:p>
+                      <a:pPr marL="0" marR="0" algn="ctr">
+                        <a:lnSpc>
+                          <a:spcPct val="107000"/>
+                        </a:lnSpc>
+                        <a:spcBef>
+                          <a:spcPts val="0"/>
+                        </a:spcBef>
+                        <a:spcAft>
+                          <a:spcPts val="0"/>
+                        </a:spcAft>
+                      </a:pPr>
+                      <a:r>
+                        <a:rPr lang="en-US" sz="1200" dirty="0">
+                          <a:effectLst/>
+                          <a:latin typeface="Times New Roman" panose="02020603050405020304" pitchFamily="18" charset="0"/>
+                          <a:ea typeface="Calibri" panose="020F0502020204030204" pitchFamily="34" charset="0"/>
+                          <a:cs typeface="Times New Roman" panose="02020603050405020304" pitchFamily="18" charset="0"/>
+                        </a:rPr>
+                        <a:t>157399</a:t>
+                      </a:r>
+                      <a:endParaRPr lang="en-US" sz="1100" dirty="0">
+                        <a:effectLst/>
+                        <a:latin typeface="Calibri" panose="020F0502020204030204" pitchFamily="34" charset="0"/>
+                        <a:ea typeface="Calibri" panose="020F0502020204030204" pitchFamily="34" charset="0"/>
+                        <a:cs typeface="Times New Roman" panose="02020603050405020304" pitchFamily="18" charset="0"/>
+                      </a:endParaRPr>
+                    </a:p>
+                  </a:txBody>
+                  <a:tcPr marL="68580" marR="68580" marT="0" marB="0">
+                    <a:lnL>
+                      <a:noFill/>
+                    </a:lnL>
+                    <a:lnR>
+                      <a:noFill/>
+                    </a:lnR>
+                    <a:lnT>
+                      <a:noFill/>
+                    </a:lnT>
+                    <a:lnB>
+                      <a:noFill/>
+                    </a:lnB>
+                  </a:tcPr>
+                </a:tc>
+                <a:tc>
+                  <a:txBody>
+                    <a:bodyPr/>
+                    <a:lstStyle/>
+                    <a:p>
+                      <a:pPr marL="0" marR="0" algn="ctr">
+                        <a:lnSpc>
+                          <a:spcPct val="107000"/>
+                        </a:lnSpc>
+                        <a:spcBef>
+                          <a:spcPts val="0"/>
+                        </a:spcBef>
+                        <a:spcAft>
+                          <a:spcPts val="0"/>
+                        </a:spcAft>
+                      </a:pPr>
+                      <a:r>
+                        <a:rPr lang="en-US" sz="1200">
+                          <a:effectLst/>
+                          <a:latin typeface="Times New Roman" panose="02020603050405020304" pitchFamily="18" charset="0"/>
+                          <a:ea typeface="Calibri" panose="020F0502020204030204" pitchFamily="34" charset="0"/>
+                          <a:cs typeface="Times New Roman" panose="02020603050405020304" pitchFamily="18" charset="0"/>
+                        </a:rPr>
+                        <a:t>2300 – 2500 </a:t>
+                      </a:r>
+                      <a:endParaRPr lang="en-US" sz="1100">
+                        <a:effectLst/>
+                        <a:latin typeface="Calibri" panose="020F0502020204030204" pitchFamily="34" charset="0"/>
+                        <a:ea typeface="Calibri" panose="020F0502020204030204" pitchFamily="34" charset="0"/>
+                        <a:cs typeface="Times New Roman" panose="02020603050405020304" pitchFamily="18" charset="0"/>
+                      </a:endParaRPr>
+                    </a:p>
+                  </a:txBody>
+                  <a:tcPr marL="68580" marR="68580" marT="0" marB="0">
+                    <a:lnL>
+                      <a:noFill/>
+                    </a:lnL>
+                    <a:lnR>
+                      <a:noFill/>
+                    </a:lnR>
+                    <a:lnT>
+                      <a:noFill/>
+                    </a:lnT>
+                    <a:lnB>
+                      <a:noFill/>
+                    </a:lnB>
+                  </a:tcPr>
+                </a:tc>
+                <a:tc>
+                  <a:txBody>
+                    <a:bodyPr/>
+                    <a:lstStyle/>
+                    <a:p>
+                      <a:pPr marL="0" marR="0" algn="l">
+                        <a:lnSpc>
+                          <a:spcPct val="107000"/>
+                        </a:lnSpc>
+                        <a:spcBef>
+                          <a:spcPts val="0"/>
+                        </a:spcBef>
+                        <a:spcAft>
+                          <a:spcPts val="0"/>
+                        </a:spcAft>
+                      </a:pPr>
+                      <a:r>
+                        <a:rPr lang="en-US" sz="1200" dirty="0">
+                          <a:solidFill>
+                            <a:schemeClr val="bg1"/>
+                          </a:solidFill>
+                          <a:effectLst/>
+                          <a:latin typeface="Times New Roman" panose="02020603050405020304" pitchFamily="18" charset="0"/>
+                          <a:ea typeface="Calibri" panose="020F0502020204030204" pitchFamily="34" charset="0"/>
+                          <a:cs typeface="Times New Roman" panose="02020603050405020304" pitchFamily="18" charset="0"/>
+                        </a:rPr>
+                        <a:t>F</a:t>
+                      </a:r>
+                      <a:endParaRPr lang="en-US" sz="1100" dirty="0">
+                        <a:solidFill>
+                          <a:schemeClr val="bg1"/>
+                        </a:solidFill>
+                        <a:effectLst/>
+                        <a:latin typeface="Calibri" panose="020F0502020204030204" pitchFamily="34" charset="0"/>
+                        <a:ea typeface="Calibri" panose="020F0502020204030204" pitchFamily="34" charset="0"/>
+                        <a:cs typeface="Times New Roman" panose="02020603050405020304" pitchFamily="18" charset="0"/>
+                      </a:endParaRPr>
+                    </a:p>
+                  </a:txBody>
+                  <a:tcPr marL="68580" marR="68580" marT="0" marB="0">
+                    <a:lnL>
+                      <a:noFill/>
+                    </a:lnL>
+                    <a:lnR>
+                      <a:noFill/>
+                    </a:lnR>
+                    <a:lnT>
+                      <a:noFill/>
+                    </a:lnT>
+                    <a:lnB>
+                      <a:noFill/>
+                    </a:lnB>
+                  </a:tcPr>
+                </a:tc>
+                <a:extLst>
+                  <a:ext uri="{0D108BD9-81ED-4DB2-BD59-A6C34878D82A}">
+                    <a16:rowId xmlns:a16="http://schemas.microsoft.com/office/drawing/2014/main" val="1669038891"/>
+                  </a:ext>
+                </a:extLst>
+              </a:tr>
+              <a:tr h="0">
+                <a:tc>
+                  <a:txBody>
+                    <a:bodyPr/>
+                    <a:lstStyle/>
+                    <a:p>
+                      <a:pPr marL="0" marR="0" algn="l">
+                        <a:lnSpc>
+                          <a:spcPct val="107000"/>
+                        </a:lnSpc>
+                        <a:spcBef>
+                          <a:spcPts val="0"/>
+                        </a:spcBef>
+                        <a:spcAft>
+                          <a:spcPts val="0"/>
+                        </a:spcAft>
+                      </a:pPr>
+                      <a:r>
+                        <a:rPr lang="en-US" sz="1200" dirty="0">
+                          <a:solidFill>
+                            <a:schemeClr val="bg1"/>
+                          </a:solidFill>
+                          <a:effectLst/>
+                          <a:latin typeface="Times New Roman" panose="02020603050405020304" pitchFamily="18" charset="0"/>
+                          <a:ea typeface="Calibri" panose="020F0502020204030204" pitchFamily="34" charset="0"/>
+                          <a:cs typeface="Times New Roman" panose="02020603050405020304" pitchFamily="18" charset="0"/>
+                        </a:rPr>
+                        <a:t>F</a:t>
+                      </a:r>
+                      <a:endParaRPr lang="en-US" sz="1100" dirty="0">
+                        <a:solidFill>
+                          <a:schemeClr val="bg1"/>
+                        </a:solidFill>
+                        <a:effectLst/>
+                        <a:latin typeface="Calibri" panose="020F0502020204030204" pitchFamily="34" charset="0"/>
+                        <a:ea typeface="Calibri" panose="020F0502020204030204" pitchFamily="34" charset="0"/>
+                        <a:cs typeface="Times New Roman" panose="02020603050405020304" pitchFamily="18" charset="0"/>
+                      </a:endParaRPr>
+                    </a:p>
+                  </a:txBody>
+                  <a:tcPr marL="68580" marR="68580" marT="0" marB="0">
+                    <a:lnL>
+                      <a:noFill/>
+                    </a:lnL>
+                    <a:lnR>
+                      <a:noFill/>
+                    </a:lnR>
+                    <a:lnT>
+                      <a:noFill/>
+                    </a:lnT>
+                    <a:lnB>
+                      <a:noFill/>
+                    </a:lnB>
+                  </a:tcPr>
+                </a:tc>
+                <a:tc>
+                  <a:txBody>
+                    <a:bodyPr/>
+                    <a:lstStyle/>
+                    <a:p>
+                      <a:pPr marL="0" marR="0" algn="ctr">
+                        <a:lnSpc>
+                          <a:spcPct val="107000"/>
+                        </a:lnSpc>
+                        <a:spcBef>
+                          <a:spcPts val="0"/>
+                        </a:spcBef>
+                        <a:spcAft>
+                          <a:spcPts val="0"/>
+                        </a:spcAft>
+                      </a:pPr>
+                      <a:r>
+                        <a:rPr lang="en-US" sz="1200" dirty="0">
+                          <a:effectLst/>
+                          <a:latin typeface="Times New Roman" panose="02020603050405020304" pitchFamily="18" charset="0"/>
+                          <a:ea typeface="Calibri" panose="020F0502020204030204" pitchFamily="34" charset="0"/>
+                          <a:cs typeface="Times New Roman" panose="02020603050405020304" pitchFamily="18" charset="0"/>
+                        </a:rPr>
+                        <a:t>157400</a:t>
+                      </a:r>
+                      <a:endParaRPr lang="en-US" sz="1100" dirty="0">
+                        <a:effectLst/>
+                        <a:latin typeface="Calibri" panose="020F0502020204030204" pitchFamily="34" charset="0"/>
+                        <a:ea typeface="Calibri" panose="020F0502020204030204" pitchFamily="34" charset="0"/>
+                        <a:cs typeface="Times New Roman" panose="02020603050405020304" pitchFamily="18" charset="0"/>
+                      </a:endParaRPr>
+                    </a:p>
+                  </a:txBody>
+                  <a:tcPr marL="68580" marR="68580" marT="0" marB="0">
+                    <a:lnL>
+                      <a:noFill/>
+                    </a:lnL>
+                    <a:lnR>
+                      <a:noFill/>
+                    </a:lnR>
+                    <a:lnT>
+                      <a:noFill/>
+                    </a:lnT>
+                    <a:lnB>
+                      <a:noFill/>
+                    </a:lnB>
+                  </a:tcPr>
+                </a:tc>
+                <a:tc>
+                  <a:txBody>
+                    <a:bodyPr/>
+                    <a:lstStyle/>
+                    <a:p>
+                      <a:pPr marL="0" marR="0" algn="ctr">
+                        <a:lnSpc>
+                          <a:spcPct val="107000"/>
+                        </a:lnSpc>
+                        <a:spcBef>
+                          <a:spcPts val="0"/>
+                        </a:spcBef>
+                        <a:spcAft>
+                          <a:spcPts val="0"/>
+                        </a:spcAft>
+                      </a:pPr>
+                      <a:r>
+                        <a:rPr lang="en-US" sz="1200">
+                          <a:effectLst/>
+                          <a:latin typeface="Times New Roman" panose="02020603050405020304" pitchFamily="18" charset="0"/>
+                          <a:ea typeface="Calibri" panose="020F0502020204030204" pitchFamily="34" charset="0"/>
+                          <a:cs typeface="Times New Roman" panose="02020603050405020304" pitchFamily="18" charset="0"/>
+                        </a:rPr>
+                        <a:t>2300 – 2500 </a:t>
+                      </a:r>
+                      <a:endParaRPr lang="en-US" sz="1100">
+                        <a:effectLst/>
+                        <a:latin typeface="Calibri" panose="020F0502020204030204" pitchFamily="34" charset="0"/>
+                        <a:ea typeface="Calibri" panose="020F0502020204030204" pitchFamily="34" charset="0"/>
+                        <a:cs typeface="Times New Roman" panose="02020603050405020304" pitchFamily="18" charset="0"/>
+                      </a:endParaRPr>
+                    </a:p>
+                  </a:txBody>
+                  <a:tcPr marL="68580" marR="68580" marT="0" marB="0">
+                    <a:lnL>
+                      <a:noFill/>
+                    </a:lnL>
+                    <a:lnR>
+                      <a:noFill/>
+                    </a:lnR>
+                    <a:lnT>
+                      <a:noFill/>
+                    </a:lnT>
+                    <a:lnB>
+                      <a:noFill/>
+                    </a:lnB>
+                  </a:tcPr>
+                </a:tc>
+                <a:tc>
+                  <a:txBody>
+                    <a:bodyPr/>
+                    <a:lstStyle/>
+                    <a:p>
+                      <a:pPr marL="0" marR="0" algn="l">
+                        <a:lnSpc>
+                          <a:spcPct val="107000"/>
+                        </a:lnSpc>
+                        <a:spcBef>
+                          <a:spcPts val="0"/>
+                        </a:spcBef>
+                        <a:spcAft>
+                          <a:spcPts val="0"/>
+                        </a:spcAft>
+                      </a:pPr>
+                      <a:r>
+                        <a:rPr lang="en-US" sz="1200" dirty="0">
+                          <a:solidFill>
+                            <a:schemeClr val="bg1"/>
+                          </a:solidFill>
+                          <a:effectLst/>
+                          <a:latin typeface="Times New Roman" panose="02020603050405020304" pitchFamily="18" charset="0"/>
+                          <a:ea typeface="Calibri" panose="020F0502020204030204" pitchFamily="34" charset="0"/>
+                          <a:cs typeface="Times New Roman" panose="02020603050405020304" pitchFamily="18" charset="0"/>
+                        </a:rPr>
+                        <a:t>F</a:t>
+                      </a:r>
+                      <a:endParaRPr lang="en-US" sz="1100" dirty="0">
+                        <a:solidFill>
+                          <a:schemeClr val="bg1"/>
+                        </a:solidFill>
+                        <a:effectLst/>
+                        <a:latin typeface="Calibri" panose="020F0502020204030204" pitchFamily="34" charset="0"/>
+                        <a:ea typeface="Calibri" panose="020F0502020204030204" pitchFamily="34" charset="0"/>
+                        <a:cs typeface="Times New Roman" panose="02020603050405020304" pitchFamily="18" charset="0"/>
+                      </a:endParaRPr>
+                    </a:p>
+                  </a:txBody>
+                  <a:tcPr marL="68580" marR="68580" marT="0" marB="0">
+                    <a:lnL>
+                      <a:noFill/>
+                    </a:lnL>
+                    <a:lnR>
+                      <a:noFill/>
+                    </a:lnR>
+                    <a:lnT>
+                      <a:noFill/>
+                    </a:lnT>
+                    <a:lnB>
+                      <a:noFill/>
+                    </a:lnB>
+                  </a:tcPr>
+                </a:tc>
+                <a:extLst>
+                  <a:ext uri="{0D108BD9-81ED-4DB2-BD59-A6C34878D82A}">
+                    <a16:rowId xmlns:a16="http://schemas.microsoft.com/office/drawing/2014/main" val="376098497"/>
+                  </a:ext>
+                </a:extLst>
+              </a:tr>
+              <a:tr h="0">
+                <a:tc>
+                  <a:txBody>
+                    <a:bodyPr/>
+                    <a:lstStyle/>
+                    <a:p>
+                      <a:pPr marL="0" marR="0" algn="l">
+                        <a:lnSpc>
+                          <a:spcPct val="107000"/>
+                        </a:lnSpc>
+                        <a:spcBef>
+                          <a:spcPts val="0"/>
+                        </a:spcBef>
+                        <a:spcAft>
+                          <a:spcPts val="0"/>
+                        </a:spcAft>
+                      </a:pPr>
+                      <a:r>
+                        <a:rPr lang="en-US" sz="1200" dirty="0">
+                          <a:solidFill>
+                            <a:schemeClr val="bg1"/>
+                          </a:solidFill>
+                          <a:effectLst/>
+                          <a:latin typeface="Times New Roman" panose="02020603050405020304" pitchFamily="18" charset="0"/>
+                          <a:ea typeface="Calibri" panose="020F0502020204030204" pitchFamily="34" charset="0"/>
+                          <a:cs typeface="Times New Roman" panose="02020603050405020304" pitchFamily="18" charset="0"/>
+                        </a:rPr>
+                        <a:t>F</a:t>
+                      </a:r>
+                      <a:endParaRPr lang="en-US" sz="1100" dirty="0">
+                        <a:solidFill>
+                          <a:schemeClr val="bg1"/>
+                        </a:solidFill>
+                        <a:effectLst/>
+                        <a:latin typeface="Calibri" panose="020F0502020204030204" pitchFamily="34" charset="0"/>
+                        <a:ea typeface="Calibri" panose="020F0502020204030204" pitchFamily="34" charset="0"/>
+                        <a:cs typeface="Times New Roman" panose="02020603050405020304" pitchFamily="18" charset="0"/>
+                      </a:endParaRPr>
+                    </a:p>
+                  </a:txBody>
+                  <a:tcPr marL="68580" marR="68580" marT="0" marB="0">
+                    <a:lnL>
+                      <a:noFill/>
+                    </a:lnL>
+                    <a:lnR>
+                      <a:noFill/>
+                    </a:lnR>
+                    <a:lnT>
+                      <a:noFill/>
+                    </a:lnT>
+                    <a:lnB>
+                      <a:noFill/>
+                    </a:lnB>
+                  </a:tcPr>
+                </a:tc>
+                <a:tc>
+                  <a:txBody>
+                    <a:bodyPr/>
+                    <a:lstStyle/>
+                    <a:p>
+                      <a:pPr marL="0" marR="0" algn="ctr">
+                        <a:lnSpc>
+                          <a:spcPct val="107000"/>
+                        </a:lnSpc>
+                        <a:spcBef>
+                          <a:spcPts val="0"/>
+                        </a:spcBef>
+                        <a:spcAft>
+                          <a:spcPts val="0"/>
+                        </a:spcAft>
+                      </a:pPr>
+                      <a:r>
+                        <a:rPr lang="en-US" sz="1200" dirty="0">
+                          <a:effectLst/>
+                          <a:latin typeface="Times New Roman" panose="02020603050405020304" pitchFamily="18" charset="0"/>
+                          <a:ea typeface="Calibri" panose="020F0502020204030204" pitchFamily="34" charset="0"/>
+                          <a:cs typeface="Times New Roman" panose="02020603050405020304" pitchFamily="18" charset="0"/>
+                        </a:rPr>
+                        <a:t>157401</a:t>
+                      </a:r>
+                      <a:endParaRPr lang="en-US" sz="1100" dirty="0">
+                        <a:effectLst/>
+                        <a:latin typeface="Calibri" panose="020F0502020204030204" pitchFamily="34" charset="0"/>
+                        <a:ea typeface="Calibri" panose="020F0502020204030204" pitchFamily="34" charset="0"/>
+                        <a:cs typeface="Times New Roman" panose="02020603050405020304" pitchFamily="18" charset="0"/>
+                      </a:endParaRPr>
+                    </a:p>
+                  </a:txBody>
+                  <a:tcPr marL="68580" marR="68580" marT="0" marB="0">
+                    <a:lnL>
+                      <a:noFill/>
+                    </a:lnL>
+                    <a:lnR>
+                      <a:noFill/>
+                    </a:lnR>
+                    <a:lnT>
+                      <a:noFill/>
+                    </a:lnT>
+                    <a:lnB>
+                      <a:noFill/>
+                    </a:lnB>
+                  </a:tcPr>
+                </a:tc>
+                <a:tc>
+                  <a:txBody>
+                    <a:bodyPr/>
+                    <a:lstStyle/>
+                    <a:p>
+                      <a:pPr marL="0" marR="0" algn="ctr">
+                        <a:lnSpc>
+                          <a:spcPct val="107000"/>
+                        </a:lnSpc>
+                        <a:spcBef>
+                          <a:spcPts val="0"/>
+                        </a:spcBef>
+                        <a:spcAft>
+                          <a:spcPts val="0"/>
+                        </a:spcAft>
+                      </a:pPr>
+                      <a:r>
+                        <a:rPr lang="en-US" sz="1200" dirty="0">
+                          <a:effectLst/>
+                          <a:latin typeface="Times New Roman" panose="02020603050405020304" pitchFamily="18" charset="0"/>
+                          <a:ea typeface="Calibri" panose="020F0502020204030204" pitchFamily="34" charset="0"/>
+                          <a:cs typeface="Times New Roman" panose="02020603050405020304" pitchFamily="18" charset="0"/>
+                        </a:rPr>
+                        <a:t>2300 – 2500 </a:t>
+                      </a:r>
+                      <a:endParaRPr lang="en-US" sz="1100" dirty="0">
+                        <a:effectLst/>
+                        <a:latin typeface="Calibri" panose="020F0502020204030204" pitchFamily="34" charset="0"/>
+                        <a:ea typeface="Calibri" panose="020F0502020204030204" pitchFamily="34" charset="0"/>
+                        <a:cs typeface="Times New Roman" panose="02020603050405020304" pitchFamily="18" charset="0"/>
+                      </a:endParaRPr>
+                    </a:p>
+                  </a:txBody>
+                  <a:tcPr marL="68580" marR="68580" marT="0" marB="0">
+                    <a:lnL>
+                      <a:noFill/>
+                    </a:lnL>
+                    <a:lnR>
+                      <a:noFill/>
+                    </a:lnR>
+                    <a:lnT>
+                      <a:noFill/>
+                    </a:lnT>
+                    <a:lnB>
+                      <a:noFill/>
+                    </a:lnB>
+                  </a:tcPr>
+                </a:tc>
+                <a:tc>
+                  <a:txBody>
+                    <a:bodyPr/>
+                    <a:lstStyle/>
+                    <a:p>
+                      <a:pPr marL="0" marR="0" algn="l">
+                        <a:lnSpc>
+                          <a:spcPct val="107000"/>
+                        </a:lnSpc>
+                        <a:spcBef>
+                          <a:spcPts val="0"/>
+                        </a:spcBef>
+                        <a:spcAft>
+                          <a:spcPts val="0"/>
+                        </a:spcAft>
+                      </a:pPr>
+                      <a:r>
+                        <a:rPr lang="en-US" sz="1200" dirty="0">
+                          <a:solidFill>
+                            <a:schemeClr val="bg1"/>
+                          </a:solidFill>
+                          <a:effectLst/>
+                          <a:latin typeface="Times New Roman" panose="02020603050405020304" pitchFamily="18" charset="0"/>
+                          <a:ea typeface="Calibri" panose="020F0502020204030204" pitchFamily="34" charset="0"/>
+                          <a:cs typeface="Times New Roman" panose="02020603050405020304" pitchFamily="18" charset="0"/>
+                        </a:rPr>
+                        <a:t>F</a:t>
+                      </a:r>
+                      <a:endParaRPr lang="en-US" sz="1100" dirty="0">
+                        <a:solidFill>
+                          <a:schemeClr val="bg1"/>
+                        </a:solidFill>
+                        <a:effectLst/>
+                        <a:latin typeface="Calibri" panose="020F0502020204030204" pitchFamily="34" charset="0"/>
+                        <a:ea typeface="Calibri" panose="020F0502020204030204" pitchFamily="34" charset="0"/>
+                        <a:cs typeface="Times New Roman" panose="02020603050405020304" pitchFamily="18" charset="0"/>
+                      </a:endParaRPr>
+                    </a:p>
+                  </a:txBody>
+                  <a:tcPr marL="68580" marR="68580" marT="0" marB="0">
+                    <a:lnL>
+                      <a:noFill/>
+                    </a:lnL>
+                    <a:lnR>
+                      <a:noFill/>
+                    </a:lnR>
+                    <a:lnT>
+                      <a:noFill/>
+                    </a:lnT>
+                    <a:lnB>
+                      <a:noFill/>
+                    </a:lnB>
+                  </a:tcPr>
+                </a:tc>
+                <a:extLst>
+                  <a:ext uri="{0D108BD9-81ED-4DB2-BD59-A6C34878D82A}">
+                    <a16:rowId xmlns:a16="http://schemas.microsoft.com/office/drawing/2014/main" val="883903201"/>
+                  </a:ext>
+                </a:extLst>
+              </a:tr>
+              <a:tr h="0">
+                <a:tc>
+                  <a:txBody>
+                    <a:bodyPr/>
+                    <a:lstStyle/>
+                    <a:p>
+                      <a:pPr marL="0" marR="0" algn="l">
+                        <a:lnSpc>
+                          <a:spcPct val="107000"/>
+                        </a:lnSpc>
+                        <a:spcBef>
+                          <a:spcPts val="0"/>
+                        </a:spcBef>
+                        <a:spcAft>
+                          <a:spcPts val="0"/>
+                        </a:spcAft>
+                      </a:pPr>
+                      <a:r>
+                        <a:rPr lang="en-US" sz="1200" dirty="0">
+                          <a:solidFill>
+                            <a:schemeClr val="bg1"/>
+                          </a:solidFill>
+                          <a:effectLst/>
+                          <a:latin typeface="Times New Roman" panose="02020603050405020304" pitchFamily="18" charset="0"/>
+                          <a:ea typeface="Calibri" panose="020F0502020204030204" pitchFamily="34" charset="0"/>
+                          <a:cs typeface="Times New Roman" panose="02020603050405020304" pitchFamily="18" charset="0"/>
+                        </a:rPr>
+                        <a:t>F</a:t>
+                      </a:r>
+                      <a:endParaRPr lang="en-US" sz="1100" dirty="0">
+                        <a:solidFill>
+                          <a:schemeClr val="bg1"/>
+                        </a:solidFill>
+                        <a:effectLst/>
+                        <a:latin typeface="Calibri" panose="020F0502020204030204" pitchFamily="34" charset="0"/>
+                        <a:ea typeface="Calibri" panose="020F0502020204030204" pitchFamily="34" charset="0"/>
+                        <a:cs typeface="Times New Roman" panose="02020603050405020304" pitchFamily="18" charset="0"/>
+                      </a:endParaRPr>
+                    </a:p>
+                  </a:txBody>
+                  <a:tcPr marL="68580" marR="68580" marT="0" marB="0">
+                    <a:lnL>
+                      <a:noFill/>
+                    </a:lnL>
+                    <a:lnR>
+                      <a:noFill/>
+                    </a:lnR>
+                    <a:lnT>
+                      <a:noFill/>
+                    </a:lnT>
+                    <a:lnB w="19050" cap="flat" cmpd="dbl" algn="ctr">
+                      <a:solidFill>
+                        <a:srgbClr val="000000"/>
+                      </a:solidFill>
+                      <a:prstDash val="solid"/>
+                      <a:round/>
+                      <a:headEnd type="none" w="med" len="med"/>
+                      <a:tailEnd type="none" w="med" len="med"/>
+                    </a:lnB>
+                  </a:tcPr>
+                </a:tc>
+                <a:tc>
+                  <a:txBody>
+                    <a:bodyPr/>
+                    <a:lstStyle/>
+                    <a:p>
+                      <a:pPr marL="0" marR="0" algn="ctr">
+                        <a:lnSpc>
+                          <a:spcPct val="107000"/>
+                        </a:lnSpc>
+                        <a:spcBef>
+                          <a:spcPts val="0"/>
+                        </a:spcBef>
+                        <a:spcAft>
+                          <a:spcPts val="0"/>
+                        </a:spcAft>
+                      </a:pPr>
+                      <a:r>
+                        <a:rPr lang="en-US" sz="1200" dirty="0">
+                          <a:effectLst/>
+                          <a:latin typeface="Times New Roman" panose="02020603050405020304" pitchFamily="18" charset="0"/>
+                          <a:ea typeface="Calibri" panose="020F0502020204030204" pitchFamily="34" charset="0"/>
+                          <a:cs typeface="Times New Roman" panose="02020603050405020304" pitchFamily="18" charset="0"/>
+                        </a:rPr>
+                        <a:t>157402</a:t>
+                      </a:r>
+                      <a:endParaRPr lang="en-US" sz="1100" dirty="0">
+                        <a:effectLst/>
+                        <a:latin typeface="Calibri" panose="020F0502020204030204" pitchFamily="34" charset="0"/>
+                        <a:ea typeface="Calibri" panose="020F0502020204030204" pitchFamily="34" charset="0"/>
+                        <a:cs typeface="Times New Roman" panose="02020603050405020304" pitchFamily="18" charset="0"/>
+                      </a:endParaRPr>
+                    </a:p>
+                  </a:txBody>
+                  <a:tcPr marL="68580" marR="68580" marT="0" marB="0">
+                    <a:lnL>
+                      <a:noFill/>
+                    </a:lnL>
+                    <a:lnR>
+                      <a:noFill/>
+                    </a:lnR>
+                    <a:lnT>
+                      <a:noFill/>
+                    </a:lnT>
+                    <a:lnB w="19050" cap="flat" cmpd="dbl" algn="ctr">
+                      <a:solidFill>
+                        <a:srgbClr val="000000"/>
+                      </a:solidFill>
+                      <a:prstDash val="solid"/>
+                      <a:round/>
+                      <a:headEnd type="none" w="med" len="med"/>
+                      <a:tailEnd type="none" w="med" len="med"/>
+                    </a:lnB>
+                  </a:tcPr>
+                </a:tc>
+                <a:tc>
+                  <a:txBody>
+                    <a:bodyPr/>
+                    <a:lstStyle/>
+                    <a:p>
+                      <a:pPr marL="0" marR="0" algn="ctr">
+                        <a:lnSpc>
+                          <a:spcPct val="107000"/>
+                        </a:lnSpc>
+                        <a:spcBef>
+                          <a:spcPts val="0"/>
+                        </a:spcBef>
+                        <a:spcAft>
+                          <a:spcPts val="0"/>
+                        </a:spcAft>
+                      </a:pPr>
+                      <a:r>
+                        <a:rPr lang="en-US" sz="1200">
+                          <a:effectLst/>
+                          <a:latin typeface="Times New Roman" panose="02020603050405020304" pitchFamily="18" charset="0"/>
+                          <a:ea typeface="Calibri" panose="020F0502020204030204" pitchFamily="34" charset="0"/>
+                          <a:cs typeface="Times New Roman" panose="02020603050405020304" pitchFamily="18" charset="0"/>
+                        </a:rPr>
+                        <a:t>2300 – 2500 </a:t>
+                      </a:r>
+                      <a:endParaRPr lang="en-US" sz="1100">
+                        <a:effectLst/>
+                        <a:latin typeface="Calibri" panose="020F0502020204030204" pitchFamily="34" charset="0"/>
+                        <a:ea typeface="Calibri" panose="020F0502020204030204" pitchFamily="34" charset="0"/>
+                        <a:cs typeface="Times New Roman" panose="02020603050405020304" pitchFamily="18" charset="0"/>
+                      </a:endParaRPr>
+                    </a:p>
+                  </a:txBody>
+                  <a:tcPr marL="68580" marR="68580" marT="0" marB="0">
+                    <a:lnL>
+                      <a:noFill/>
+                    </a:lnL>
+                    <a:lnR>
+                      <a:noFill/>
+                    </a:lnR>
+                    <a:lnT>
+                      <a:noFill/>
+                    </a:lnT>
+                    <a:lnB w="19050" cap="flat" cmpd="dbl" algn="ctr">
+                      <a:solidFill>
+                        <a:srgbClr val="000000"/>
+                      </a:solidFill>
+                      <a:prstDash val="solid"/>
+                      <a:round/>
+                      <a:headEnd type="none" w="med" len="med"/>
+                      <a:tailEnd type="none" w="med" len="med"/>
+                    </a:lnB>
+                  </a:tcPr>
+                </a:tc>
+                <a:tc>
+                  <a:txBody>
+                    <a:bodyPr/>
+                    <a:lstStyle/>
+                    <a:p>
+                      <a:pPr marL="0" marR="0" algn="l">
+                        <a:lnSpc>
+                          <a:spcPct val="107000"/>
+                        </a:lnSpc>
+                        <a:spcBef>
+                          <a:spcPts val="0"/>
+                        </a:spcBef>
+                        <a:spcAft>
+                          <a:spcPts val="0"/>
+                        </a:spcAft>
+                      </a:pPr>
+                      <a:r>
+                        <a:rPr lang="en-US" sz="1200" dirty="0">
+                          <a:solidFill>
+                            <a:schemeClr val="bg1"/>
+                          </a:solidFill>
+                          <a:effectLst/>
+                          <a:latin typeface="Times New Roman" panose="02020603050405020304" pitchFamily="18" charset="0"/>
+                          <a:ea typeface="Calibri" panose="020F0502020204030204" pitchFamily="34" charset="0"/>
+                          <a:cs typeface="Times New Roman" panose="02020603050405020304" pitchFamily="18" charset="0"/>
+                        </a:rPr>
+                        <a:t>F</a:t>
+                      </a:r>
+                      <a:endParaRPr lang="en-US" sz="1100" dirty="0">
+                        <a:solidFill>
+                          <a:schemeClr val="bg1"/>
+                        </a:solidFill>
+                        <a:effectLst/>
+                        <a:latin typeface="Calibri" panose="020F0502020204030204" pitchFamily="34" charset="0"/>
+                        <a:ea typeface="Calibri" panose="020F0502020204030204" pitchFamily="34" charset="0"/>
+                        <a:cs typeface="Times New Roman" panose="02020603050405020304" pitchFamily="18" charset="0"/>
+                      </a:endParaRPr>
+                    </a:p>
+                  </a:txBody>
+                  <a:tcPr marL="68580" marR="68580" marT="0" marB="0">
+                    <a:lnL>
+                      <a:noFill/>
+                    </a:lnL>
+                    <a:lnR>
+                      <a:noFill/>
+                    </a:lnR>
+                    <a:lnT>
+                      <a:noFill/>
+                    </a:lnT>
+                    <a:lnB w="19050" cap="flat" cmpd="dbl" algn="ctr">
+                      <a:solidFill>
+                        <a:srgbClr val="000000"/>
+                      </a:solidFill>
+                      <a:prstDash val="solid"/>
+                      <a:round/>
+                      <a:headEnd type="none" w="med" len="med"/>
+                      <a:tailEnd type="none" w="med" len="med"/>
+                    </a:lnB>
+                  </a:tcPr>
+                </a:tc>
+                <a:extLst>
+                  <a:ext uri="{0D108BD9-81ED-4DB2-BD59-A6C34878D82A}">
+                    <a16:rowId xmlns:a16="http://schemas.microsoft.com/office/drawing/2014/main" val="1466322147"/>
+                  </a:ext>
+                </a:extLst>
+              </a:tr>
+            </a:tbl>
+          </a:graphicData>
+        </a:graphic>
+      </p:graphicFrame>
+      <p:sp>
+        <p:nvSpPr>
+          <p:cNvPr id="17" name="TextBox 16"/>
+          <p:cNvSpPr txBox="1"/>
+          <p:nvPr/>
+        </p:nvSpPr>
+        <p:spPr>
+          <a:xfrm>
+            <a:off x="1288161" y="5951162"/>
+            <a:ext cx="2800350" cy="553998"/>
+          </a:xfrm>
+          <a:prstGeom prst="rect">
+            <a:avLst/>
+          </a:prstGeom>
+          <a:noFill/>
+        </p:spPr>
+        <p:txBody>
+          <a:bodyPr wrap="square" rtlCol="0">
+            <a:spAutoFit/>
+          </a:bodyPr>
+          <a:lstStyle/>
+          <a:p>
+            <a:pPr algn="just"/>
+            <a:r>
+              <a:rPr lang="en-US" sz="1000" dirty="0">
+                <a:latin typeface="Times New Roman" panose="02020603050405020304" pitchFamily="18" charset="0"/>
+                <a:cs typeface="Times New Roman" panose="02020603050405020304" pitchFamily="18" charset="0"/>
+              </a:rPr>
+              <a:t>Table 2. Shot list and time windows used for the verification process. Each shot has a 200 ms time window which we are interested in.</a:t>
+            </a:r>
+          </a:p>
+        </p:txBody>
+      </p:sp>
     </p:spTree>
     <p:extLst>
       <p:ext uri="{BB962C8B-B14F-4D97-AF65-F5344CB8AC3E}">
         <p14:creationId xmlns:p14="http://schemas.microsoft.com/office/powerpoint/2010/main" val="3671916990"/>
+      </p:ext>
+    </p:extLst>
+  </p:cSld>
+  <p:clrMapOvr>
+    <a:masterClrMapping/>
+  </p:clrMapOvr>
+</p:sld>
+</file>
+
+<file path=ppt/slides/slide4.xml><?xml version="1.0" encoding="utf-8"?>
+<p:sld xmlns:a="http://schemas.openxmlformats.org/drawingml/2006/main" xmlns:r="http://schemas.openxmlformats.org/officeDocument/2006/relationships" xmlns:p="http://schemas.openxmlformats.org/presentationml/2006/main">
+  <p:cSld>
+    <p:spTree>
+      <p:nvGrpSpPr>
+        <p:cNvPr id="1" name=""/>
+        <p:cNvGrpSpPr/>
+        <p:nvPr/>
+      </p:nvGrpSpPr>
+      <p:grpSpPr>
+        <a:xfrm>
+          <a:off x="0" y="0"/>
+          <a:ext cx="0" cy="0"/>
+          <a:chOff x="0" y="0"/>
+          <a:chExt cx="0" cy="0"/>
+        </a:xfrm>
+      </p:grpSpPr>
+      <p:grpSp>
+        <p:nvGrpSpPr>
+          <p:cNvPr id="13" name="Group 12"/>
+          <p:cNvGrpSpPr/>
+          <p:nvPr/>
+        </p:nvGrpSpPr>
+        <p:grpSpPr>
+          <a:xfrm>
+            <a:off x="64168" y="75627"/>
+            <a:ext cx="4564774" cy="5365238"/>
+            <a:chOff x="304800" y="185630"/>
+            <a:chExt cx="4564774" cy="5365238"/>
+          </a:xfrm>
+        </p:grpSpPr>
+        <p:grpSp>
+          <p:nvGrpSpPr>
+            <p:cNvPr id="8" name="Group 7"/>
+            <p:cNvGrpSpPr/>
+            <p:nvPr/>
+          </p:nvGrpSpPr>
+          <p:grpSpPr>
+            <a:xfrm>
+              <a:off x="420778" y="250556"/>
+              <a:ext cx="4448796" cy="4791558"/>
+              <a:chOff x="943292" y="999951"/>
+              <a:chExt cx="4448796" cy="4791558"/>
+            </a:xfrm>
+          </p:grpSpPr>
+          <p:pic>
+            <p:nvPicPr>
+              <p:cNvPr id="5" name="Picture 4" descr="A picture containing screenshot&#10;&#10;Description generated with very high confidence"/>
+              <p:cNvPicPr>
+                <a:picLocks noChangeAspect="1"/>
+              </p:cNvPicPr>
+              <p:nvPr/>
+            </p:nvPicPr>
+            <p:blipFill>
+              <a:blip r:embed="rId2">
+                <a:extLst>
+                  <a:ext uri="{28A0092B-C50C-407E-A947-70E740481C1C}">
+                    <a14:useLocalDpi xmlns:a14="http://schemas.microsoft.com/office/drawing/2010/main" val="0"/>
+                  </a:ext>
+                </a:extLst>
+              </a:blip>
+              <a:stretch>
+                <a:fillRect/>
+              </a:stretch>
+            </p:blipFill>
+            <p:spPr>
+              <a:xfrm>
+                <a:off x="943292" y="3476797"/>
+                <a:ext cx="4448796" cy="2314712"/>
+              </a:xfrm>
+              <a:prstGeom prst="rect">
+                <a:avLst/>
+              </a:prstGeom>
+            </p:spPr>
+          </p:pic>
+          <p:pic>
+            <p:nvPicPr>
+              <p:cNvPr id="7" name="Picture 6" descr="A picture containing screenshot&#10;&#10;Description generated with high confidence"/>
+              <p:cNvPicPr>
+                <a:picLocks noChangeAspect="1"/>
+              </p:cNvPicPr>
+              <p:nvPr/>
+            </p:nvPicPr>
+            <p:blipFill>
+              <a:blip r:embed="rId3">
+                <a:extLst>
+                  <a:ext uri="{28A0092B-C50C-407E-A947-70E740481C1C}">
+                    <a14:useLocalDpi xmlns:a14="http://schemas.microsoft.com/office/drawing/2010/main" val="0"/>
+                  </a:ext>
+                </a:extLst>
+              </a:blip>
+              <a:stretch>
+                <a:fillRect/>
+              </a:stretch>
+            </p:blipFill>
+            <p:spPr>
+              <a:xfrm>
+                <a:off x="943292" y="999951"/>
+                <a:ext cx="4448796" cy="2476846"/>
+              </a:xfrm>
+              <a:prstGeom prst="rect">
+                <a:avLst/>
+              </a:prstGeom>
+            </p:spPr>
+          </p:pic>
+        </p:grpSp>
+        <p:sp>
+          <p:nvSpPr>
+            <p:cNvPr id="9" name="Rectangle 8"/>
+            <p:cNvSpPr/>
+            <p:nvPr/>
+          </p:nvSpPr>
+          <p:spPr>
+            <a:xfrm>
+              <a:off x="364384" y="185630"/>
+              <a:ext cx="4505189" cy="5322995"/>
+            </a:xfrm>
+            <a:prstGeom prst="rect">
+              <a:avLst/>
+            </a:prstGeom>
+            <a:noFill/>
+            <a:ln>
+              <a:solidFill>
+                <a:schemeClr val="tx1"/>
+              </a:solidFill>
+            </a:ln>
+          </p:spPr>
+          <p:style>
+            <a:lnRef idx="2">
+              <a:schemeClr val="accent1">
+                <a:shade val="50000"/>
+              </a:schemeClr>
+            </a:lnRef>
+            <a:fillRef idx="1">
+              <a:schemeClr val="accent1"/>
+            </a:fillRef>
+            <a:effectRef idx="0">
+              <a:schemeClr val="accent1"/>
+            </a:effectRef>
+            <a:fontRef idx="minor">
+              <a:schemeClr val="lt1"/>
+            </a:fontRef>
+          </p:style>
+          <p:txBody>
+            <a:bodyPr rtlCol="0" anchor="ctr"/>
+            <a:lstStyle/>
+            <a:p>
+              <a:pPr algn="ctr"/>
+              <a:endParaRPr lang="en-US"/>
+            </a:p>
+          </p:txBody>
+        </p:sp>
+        <p:cxnSp>
+          <p:nvCxnSpPr>
+            <p:cNvPr id="11" name="Straight Connector 10"/>
+            <p:cNvCxnSpPr/>
+            <p:nvPr/>
+          </p:nvCxnSpPr>
+          <p:spPr>
+            <a:xfrm>
+              <a:off x="357510" y="5042114"/>
+              <a:ext cx="4512064" cy="0"/>
+            </a:xfrm>
+            <a:prstGeom prst="line">
+              <a:avLst/>
+            </a:prstGeom>
+            <a:ln w="12700">
+              <a:solidFill>
+                <a:schemeClr val="tx1"/>
+              </a:solidFill>
+            </a:ln>
+          </p:spPr>
+          <p:style>
+            <a:lnRef idx="1">
+              <a:schemeClr val="accent1"/>
+            </a:lnRef>
+            <a:fillRef idx="0">
+              <a:schemeClr val="accent1"/>
+            </a:fillRef>
+            <a:effectRef idx="0">
+              <a:schemeClr val="accent1"/>
+            </a:effectRef>
+            <a:fontRef idx="minor">
+              <a:schemeClr val="tx1"/>
+            </a:fontRef>
+          </p:style>
+        </p:cxnSp>
+        <p:sp>
+          <p:nvSpPr>
+            <p:cNvPr id="12" name="TextBox 11"/>
+            <p:cNvSpPr txBox="1"/>
+            <p:nvPr/>
+          </p:nvSpPr>
+          <p:spPr>
+            <a:xfrm>
+              <a:off x="304800" y="4996870"/>
+              <a:ext cx="4564773" cy="553998"/>
+            </a:xfrm>
+            <a:prstGeom prst="rect">
+              <a:avLst/>
+            </a:prstGeom>
+            <a:noFill/>
+          </p:spPr>
+          <p:txBody>
+            <a:bodyPr wrap="square" rtlCol="0">
+              <a:spAutoFit/>
+            </a:bodyPr>
+            <a:lstStyle/>
+            <a:p>
+              <a:pPr algn="just"/>
+              <a:r>
+                <a:rPr lang="en-US" sz="1000" dirty="0">
+                  <a:latin typeface="Times New Roman" panose="02020603050405020304" pitchFamily="18" charset="0"/>
+                  <a:cs typeface="Times New Roman" panose="02020603050405020304" pitchFamily="18" charset="0"/>
+                </a:rPr>
+                <a:t>Figure X. Comparison with our clustering algorithm (top) with a different mode identifying algorithm (bottom). Top: Different clusters plotted in different colors. Bottom: Different toroidal mode numbers plotted in different colors. </a:t>
+              </a:r>
+            </a:p>
+          </p:txBody>
+        </p:sp>
+      </p:grpSp>
+    </p:spTree>
+    <p:extLst>
+      <p:ext uri="{BB962C8B-B14F-4D97-AF65-F5344CB8AC3E}">
+        <p14:creationId xmlns:p14="http://schemas.microsoft.com/office/powerpoint/2010/main" val="1173425461"/>
       </p:ext>
     </p:extLst>
   </p:cSld>
